--- a/Missouri PPT.pptx
+++ b/Missouri PPT.pptx
@@ -275,7 +275,7 @@
           <a:p>
             <a:fld id="{B7AF82D5-15C1-4D5A-978E-38537E499AEB}" type="datetimeFigureOut">
               <a:rPr lang="en-US" smtClean="0"/>
-              <a:t>7/4/2021</a:t>
+              <a:t>7/5/2021</a:t>
             </a:fld>
             <a:endParaRPr lang="en-US"/>
           </a:p>
@@ -475,7 +475,7 @@
           <a:p>
             <a:fld id="{B7AF82D5-15C1-4D5A-978E-38537E499AEB}" type="datetimeFigureOut">
               <a:rPr lang="en-US" smtClean="0"/>
-              <a:t>7/4/2021</a:t>
+              <a:t>7/5/2021</a:t>
             </a:fld>
             <a:endParaRPr lang="en-US"/>
           </a:p>
@@ -685,7 +685,7 @@
           <a:p>
             <a:fld id="{B7AF82D5-15C1-4D5A-978E-38537E499AEB}" type="datetimeFigureOut">
               <a:rPr lang="en-US" smtClean="0"/>
-              <a:t>7/4/2021</a:t>
+              <a:t>7/5/2021</a:t>
             </a:fld>
             <a:endParaRPr lang="en-US"/>
           </a:p>
@@ -885,7 +885,7 @@
           <a:p>
             <a:fld id="{B7AF82D5-15C1-4D5A-978E-38537E499AEB}" type="datetimeFigureOut">
               <a:rPr lang="en-US" smtClean="0"/>
-              <a:t>7/4/2021</a:t>
+              <a:t>7/5/2021</a:t>
             </a:fld>
             <a:endParaRPr lang="en-US"/>
           </a:p>
@@ -1161,7 +1161,7 @@
           <a:p>
             <a:fld id="{B7AF82D5-15C1-4D5A-978E-38537E499AEB}" type="datetimeFigureOut">
               <a:rPr lang="en-US" smtClean="0"/>
-              <a:t>7/4/2021</a:t>
+              <a:t>7/5/2021</a:t>
             </a:fld>
             <a:endParaRPr lang="en-US"/>
           </a:p>
@@ -1429,7 +1429,7 @@
           <a:p>
             <a:fld id="{B7AF82D5-15C1-4D5A-978E-38537E499AEB}" type="datetimeFigureOut">
               <a:rPr lang="en-US" smtClean="0"/>
-              <a:t>7/4/2021</a:t>
+              <a:t>7/5/2021</a:t>
             </a:fld>
             <a:endParaRPr lang="en-US"/>
           </a:p>
@@ -1844,7 +1844,7 @@
           <a:p>
             <a:fld id="{B7AF82D5-15C1-4D5A-978E-38537E499AEB}" type="datetimeFigureOut">
               <a:rPr lang="en-US" smtClean="0"/>
-              <a:t>7/4/2021</a:t>
+              <a:t>7/5/2021</a:t>
             </a:fld>
             <a:endParaRPr lang="en-US"/>
           </a:p>
@@ -1986,7 +1986,7 @@
           <a:p>
             <a:fld id="{B7AF82D5-15C1-4D5A-978E-38537E499AEB}" type="datetimeFigureOut">
               <a:rPr lang="en-US" smtClean="0"/>
-              <a:t>7/4/2021</a:t>
+              <a:t>7/5/2021</a:t>
             </a:fld>
             <a:endParaRPr lang="en-US"/>
           </a:p>
@@ -2099,7 +2099,7 @@
           <a:p>
             <a:fld id="{B7AF82D5-15C1-4D5A-978E-38537E499AEB}" type="datetimeFigureOut">
               <a:rPr lang="en-US" smtClean="0"/>
-              <a:t>7/4/2021</a:t>
+              <a:t>7/5/2021</a:t>
             </a:fld>
             <a:endParaRPr lang="en-US"/>
           </a:p>
@@ -2412,7 +2412,7 @@
           <a:p>
             <a:fld id="{B7AF82D5-15C1-4D5A-978E-38537E499AEB}" type="datetimeFigureOut">
               <a:rPr lang="en-US" smtClean="0"/>
-              <a:t>7/4/2021</a:t>
+              <a:t>7/5/2021</a:t>
             </a:fld>
             <a:endParaRPr lang="en-US"/>
           </a:p>
@@ -2701,7 +2701,7 @@
           <a:p>
             <a:fld id="{B7AF82D5-15C1-4D5A-978E-38537E499AEB}" type="datetimeFigureOut">
               <a:rPr lang="en-US" smtClean="0"/>
-              <a:t>7/4/2021</a:t>
+              <a:t>7/5/2021</a:t>
             </a:fld>
             <a:endParaRPr lang="en-US"/>
           </a:p>
@@ -2944,7 +2944,7 @@
           <a:p>
             <a:fld id="{B7AF82D5-15C1-4D5A-978E-38537E499AEB}" type="datetimeFigureOut">
               <a:rPr lang="en-US" smtClean="0"/>
-              <a:t>7/4/2021</a:t>
+              <a:t>7/5/2021</a:t>
             </a:fld>
             <a:endParaRPr lang="en-US"/>
           </a:p>

--- a/Missouri PPT.pptx
+++ b/Missouri PPT.pptx
@@ -3657,6 +3657,1252 @@
       </p:sp>
       <p:sp>
         <p:nvSpPr>
+          <p:cNvPr id="6" name="矩形 5">
+            <a:extLst>
+              <a:ext uri="{FF2B5EF4-FFF2-40B4-BE49-F238E27FC236}">
+                <a16:creationId xmlns:a16="http://schemas.microsoft.com/office/drawing/2014/main" id="{BB0839DE-B4DB-453C-BE83-560B4D2DAFCF}"/>
+              </a:ext>
+            </a:extLst>
+          </p:cNvPr>
+          <p:cNvSpPr/>
+          <p:nvPr/>
+        </p:nvSpPr>
+        <p:spPr>
+          <a:xfrm>
+            <a:off x="3213100" y="1447800"/>
+            <a:ext cx="1371600" cy="1371600"/>
+          </a:xfrm>
+          <a:prstGeom prst="rect">
+            <a:avLst/>
+          </a:prstGeom>
+          <a:noFill/>
+          <a:ln w="57150">
+            <a:solidFill>
+              <a:schemeClr val="bg1"/>
+            </a:solidFill>
+          </a:ln>
+        </p:spPr>
+        <p:style>
+          <a:lnRef idx="2">
+            <a:schemeClr val="accent1">
+              <a:shade val="50000"/>
+            </a:schemeClr>
+          </a:lnRef>
+          <a:fillRef idx="1">
+            <a:schemeClr val="accent1"/>
+          </a:fillRef>
+          <a:effectRef idx="0">
+            <a:schemeClr val="accent1"/>
+          </a:effectRef>
+          <a:fontRef idx="minor">
+            <a:schemeClr val="lt1"/>
+          </a:fontRef>
+        </p:style>
+        <p:txBody>
+          <a:bodyPr rtlCol="0" anchor="ctr"/>
+          <a:lstStyle/>
+          <a:p>
+            <a:pPr algn="ctr"/>
+            <a:endParaRPr lang="en-US" dirty="0"/>
+          </a:p>
+        </p:txBody>
+      </p:sp>
+      <p:sp>
+        <p:nvSpPr>
+          <p:cNvPr id="8" name="矩形 7">
+            <a:extLst>
+              <a:ext uri="{FF2B5EF4-FFF2-40B4-BE49-F238E27FC236}">
+                <a16:creationId xmlns:a16="http://schemas.microsoft.com/office/drawing/2014/main" id="{3C4BF0D4-3A0A-404B-A9FD-EB6A65BED28A}"/>
+              </a:ext>
+            </a:extLst>
+          </p:cNvPr>
+          <p:cNvSpPr/>
+          <p:nvPr/>
+        </p:nvSpPr>
+        <p:spPr>
+          <a:xfrm>
+            <a:off x="5410200" y="1447800"/>
+            <a:ext cx="1371600" cy="1371600"/>
+          </a:xfrm>
+          <a:prstGeom prst="rect">
+            <a:avLst/>
+          </a:prstGeom>
+          <a:noFill/>
+          <a:ln w="57150">
+            <a:solidFill>
+              <a:schemeClr val="bg1"/>
+            </a:solidFill>
+          </a:ln>
+        </p:spPr>
+        <p:style>
+          <a:lnRef idx="2">
+            <a:schemeClr val="accent1">
+              <a:shade val="50000"/>
+            </a:schemeClr>
+          </a:lnRef>
+          <a:fillRef idx="1">
+            <a:schemeClr val="accent1"/>
+          </a:fillRef>
+          <a:effectRef idx="0">
+            <a:schemeClr val="accent1"/>
+          </a:effectRef>
+          <a:fontRef idx="minor">
+            <a:schemeClr val="lt1"/>
+          </a:fontRef>
+        </p:style>
+        <p:txBody>
+          <a:bodyPr rtlCol="0" anchor="ctr"/>
+          <a:lstStyle/>
+          <a:p>
+            <a:pPr algn="ctr"/>
+            <a:endParaRPr lang="en-US" dirty="0"/>
+          </a:p>
+        </p:txBody>
+      </p:sp>
+      <p:sp>
+        <p:nvSpPr>
+          <p:cNvPr id="27" name="矩形 26">
+            <a:extLst>
+              <a:ext uri="{FF2B5EF4-FFF2-40B4-BE49-F238E27FC236}">
+                <a16:creationId xmlns:a16="http://schemas.microsoft.com/office/drawing/2014/main" id="{EE4FA404-9907-424A-B8C3-2E11C8A5D563}"/>
+              </a:ext>
+            </a:extLst>
+          </p:cNvPr>
+          <p:cNvSpPr/>
+          <p:nvPr/>
+        </p:nvSpPr>
+        <p:spPr>
+          <a:xfrm>
+            <a:off x="-295342" y="-616375"/>
+            <a:ext cx="6781800" cy="1408908"/>
+          </a:xfrm>
+          <a:prstGeom prst="rect">
+            <a:avLst/>
+          </a:prstGeom>
+          <a:solidFill>
+            <a:srgbClr val="29294C"/>
+          </a:solidFill>
+        </p:spPr>
+        <p:style>
+          <a:lnRef idx="2">
+            <a:schemeClr val="accent1">
+              <a:shade val="50000"/>
+            </a:schemeClr>
+          </a:lnRef>
+          <a:fillRef idx="1">
+            <a:schemeClr val="accent1"/>
+          </a:fillRef>
+          <a:effectRef idx="0">
+            <a:schemeClr val="accent1"/>
+          </a:effectRef>
+          <a:fontRef idx="minor">
+            <a:schemeClr val="lt1"/>
+          </a:fontRef>
+        </p:style>
+        <p:txBody>
+          <a:bodyPr rtlCol="0" anchor="ctr"/>
+          <a:lstStyle/>
+          <a:p>
+            <a:pPr algn="ctr"/>
+            <a:endParaRPr lang="en-US"/>
+          </a:p>
+        </p:txBody>
+      </p:sp>
+      <p:sp>
+        <p:nvSpPr>
+          <p:cNvPr id="28" name="文字方塊 27">
+            <a:extLst>
+              <a:ext uri="{FF2B5EF4-FFF2-40B4-BE49-F238E27FC236}">
+                <a16:creationId xmlns:a16="http://schemas.microsoft.com/office/drawing/2014/main" id="{74CAFAEB-C8FD-4AA4-A59D-6B8EC3F3E19A}"/>
+              </a:ext>
+            </a:extLst>
+          </p:cNvPr>
+          <p:cNvSpPr txBox="1"/>
+          <p:nvPr/>
+        </p:nvSpPr>
+        <p:spPr>
+          <a:xfrm>
+            <a:off x="180922" y="-5231"/>
+            <a:ext cx="4150495" cy="769441"/>
+          </a:xfrm>
+          <a:prstGeom prst="rect">
+            <a:avLst/>
+          </a:prstGeom>
+          <a:noFill/>
+        </p:spPr>
+        <p:txBody>
+          <a:bodyPr wrap="none" rtlCol="0">
+            <a:spAutoFit/>
+          </a:bodyPr>
+          <a:lstStyle/>
+          <a:p>
+            <a:r>
+              <a:rPr lang="de-DE" sz="4400" dirty="0">
+                <a:solidFill>
+                  <a:schemeClr val="bg1"/>
+                </a:solidFill>
+                <a:latin typeface="Abadi" panose="020B0604020104020204" pitchFamily="34" charset="0"/>
+              </a:rPr>
+              <a:t>Implementations</a:t>
+            </a:r>
+            <a:endParaRPr lang="en-US" sz="4400" dirty="0">
+              <a:solidFill>
+                <a:schemeClr val="bg1"/>
+              </a:solidFill>
+              <a:latin typeface="Abadi" panose="020B0604020104020204" pitchFamily="34" charset="0"/>
+            </a:endParaRPr>
+          </a:p>
+        </p:txBody>
+      </p:sp>
+      <p:sp>
+        <p:nvSpPr>
+          <p:cNvPr id="21" name="文字方塊 20">
+            <a:extLst>
+              <a:ext uri="{FF2B5EF4-FFF2-40B4-BE49-F238E27FC236}">
+                <a16:creationId xmlns:a16="http://schemas.microsoft.com/office/drawing/2014/main" id="{C2321439-2B70-455C-B674-205EF9990C16}"/>
+              </a:ext>
+            </a:extLst>
+          </p:cNvPr>
+          <p:cNvSpPr txBox="1"/>
+          <p:nvPr/>
+        </p:nvSpPr>
+        <p:spPr>
+          <a:xfrm>
+            <a:off x="240854" y="792533"/>
+            <a:ext cx="6245604" cy="753283"/>
+          </a:xfrm>
+          <a:prstGeom prst="rect">
+            <a:avLst/>
+          </a:prstGeom>
+          <a:noFill/>
+        </p:spPr>
+        <p:txBody>
+          <a:bodyPr wrap="square">
+            <a:spAutoFit/>
+          </a:bodyPr>
+          <a:lstStyle/>
+          <a:p>
+            <a:pPr>
+              <a:lnSpc>
+                <a:spcPct val="150000"/>
+              </a:lnSpc>
+            </a:pPr>
+            <a:r>
+              <a:rPr lang="en-GB" sz="3200" dirty="0">
+                <a:latin typeface="Abadi" panose="020B0604020104020204" pitchFamily="34" charset="0"/>
+              </a:rPr>
+              <a:t>- Deployment()</a:t>
+            </a:r>
+          </a:p>
+        </p:txBody>
+      </p:sp>
+    </p:spTree>
+    <p:extLst>
+      <p:ext uri="{BB962C8B-B14F-4D97-AF65-F5344CB8AC3E}">
+        <p14:creationId xmlns:p14="http://schemas.microsoft.com/office/powerpoint/2010/main" val="3126760757"/>
+      </p:ext>
+    </p:extLst>
+  </p:cSld>
+  <p:clrMapOvr>
+    <a:masterClrMapping/>
+  </p:clrMapOvr>
+</p:sld>
+</file>
+
+<file path=ppt/slides/slide11.xml><?xml version="1.0" encoding="utf-8"?>
+<p:sld xmlns:a="http://schemas.openxmlformats.org/drawingml/2006/main" xmlns:r="http://schemas.openxmlformats.org/officeDocument/2006/relationships" xmlns:p="http://schemas.openxmlformats.org/presentationml/2006/main">
+  <p:cSld>
+    <p:spTree>
+      <p:nvGrpSpPr>
+        <p:cNvPr id="1" name=""/>
+        <p:cNvGrpSpPr/>
+        <p:nvPr/>
+      </p:nvGrpSpPr>
+      <p:grpSpPr>
+        <a:xfrm>
+          <a:off x="0" y="0"/>
+          <a:ext cx="0" cy="0"/>
+          <a:chOff x="0" y="0"/>
+          <a:chExt cx="0" cy="0"/>
+        </a:xfrm>
+      </p:grpSpPr>
+      <p:sp>
+        <p:nvSpPr>
+          <p:cNvPr id="4" name="矩形 3">
+            <a:extLst>
+              <a:ext uri="{FF2B5EF4-FFF2-40B4-BE49-F238E27FC236}">
+                <a16:creationId xmlns:a16="http://schemas.microsoft.com/office/drawing/2014/main" id="{E6EA42BE-5F57-48BD-8EC9-05BCD1C20B30}"/>
+              </a:ext>
+            </a:extLst>
+          </p:cNvPr>
+          <p:cNvSpPr/>
+          <p:nvPr/>
+        </p:nvSpPr>
+        <p:spPr>
+          <a:xfrm>
+            <a:off x="977900" y="1447800"/>
+            <a:ext cx="1371600" cy="1371600"/>
+          </a:xfrm>
+          <a:prstGeom prst="rect">
+            <a:avLst/>
+          </a:prstGeom>
+          <a:noFill/>
+          <a:ln w="57150">
+            <a:solidFill>
+              <a:schemeClr val="bg1"/>
+            </a:solidFill>
+          </a:ln>
+        </p:spPr>
+        <p:style>
+          <a:lnRef idx="2">
+            <a:schemeClr val="accent1">
+              <a:shade val="50000"/>
+            </a:schemeClr>
+          </a:lnRef>
+          <a:fillRef idx="1">
+            <a:schemeClr val="accent1"/>
+          </a:fillRef>
+          <a:effectRef idx="0">
+            <a:schemeClr val="accent1"/>
+          </a:effectRef>
+          <a:fontRef idx="minor">
+            <a:schemeClr val="lt1"/>
+          </a:fontRef>
+        </p:style>
+        <p:txBody>
+          <a:bodyPr rtlCol="0" anchor="ctr"/>
+          <a:lstStyle/>
+          <a:p>
+            <a:pPr algn="ctr"/>
+            <a:endParaRPr lang="en-US" dirty="0"/>
+          </a:p>
+        </p:txBody>
+      </p:sp>
+      <p:sp>
+        <p:nvSpPr>
+          <p:cNvPr id="5" name="文字方塊 4">
+            <a:extLst>
+              <a:ext uri="{FF2B5EF4-FFF2-40B4-BE49-F238E27FC236}">
+                <a16:creationId xmlns:a16="http://schemas.microsoft.com/office/drawing/2014/main" id="{ED35EB82-225E-42F8-9EF1-D66912A2A2E9}"/>
+              </a:ext>
+            </a:extLst>
+          </p:cNvPr>
+          <p:cNvSpPr txBox="1"/>
+          <p:nvPr/>
+        </p:nvSpPr>
+        <p:spPr>
+          <a:xfrm>
+            <a:off x="1071230" y="1810434"/>
+            <a:ext cx="1184940" cy="646331"/>
+          </a:xfrm>
+          <a:prstGeom prst="rect">
+            <a:avLst/>
+          </a:prstGeom>
+          <a:noFill/>
+        </p:spPr>
+        <p:txBody>
+          <a:bodyPr wrap="none" rtlCol="0">
+            <a:spAutoFit/>
+          </a:bodyPr>
+          <a:lstStyle/>
+          <a:p>
+            <a:r>
+              <a:rPr lang="de-DE" dirty="0">
+                <a:solidFill>
+                  <a:schemeClr val="bg1"/>
+                </a:solidFill>
+                <a:latin typeface="Abadi" panose="020B0604020104020204" pitchFamily="34" charset="0"/>
+              </a:rPr>
+              <a:t>SRS </a:t>
+            </a:r>
+          </a:p>
+          <a:p>
+            <a:r>
+              <a:rPr lang="de-DE" dirty="0">
+                <a:solidFill>
+                  <a:schemeClr val="bg1"/>
+                </a:solidFill>
+                <a:latin typeface="Abadi" panose="020B0604020104020204" pitchFamily="34" charset="0"/>
+              </a:rPr>
+              <a:t>Document</a:t>
+            </a:r>
+            <a:endParaRPr lang="en-US" dirty="0">
+              <a:solidFill>
+                <a:schemeClr val="bg1"/>
+              </a:solidFill>
+              <a:latin typeface="Abadi" panose="020B0604020104020204" pitchFamily="34" charset="0"/>
+            </a:endParaRPr>
+          </a:p>
+        </p:txBody>
+      </p:sp>
+      <p:sp>
+        <p:nvSpPr>
+          <p:cNvPr id="6" name="矩形 5">
+            <a:extLst>
+              <a:ext uri="{FF2B5EF4-FFF2-40B4-BE49-F238E27FC236}">
+                <a16:creationId xmlns:a16="http://schemas.microsoft.com/office/drawing/2014/main" id="{BB0839DE-B4DB-453C-BE83-560B4D2DAFCF}"/>
+              </a:ext>
+            </a:extLst>
+          </p:cNvPr>
+          <p:cNvSpPr/>
+          <p:nvPr/>
+        </p:nvSpPr>
+        <p:spPr>
+          <a:xfrm>
+            <a:off x="3213100" y="1447800"/>
+            <a:ext cx="1371600" cy="1371600"/>
+          </a:xfrm>
+          <a:prstGeom prst="rect">
+            <a:avLst/>
+          </a:prstGeom>
+          <a:noFill/>
+          <a:ln w="57150">
+            <a:solidFill>
+              <a:schemeClr val="bg1"/>
+            </a:solidFill>
+          </a:ln>
+        </p:spPr>
+        <p:style>
+          <a:lnRef idx="2">
+            <a:schemeClr val="accent1">
+              <a:shade val="50000"/>
+            </a:schemeClr>
+          </a:lnRef>
+          <a:fillRef idx="1">
+            <a:schemeClr val="accent1"/>
+          </a:fillRef>
+          <a:effectRef idx="0">
+            <a:schemeClr val="accent1"/>
+          </a:effectRef>
+          <a:fontRef idx="minor">
+            <a:schemeClr val="lt1"/>
+          </a:fontRef>
+        </p:style>
+        <p:txBody>
+          <a:bodyPr rtlCol="0" anchor="ctr"/>
+          <a:lstStyle/>
+          <a:p>
+            <a:pPr algn="ctr"/>
+            <a:endParaRPr lang="en-US" dirty="0"/>
+          </a:p>
+        </p:txBody>
+      </p:sp>
+      <p:sp>
+        <p:nvSpPr>
+          <p:cNvPr id="7" name="文字方塊 6">
+            <a:extLst>
+              <a:ext uri="{FF2B5EF4-FFF2-40B4-BE49-F238E27FC236}">
+                <a16:creationId xmlns:a16="http://schemas.microsoft.com/office/drawing/2014/main" id="{33837096-63BF-4682-AA32-6DE29C167362}"/>
+              </a:ext>
+            </a:extLst>
+          </p:cNvPr>
+          <p:cNvSpPr txBox="1"/>
+          <p:nvPr/>
+        </p:nvSpPr>
+        <p:spPr>
+          <a:xfrm>
+            <a:off x="3360130" y="1810433"/>
+            <a:ext cx="1077539" cy="646331"/>
+          </a:xfrm>
+          <a:prstGeom prst="rect">
+            <a:avLst/>
+          </a:prstGeom>
+          <a:noFill/>
+        </p:spPr>
+        <p:txBody>
+          <a:bodyPr wrap="none" rtlCol="0">
+            <a:spAutoFit/>
+          </a:bodyPr>
+          <a:lstStyle/>
+          <a:p>
+            <a:r>
+              <a:rPr lang="de-DE" dirty="0">
+                <a:solidFill>
+                  <a:schemeClr val="bg1"/>
+                </a:solidFill>
+                <a:latin typeface="Abadi" panose="020B0604020104020204" pitchFamily="34" charset="0"/>
+              </a:rPr>
+              <a:t>Main </a:t>
+            </a:r>
+          </a:p>
+          <a:p>
+            <a:r>
+              <a:rPr lang="de-DE" dirty="0">
+                <a:solidFill>
+                  <a:schemeClr val="bg1"/>
+                </a:solidFill>
+                <a:latin typeface="Abadi" panose="020B0604020104020204" pitchFamily="34" charset="0"/>
+              </a:rPr>
+              <a:t>Structure</a:t>
+            </a:r>
+          </a:p>
+        </p:txBody>
+      </p:sp>
+      <p:sp>
+        <p:nvSpPr>
+          <p:cNvPr id="8" name="矩形 7">
+            <a:extLst>
+              <a:ext uri="{FF2B5EF4-FFF2-40B4-BE49-F238E27FC236}">
+                <a16:creationId xmlns:a16="http://schemas.microsoft.com/office/drawing/2014/main" id="{3C4BF0D4-3A0A-404B-A9FD-EB6A65BED28A}"/>
+              </a:ext>
+            </a:extLst>
+          </p:cNvPr>
+          <p:cNvSpPr/>
+          <p:nvPr/>
+        </p:nvSpPr>
+        <p:spPr>
+          <a:xfrm>
+            <a:off x="5410200" y="1447800"/>
+            <a:ext cx="1371600" cy="1371600"/>
+          </a:xfrm>
+          <a:prstGeom prst="rect">
+            <a:avLst/>
+          </a:prstGeom>
+          <a:noFill/>
+          <a:ln w="57150">
+            <a:solidFill>
+              <a:schemeClr val="bg1"/>
+            </a:solidFill>
+          </a:ln>
+        </p:spPr>
+        <p:style>
+          <a:lnRef idx="2">
+            <a:schemeClr val="accent1">
+              <a:shade val="50000"/>
+            </a:schemeClr>
+          </a:lnRef>
+          <a:fillRef idx="1">
+            <a:schemeClr val="accent1"/>
+          </a:fillRef>
+          <a:effectRef idx="0">
+            <a:schemeClr val="accent1"/>
+          </a:effectRef>
+          <a:fontRef idx="minor">
+            <a:schemeClr val="lt1"/>
+          </a:fontRef>
+        </p:style>
+        <p:txBody>
+          <a:bodyPr rtlCol="0" anchor="ctr"/>
+          <a:lstStyle/>
+          <a:p>
+            <a:pPr algn="ctr"/>
+            <a:endParaRPr lang="en-US" dirty="0"/>
+          </a:p>
+        </p:txBody>
+      </p:sp>
+      <p:sp>
+        <p:nvSpPr>
+          <p:cNvPr id="9" name="文字方塊 8">
+            <a:extLst>
+              <a:ext uri="{FF2B5EF4-FFF2-40B4-BE49-F238E27FC236}">
+                <a16:creationId xmlns:a16="http://schemas.microsoft.com/office/drawing/2014/main" id="{6BF0CF2D-72E1-46E7-AFD3-C211FB07FD05}"/>
+              </a:ext>
+            </a:extLst>
+          </p:cNvPr>
+          <p:cNvSpPr txBox="1"/>
+          <p:nvPr/>
+        </p:nvSpPr>
+        <p:spPr>
+          <a:xfrm>
+            <a:off x="5490706" y="1810432"/>
+            <a:ext cx="1210588" cy="646331"/>
+          </a:xfrm>
+          <a:prstGeom prst="rect">
+            <a:avLst/>
+          </a:prstGeom>
+          <a:noFill/>
+        </p:spPr>
+        <p:txBody>
+          <a:bodyPr wrap="none" rtlCol="0">
+            <a:spAutoFit/>
+          </a:bodyPr>
+          <a:lstStyle/>
+          <a:p>
+            <a:r>
+              <a:rPr lang="de-DE" dirty="0">
+                <a:solidFill>
+                  <a:schemeClr val="bg1"/>
+                </a:solidFill>
+                <a:latin typeface="Abadi" panose="020B0604020104020204" pitchFamily="34" charset="0"/>
+              </a:rPr>
+              <a:t>Implement</a:t>
+            </a:r>
+          </a:p>
+          <a:p>
+            <a:r>
+              <a:rPr lang="de-DE" dirty="0">
+                <a:solidFill>
+                  <a:schemeClr val="bg1"/>
+                </a:solidFill>
+                <a:latin typeface="Abadi" panose="020B0604020104020204" pitchFamily="34" charset="0"/>
+              </a:rPr>
+              <a:t>functions</a:t>
+            </a:r>
+          </a:p>
+        </p:txBody>
+      </p:sp>
+      <p:sp>
+        <p:nvSpPr>
+          <p:cNvPr id="27" name="矩形 26">
+            <a:extLst>
+              <a:ext uri="{FF2B5EF4-FFF2-40B4-BE49-F238E27FC236}">
+                <a16:creationId xmlns:a16="http://schemas.microsoft.com/office/drawing/2014/main" id="{EE4FA404-9907-424A-B8C3-2E11C8A5D563}"/>
+              </a:ext>
+            </a:extLst>
+          </p:cNvPr>
+          <p:cNvSpPr/>
+          <p:nvPr/>
+        </p:nvSpPr>
+        <p:spPr>
+          <a:xfrm>
+            <a:off x="-295342" y="-616375"/>
+            <a:ext cx="6781800" cy="1408908"/>
+          </a:xfrm>
+          <a:prstGeom prst="rect">
+            <a:avLst/>
+          </a:prstGeom>
+          <a:solidFill>
+            <a:srgbClr val="29294C"/>
+          </a:solidFill>
+        </p:spPr>
+        <p:style>
+          <a:lnRef idx="2">
+            <a:schemeClr val="accent1">
+              <a:shade val="50000"/>
+            </a:schemeClr>
+          </a:lnRef>
+          <a:fillRef idx="1">
+            <a:schemeClr val="accent1"/>
+          </a:fillRef>
+          <a:effectRef idx="0">
+            <a:schemeClr val="accent1"/>
+          </a:effectRef>
+          <a:fontRef idx="minor">
+            <a:schemeClr val="lt1"/>
+          </a:fontRef>
+        </p:style>
+        <p:txBody>
+          <a:bodyPr rtlCol="0" anchor="ctr"/>
+          <a:lstStyle/>
+          <a:p>
+            <a:pPr algn="ctr"/>
+            <a:endParaRPr lang="en-US"/>
+          </a:p>
+        </p:txBody>
+      </p:sp>
+      <p:sp>
+        <p:nvSpPr>
+          <p:cNvPr id="28" name="文字方塊 27">
+            <a:extLst>
+              <a:ext uri="{FF2B5EF4-FFF2-40B4-BE49-F238E27FC236}">
+                <a16:creationId xmlns:a16="http://schemas.microsoft.com/office/drawing/2014/main" id="{74CAFAEB-C8FD-4AA4-A59D-6B8EC3F3E19A}"/>
+              </a:ext>
+            </a:extLst>
+          </p:cNvPr>
+          <p:cNvSpPr txBox="1"/>
+          <p:nvPr/>
+        </p:nvSpPr>
+        <p:spPr>
+          <a:xfrm>
+            <a:off x="180922" y="-5231"/>
+            <a:ext cx="4150495" cy="769441"/>
+          </a:xfrm>
+          <a:prstGeom prst="rect">
+            <a:avLst/>
+          </a:prstGeom>
+          <a:noFill/>
+        </p:spPr>
+        <p:txBody>
+          <a:bodyPr wrap="none" rtlCol="0">
+            <a:spAutoFit/>
+          </a:bodyPr>
+          <a:lstStyle/>
+          <a:p>
+            <a:r>
+              <a:rPr lang="de-DE" sz="4400" dirty="0">
+                <a:solidFill>
+                  <a:schemeClr val="bg1"/>
+                </a:solidFill>
+                <a:latin typeface="Abadi" panose="020B0604020104020204" pitchFamily="34" charset="0"/>
+              </a:rPr>
+              <a:t>Implementations</a:t>
+            </a:r>
+            <a:endParaRPr lang="en-US" sz="4400" dirty="0">
+              <a:solidFill>
+                <a:schemeClr val="bg1"/>
+              </a:solidFill>
+              <a:latin typeface="Abadi" panose="020B0604020104020204" pitchFamily="34" charset="0"/>
+            </a:endParaRPr>
+          </a:p>
+        </p:txBody>
+      </p:sp>
+      <p:sp>
+        <p:nvSpPr>
+          <p:cNvPr id="21" name="文字方塊 20">
+            <a:extLst>
+              <a:ext uri="{FF2B5EF4-FFF2-40B4-BE49-F238E27FC236}">
+                <a16:creationId xmlns:a16="http://schemas.microsoft.com/office/drawing/2014/main" id="{C2321439-2B70-455C-B674-205EF9990C16}"/>
+              </a:ext>
+            </a:extLst>
+          </p:cNvPr>
+          <p:cNvSpPr txBox="1"/>
+          <p:nvPr/>
+        </p:nvSpPr>
+        <p:spPr>
+          <a:xfrm>
+            <a:off x="240854" y="792533"/>
+            <a:ext cx="6245604" cy="753283"/>
+          </a:xfrm>
+          <a:prstGeom prst="rect">
+            <a:avLst/>
+          </a:prstGeom>
+          <a:noFill/>
+        </p:spPr>
+        <p:txBody>
+          <a:bodyPr wrap="square">
+            <a:spAutoFit/>
+          </a:bodyPr>
+          <a:lstStyle/>
+          <a:p>
+            <a:pPr>
+              <a:lnSpc>
+                <a:spcPct val="150000"/>
+              </a:lnSpc>
+            </a:pPr>
+            <a:r>
+              <a:rPr lang="en-GB" sz="3200" dirty="0">
+                <a:latin typeface="Abadi" panose="020B0604020104020204" pitchFamily="34" charset="0"/>
+              </a:rPr>
+              <a:t>- </a:t>
+            </a:r>
+            <a:r>
+              <a:rPr lang="en-GB" sz="3200" dirty="0" err="1">
+                <a:latin typeface="Abadi" panose="020B0604020104020204" pitchFamily="34" charset="0"/>
+              </a:rPr>
+              <a:t>PvP_battle</a:t>
+            </a:r>
+            <a:r>
+              <a:rPr lang="en-GB" sz="3200" dirty="0">
+                <a:latin typeface="Abadi" panose="020B0604020104020204" pitchFamily="34" charset="0"/>
+              </a:rPr>
+              <a:t>()</a:t>
+            </a:r>
+          </a:p>
+        </p:txBody>
+      </p:sp>
+      <p:pic>
+        <p:nvPicPr>
+          <p:cNvPr id="11" name="Picture 4">
+            <a:extLst>
+              <a:ext uri="{FF2B5EF4-FFF2-40B4-BE49-F238E27FC236}">
+                <a16:creationId xmlns:a16="http://schemas.microsoft.com/office/drawing/2014/main" id="{B5EA29E7-74A7-4914-95D8-5A2D07AAAF74}"/>
+              </a:ext>
+            </a:extLst>
+          </p:cNvPr>
+          <p:cNvPicPr>
+            <a:picLocks noChangeAspect="1" noChangeArrowheads="1"/>
+          </p:cNvPicPr>
+          <p:nvPr/>
+        </p:nvPicPr>
+        <p:blipFill>
+          <a:blip r:embed="rId2">
+            <a:extLst>
+              <a:ext uri="{28A0092B-C50C-407E-A947-70E740481C1C}">
+                <a14:useLocalDpi xmlns:a14="http://schemas.microsoft.com/office/drawing/2010/main" val="0"/>
+              </a:ext>
+            </a:extLst>
+          </a:blip>
+          <a:srcRect/>
+          <a:stretch>
+            <a:fillRect/>
+          </a:stretch>
+        </p:blipFill>
+        <p:spPr bwMode="auto">
+          <a:xfrm>
+            <a:off x="5263588" y="1135398"/>
+            <a:ext cx="4172940" cy="4587203"/>
+          </a:xfrm>
+          <a:prstGeom prst="rect">
+            <a:avLst/>
+          </a:prstGeom>
+          <a:noFill/>
+          <a:extLst>
+            <a:ext uri="{909E8E84-426E-40DD-AFC4-6F175D3DCCD1}">
+              <a14:hiddenFill xmlns:a14="http://schemas.microsoft.com/office/drawing/2010/main">
+                <a:solidFill>
+                  <a:srgbClr val="FFFFFF"/>
+                </a:solidFill>
+              </a14:hiddenFill>
+            </a:ext>
+          </a:extLst>
+        </p:spPr>
+      </p:pic>
+      <p:pic>
+        <p:nvPicPr>
+          <p:cNvPr id="12" name="Picture 6">
+            <a:extLst>
+              <a:ext uri="{FF2B5EF4-FFF2-40B4-BE49-F238E27FC236}">
+                <a16:creationId xmlns:a16="http://schemas.microsoft.com/office/drawing/2014/main" id="{A0FE201C-D91F-4E5F-94AE-879572CB4366}"/>
+              </a:ext>
+            </a:extLst>
+          </p:cNvPr>
+          <p:cNvPicPr>
+            <a:picLocks noChangeAspect="1" noChangeArrowheads="1"/>
+          </p:cNvPicPr>
+          <p:nvPr/>
+        </p:nvPicPr>
+        <p:blipFill>
+          <a:blip r:embed="rId3">
+            <a:extLst>
+              <a:ext uri="{28A0092B-C50C-407E-A947-70E740481C1C}">
+                <a14:useLocalDpi xmlns:a14="http://schemas.microsoft.com/office/drawing/2010/main" val="0"/>
+              </a:ext>
+            </a:extLst>
+          </a:blip>
+          <a:srcRect/>
+          <a:stretch>
+            <a:fillRect/>
+          </a:stretch>
+        </p:blipFill>
+        <p:spPr bwMode="auto">
+          <a:xfrm>
+            <a:off x="1061072" y="2056389"/>
+            <a:ext cx="2567052" cy="3564612"/>
+          </a:xfrm>
+          <a:prstGeom prst="rect">
+            <a:avLst/>
+          </a:prstGeom>
+          <a:noFill/>
+          <a:extLst>
+            <a:ext uri="{909E8E84-426E-40DD-AFC4-6F175D3DCCD1}">
+              <a14:hiddenFill xmlns:a14="http://schemas.microsoft.com/office/drawing/2010/main">
+                <a:solidFill>
+                  <a:srgbClr val="FFFFFF"/>
+                </a:solidFill>
+              </a14:hiddenFill>
+            </a:ext>
+          </a:extLst>
+        </p:spPr>
+      </p:pic>
+      <p:sp>
+        <p:nvSpPr>
+          <p:cNvPr id="13" name="TextBox 2">
+            <a:extLst>
+              <a:ext uri="{FF2B5EF4-FFF2-40B4-BE49-F238E27FC236}">
+                <a16:creationId xmlns:a16="http://schemas.microsoft.com/office/drawing/2014/main" id="{402F9F5B-F706-421C-A5AF-3BF3367E3D3C}"/>
+              </a:ext>
+            </a:extLst>
+          </p:cNvPr>
+          <p:cNvSpPr txBox="1"/>
+          <p:nvPr/>
+        </p:nvSpPr>
+        <p:spPr>
+          <a:xfrm>
+            <a:off x="1116280" y="5621001"/>
+            <a:ext cx="3958555" cy="276999"/>
+          </a:xfrm>
+          <a:prstGeom prst="rect">
+            <a:avLst/>
+          </a:prstGeom>
+          <a:noFill/>
+        </p:spPr>
+        <p:txBody>
+          <a:bodyPr wrap="square" rtlCol="0">
+            <a:spAutoFit/>
+          </a:bodyPr>
+          <a:lstStyle>
+            <a:defPPr>
+              <a:defRPr lang="en-US"/>
+            </a:defPPr>
+            <a:lvl1pPr marL="0" algn="l" defTabSz="914400" rtl="0" eaLnBrk="1" latinLnBrk="0" hangingPunct="1">
+              <a:defRPr sz="1800" kern="1200">
+                <a:solidFill>
+                  <a:schemeClr val="tx1"/>
+                </a:solidFill>
+                <a:latin typeface="+mn-lt"/>
+                <a:ea typeface="+mn-ea"/>
+                <a:cs typeface="+mn-cs"/>
+              </a:defRPr>
+            </a:lvl1pPr>
+            <a:lvl2pPr marL="457200" algn="l" defTabSz="914400" rtl="0" eaLnBrk="1" latinLnBrk="0" hangingPunct="1">
+              <a:defRPr sz="1800" kern="1200">
+                <a:solidFill>
+                  <a:schemeClr val="tx1"/>
+                </a:solidFill>
+                <a:latin typeface="+mn-lt"/>
+                <a:ea typeface="+mn-ea"/>
+                <a:cs typeface="+mn-cs"/>
+              </a:defRPr>
+            </a:lvl2pPr>
+            <a:lvl3pPr marL="914400" algn="l" defTabSz="914400" rtl="0" eaLnBrk="1" latinLnBrk="0" hangingPunct="1">
+              <a:defRPr sz="1800" kern="1200">
+                <a:solidFill>
+                  <a:schemeClr val="tx1"/>
+                </a:solidFill>
+                <a:latin typeface="+mn-lt"/>
+                <a:ea typeface="+mn-ea"/>
+                <a:cs typeface="+mn-cs"/>
+              </a:defRPr>
+            </a:lvl3pPr>
+            <a:lvl4pPr marL="1371600" algn="l" defTabSz="914400" rtl="0" eaLnBrk="1" latinLnBrk="0" hangingPunct="1">
+              <a:defRPr sz="1800" kern="1200">
+                <a:solidFill>
+                  <a:schemeClr val="tx1"/>
+                </a:solidFill>
+                <a:latin typeface="+mn-lt"/>
+                <a:ea typeface="+mn-ea"/>
+                <a:cs typeface="+mn-cs"/>
+              </a:defRPr>
+            </a:lvl4pPr>
+            <a:lvl5pPr marL="1828800" algn="l" defTabSz="914400" rtl="0" eaLnBrk="1" latinLnBrk="0" hangingPunct="1">
+              <a:defRPr sz="1800" kern="1200">
+                <a:solidFill>
+                  <a:schemeClr val="tx1"/>
+                </a:solidFill>
+                <a:latin typeface="+mn-lt"/>
+                <a:ea typeface="+mn-ea"/>
+                <a:cs typeface="+mn-cs"/>
+              </a:defRPr>
+            </a:lvl5pPr>
+            <a:lvl6pPr marL="2286000" algn="l" defTabSz="914400" rtl="0" eaLnBrk="1" latinLnBrk="0" hangingPunct="1">
+              <a:defRPr sz="1800" kern="1200">
+                <a:solidFill>
+                  <a:schemeClr val="tx1"/>
+                </a:solidFill>
+                <a:latin typeface="+mn-lt"/>
+                <a:ea typeface="+mn-ea"/>
+                <a:cs typeface="+mn-cs"/>
+              </a:defRPr>
+            </a:lvl6pPr>
+            <a:lvl7pPr marL="2743200" algn="l" defTabSz="914400" rtl="0" eaLnBrk="1" latinLnBrk="0" hangingPunct="1">
+              <a:defRPr sz="1800" kern="1200">
+                <a:solidFill>
+                  <a:schemeClr val="tx1"/>
+                </a:solidFill>
+                <a:latin typeface="+mn-lt"/>
+                <a:ea typeface="+mn-ea"/>
+                <a:cs typeface="+mn-cs"/>
+              </a:defRPr>
+            </a:lvl7pPr>
+            <a:lvl8pPr marL="3200400" algn="l" defTabSz="914400" rtl="0" eaLnBrk="1" latinLnBrk="0" hangingPunct="1">
+              <a:defRPr sz="1800" kern="1200">
+                <a:solidFill>
+                  <a:schemeClr val="tx1"/>
+                </a:solidFill>
+                <a:latin typeface="+mn-lt"/>
+                <a:ea typeface="+mn-ea"/>
+                <a:cs typeface="+mn-cs"/>
+              </a:defRPr>
+            </a:lvl8pPr>
+            <a:lvl9pPr marL="3657600" algn="l" defTabSz="914400" rtl="0" eaLnBrk="1" latinLnBrk="0" hangingPunct="1">
+              <a:defRPr sz="1800" kern="1200">
+                <a:solidFill>
+                  <a:schemeClr val="tx1"/>
+                </a:solidFill>
+                <a:latin typeface="+mn-lt"/>
+                <a:ea typeface="+mn-ea"/>
+                <a:cs typeface="+mn-cs"/>
+              </a:defRPr>
+            </a:lvl9pPr>
+          </a:lstStyle>
+          <a:p>
+            <a:r>
+              <a:rPr lang="en-US" sz="1200" b="0" i="0" u="none" strike="noStrike" dirty="0">
+                <a:solidFill>
+                  <a:srgbClr val="000000"/>
+                </a:solidFill>
+                <a:effectLst/>
+                <a:latin typeface="Abadi" panose="020B0604020104020204" pitchFamily="34" charset="0"/>
+              </a:rPr>
+              <a:t>Fig. State Machine Diagram of </a:t>
+            </a:r>
+            <a:r>
+              <a:rPr lang="en-US" sz="1200" b="0" i="0" u="none" strike="noStrike" dirty="0" err="1">
+                <a:solidFill>
+                  <a:srgbClr val="000000"/>
+                </a:solidFill>
+                <a:effectLst/>
+                <a:latin typeface="Abadi" panose="020B0604020104020204" pitchFamily="34" charset="0"/>
+              </a:rPr>
+              <a:t>PvP_Battle</a:t>
+            </a:r>
+            <a:r>
+              <a:rPr lang="en-US" sz="1200" b="0" i="0" u="none" strike="noStrike" dirty="0">
+                <a:solidFill>
+                  <a:srgbClr val="000000"/>
+                </a:solidFill>
+                <a:effectLst/>
+                <a:latin typeface="Abadi" panose="020B0604020104020204" pitchFamily="34" charset="0"/>
+              </a:rPr>
+              <a:t>()</a:t>
+            </a:r>
+            <a:endParaRPr lang="en-DE" sz="1200" dirty="0">
+              <a:latin typeface="Abadi" panose="020B0604020104020204" pitchFamily="34" charset="0"/>
+            </a:endParaRPr>
+          </a:p>
+        </p:txBody>
+      </p:sp>
+      <p:sp>
+        <p:nvSpPr>
+          <p:cNvPr id="14" name="TextBox 14">
+            <a:extLst>
+              <a:ext uri="{FF2B5EF4-FFF2-40B4-BE49-F238E27FC236}">
+                <a16:creationId xmlns:a16="http://schemas.microsoft.com/office/drawing/2014/main" id="{3445184F-0267-4431-B029-BB674B724B60}"/>
+              </a:ext>
+            </a:extLst>
+          </p:cNvPr>
+          <p:cNvSpPr txBox="1"/>
+          <p:nvPr/>
+        </p:nvSpPr>
+        <p:spPr>
+          <a:xfrm>
+            <a:off x="5375866" y="5621001"/>
+            <a:ext cx="3274992" cy="461665"/>
+          </a:xfrm>
+          <a:prstGeom prst="rect">
+            <a:avLst/>
+          </a:prstGeom>
+          <a:noFill/>
+        </p:spPr>
+        <p:txBody>
+          <a:bodyPr wrap="square" rtlCol="0">
+            <a:spAutoFit/>
+          </a:bodyPr>
+          <a:lstStyle>
+            <a:defPPr>
+              <a:defRPr lang="en-US"/>
+            </a:defPPr>
+            <a:lvl1pPr marL="0" algn="l" defTabSz="914400" rtl="0" eaLnBrk="1" latinLnBrk="0" hangingPunct="1">
+              <a:defRPr sz="1800" kern="1200">
+                <a:solidFill>
+                  <a:schemeClr val="tx1"/>
+                </a:solidFill>
+                <a:latin typeface="+mn-lt"/>
+                <a:ea typeface="+mn-ea"/>
+                <a:cs typeface="+mn-cs"/>
+              </a:defRPr>
+            </a:lvl1pPr>
+            <a:lvl2pPr marL="457200" algn="l" defTabSz="914400" rtl="0" eaLnBrk="1" latinLnBrk="0" hangingPunct="1">
+              <a:defRPr sz="1800" kern="1200">
+                <a:solidFill>
+                  <a:schemeClr val="tx1"/>
+                </a:solidFill>
+                <a:latin typeface="+mn-lt"/>
+                <a:ea typeface="+mn-ea"/>
+                <a:cs typeface="+mn-cs"/>
+              </a:defRPr>
+            </a:lvl2pPr>
+            <a:lvl3pPr marL="914400" algn="l" defTabSz="914400" rtl="0" eaLnBrk="1" latinLnBrk="0" hangingPunct="1">
+              <a:defRPr sz="1800" kern="1200">
+                <a:solidFill>
+                  <a:schemeClr val="tx1"/>
+                </a:solidFill>
+                <a:latin typeface="+mn-lt"/>
+                <a:ea typeface="+mn-ea"/>
+                <a:cs typeface="+mn-cs"/>
+              </a:defRPr>
+            </a:lvl3pPr>
+            <a:lvl4pPr marL="1371600" algn="l" defTabSz="914400" rtl="0" eaLnBrk="1" latinLnBrk="0" hangingPunct="1">
+              <a:defRPr sz="1800" kern="1200">
+                <a:solidFill>
+                  <a:schemeClr val="tx1"/>
+                </a:solidFill>
+                <a:latin typeface="+mn-lt"/>
+                <a:ea typeface="+mn-ea"/>
+                <a:cs typeface="+mn-cs"/>
+              </a:defRPr>
+            </a:lvl4pPr>
+            <a:lvl5pPr marL="1828800" algn="l" defTabSz="914400" rtl="0" eaLnBrk="1" latinLnBrk="0" hangingPunct="1">
+              <a:defRPr sz="1800" kern="1200">
+                <a:solidFill>
+                  <a:schemeClr val="tx1"/>
+                </a:solidFill>
+                <a:latin typeface="+mn-lt"/>
+                <a:ea typeface="+mn-ea"/>
+                <a:cs typeface="+mn-cs"/>
+              </a:defRPr>
+            </a:lvl5pPr>
+            <a:lvl6pPr marL="2286000" algn="l" defTabSz="914400" rtl="0" eaLnBrk="1" latinLnBrk="0" hangingPunct="1">
+              <a:defRPr sz="1800" kern="1200">
+                <a:solidFill>
+                  <a:schemeClr val="tx1"/>
+                </a:solidFill>
+                <a:latin typeface="+mn-lt"/>
+                <a:ea typeface="+mn-ea"/>
+                <a:cs typeface="+mn-cs"/>
+              </a:defRPr>
+            </a:lvl6pPr>
+            <a:lvl7pPr marL="2743200" algn="l" defTabSz="914400" rtl="0" eaLnBrk="1" latinLnBrk="0" hangingPunct="1">
+              <a:defRPr sz="1800" kern="1200">
+                <a:solidFill>
+                  <a:schemeClr val="tx1"/>
+                </a:solidFill>
+                <a:latin typeface="+mn-lt"/>
+                <a:ea typeface="+mn-ea"/>
+                <a:cs typeface="+mn-cs"/>
+              </a:defRPr>
+            </a:lvl7pPr>
+            <a:lvl8pPr marL="3200400" algn="l" defTabSz="914400" rtl="0" eaLnBrk="1" latinLnBrk="0" hangingPunct="1">
+              <a:defRPr sz="1800" kern="1200">
+                <a:solidFill>
+                  <a:schemeClr val="tx1"/>
+                </a:solidFill>
+                <a:latin typeface="+mn-lt"/>
+                <a:ea typeface="+mn-ea"/>
+                <a:cs typeface="+mn-cs"/>
+              </a:defRPr>
+            </a:lvl8pPr>
+            <a:lvl9pPr marL="3657600" algn="l" defTabSz="914400" rtl="0" eaLnBrk="1" latinLnBrk="0" hangingPunct="1">
+              <a:defRPr sz="1800" kern="1200">
+                <a:solidFill>
+                  <a:schemeClr val="tx1"/>
+                </a:solidFill>
+                <a:latin typeface="+mn-lt"/>
+                <a:ea typeface="+mn-ea"/>
+                <a:cs typeface="+mn-cs"/>
+              </a:defRPr>
+            </a:lvl9pPr>
+          </a:lstStyle>
+          <a:p>
+            <a:r>
+              <a:rPr lang="en-US" sz="1200" b="0" i="0" u="none" strike="noStrike" dirty="0">
+                <a:solidFill>
+                  <a:srgbClr val="000000"/>
+                </a:solidFill>
+                <a:effectLst/>
+                <a:latin typeface="Abadi" panose="020B0604020104020204" pitchFamily="34" charset="0"/>
+              </a:rPr>
+              <a:t>Fig. Activity Diagram of </a:t>
+            </a:r>
+            <a:r>
+              <a:rPr lang="en-US" sz="1200" b="0" i="0" u="none" strike="noStrike" dirty="0" err="1">
+                <a:solidFill>
+                  <a:srgbClr val="000000"/>
+                </a:solidFill>
+                <a:effectLst/>
+                <a:latin typeface="Abadi" panose="020B0604020104020204" pitchFamily="34" charset="0"/>
+              </a:rPr>
+              <a:t>PvP_Battle</a:t>
+            </a:r>
+            <a:r>
+              <a:rPr lang="en-US" sz="1200" b="0" i="0" u="none" strike="noStrike" dirty="0">
+                <a:solidFill>
+                  <a:srgbClr val="000000"/>
+                </a:solidFill>
+                <a:effectLst/>
+                <a:latin typeface="Abadi" panose="020B0604020104020204" pitchFamily="34" charset="0"/>
+              </a:rPr>
+              <a:t>() </a:t>
+            </a:r>
+            <a:br>
+              <a:rPr lang="en-US" sz="1200" b="0" i="0" u="none" strike="noStrike" dirty="0">
+                <a:solidFill>
+                  <a:srgbClr val="000000"/>
+                </a:solidFill>
+                <a:effectLst/>
+                <a:latin typeface="Abadi" panose="020B0604020104020204" pitchFamily="34" charset="0"/>
+              </a:rPr>
+            </a:br>
+            <a:r>
+              <a:rPr lang="en-US" sz="1200" b="0" i="0" u="none" strike="noStrike" dirty="0">
+                <a:solidFill>
+                  <a:srgbClr val="000000"/>
+                </a:solidFill>
+                <a:effectLst/>
+                <a:latin typeface="Abadi" panose="020B0604020104020204" pitchFamily="34" charset="0"/>
+              </a:rPr>
+              <a:t>compared to Player vs AI Mode</a:t>
+            </a:r>
+            <a:endParaRPr lang="en-DE" sz="1200" dirty="0">
+              <a:latin typeface="Abadi" panose="020B0604020104020204" pitchFamily="34" charset="0"/>
+            </a:endParaRPr>
+          </a:p>
+        </p:txBody>
+      </p:sp>
+    </p:spTree>
+    <p:extLst>
+      <p:ext uri="{BB962C8B-B14F-4D97-AF65-F5344CB8AC3E}">
+        <p14:creationId xmlns:p14="http://schemas.microsoft.com/office/powerpoint/2010/main" val="1706941799"/>
+      </p:ext>
+    </p:extLst>
+  </p:cSld>
+  <p:clrMapOvr>
+    <a:masterClrMapping/>
+  </p:clrMapOvr>
+</p:sld>
+</file>
+
+<file path=ppt/slides/slide12.xml><?xml version="1.0" encoding="utf-8"?>
+<p:sld xmlns:a="http://schemas.openxmlformats.org/drawingml/2006/main" xmlns:r="http://schemas.openxmlformats.org/officeDocument/2006/relationships" xmlns:p="http://schemas.openxmlformats.org/presentationml/2006/main">
+  <p:cSld>
+    <p:spTree>
+      <p:nvGrpSpPr>
+        <p:cNvPr id="1" name=""/>
+        <p:cNvGrpSpPr/>
+        <p:nvPr/>
+      </p:nvGrpSpPr>
+      <p:grpSpPr>
+        <a:xfrm>
+          <a:off x="0" y="0"/>
+          <a:ext cx="0" cy="0"/>
+          <a:chOff x="0" y="0"/>
+          <a:chExt cx="0" cy="0"/>
+        </a:xfrm>
+      </p:grpSpPr>
+      <p:sp>
+        <p:nvSpPr>
+          <p:cNvPr id="4" name="矩形 3">
+            <a:extLst>
+              <a:ext uri="{FF2B5EF4-FFF2-40B4-BE49-F238E27FC236}">
+                <a16:creationId xmlns:a16="http://schemas.microsoft.com/office/drawing/2014/main" id="{E6EA42BE-5F57-48BD-8EC9-05BCD1C20B30}"/>
+              </a:ext>
+            </a:extLst>
+          </p:cNvPr>
+          <p:cNvSpPr/>
+          <p:nvPr/>
+        </p:nvSpPr>
+        <p:spPr>
+          <a:xfrm>
+            <a:off x="977900" y="1447800"/>
+            <a:ext cx="1371600" cy="1371600"/>
+          </a:xfrm>
+          <a:prstGeom prst="rect">
+            <a:avLst/>
+          </a:prstGeom>
+          <a:noFill/>
+          <a:ln w="57150">
+            <a:solidFill>
+              <a:schemeClr val="bg1"/>
+            </a:solidFill>
+          </a:ln>
+        </p:spPr>
+        <p:style>
+          <a:lnRef idx="2">
+            <a:schemeClr val="accent1">
+              <a:shade val="50000"/>
+            </a:schemeClr>
+          </a:lnRef>
+          <a:fillRef idx="1">
+            <a:schemeClr val="accent1"/>
+          </a:fillRef>
+          <a:effectRef idx="0">
+            <a:schemeClr val="accent1"/>
+          </a:effectRef>
+          <a:fontRef idx="minor">
+            <a:schemeClr val="lt1"/>
+          </a:fontRef>
+        </p:style>
+        <p:txBody>
+          <a:bodyPr rtlCol="0" anchor="ctr"/>
+          <a:lstStyle/>
+          <a:p>
+            <a:pPr algn="ctr"/>
+            <a:endParaRPr lang="en-US" dirty="0"/>
+          </a:p>
+        </p:txBody>
+      </p:sp>
+      <p:sp>
+        <p:nvSpPr>
           <p:cNvPr id="5" name="文字方塊 4">
             <a:extLst>
               <a:ext uri="{FF2B5EF4-FFF2-40B4-BE49-F238E27FC236}">
@@ -4140,15 +5386,121 @@
               <a:rPr lang="en-GB" sz="3200" dirty="0">
                 <a:latin typeface="Abadi" panose="020B0604020104020204" pitchFamily="34" charset="0"/>
               </a:rPr>
-              <a:t>- Deployment()</a:t>
+              <a:t>- </a:t>
+            </a:r>
+            <a:r>
+              <a:rPr lang="en-GB" sz="3200" dirty="0" err="1">
+                <a:latin typeface="Abadi" panose="020B0604020104020204" pitchFamily="34" charset="0"/>
+              </a:rPr>
+              <a:t>AI_battle</a:t>
+            </a:r>
+            <a:r>
+              <a:rPr lang="en-GB" sz="3200" dirty="0">
+                <a:latin typeface="Abadi" panose="020B0604020104020204" pitchFamily="34" charset="0"/>
+              </a:rPr>
+              <a:t>()</a:t>
             </a:r>
           </a:p>
         </p:txBody>
       </p:sp>
+      <p:pic>
+        <p:nvPicPr>
+          <p:cNvPr id="1026" name="Picture 2">
+            <a:extLst>
+              <a:ext uri="{FF2B5EF4-FFF2-40B4-BE49-F238E27FC236}">
+                <a16:creationId xmlns:a16="http://schemas.microsoft.com/office/drawing/2014/main" id="{AFE3CFD0-ABB2-495B-A1B5-A304481E4236}"/>
+              </a:ext>
+            </a:extLst>
+          </p:cNvPr>
+          <p:cNvPicPr>
+            <a:picLocks noChangeAspect="1" noChangeArrowheads="1"/>
+          </p:cNvPicPr>
+          <p:nvPr/>
+        </p:nvPicPr>
+        <p:blipFill>
+          <a:blip r:embed="rId2">
+            <a:extLst>
+              <a:ext uri="{28A0092B-C50C-407E-A947-70E740481C1C}">
+                <a14:useLocalDpi xmlns:a14="http://schemas.microsoft.com/office/drawing/2010/main" val="0"/>
+              </a:ext>
+            </a:extLst>
+          </a:blip>
+          <a:srcRect/>
+          <a:stretch>
+            <a:fillRect/>
+          </a:stretch>
+        </p:blipFill>
+        <p:spPr bwMode="auto">
+          <a:xfrm>
+            <a:off x="750947" y="2281464"/>
+            <a:ext cx="6175407" cy="3128736"/>
+          </a:xfrm>
+          <a:prstGeom prst="rect">
+            <a:avLst/>
+          </a:prstGeom>
+          <a:noFill/>
+          <a:extLst>
+            <a:ext uri="{909E8E84-426E-40DD-AFC4-6F175D3DCCD1}">
+              <a14:hiddenFill xmlns:a14="http://schemas.microsoft.com/office/drawing/2010/main">
+                <a:solidFill>
+                  <a:srgbClr val="FFFFFF"/>
+                </a:solidFill>
+              </a14:hiddenFill>
+            </a:ext>
+          </a:extLst>
+        </p:spPr>
+      </p:pic>
+      <p:pic>
+        <p:nvPicPr>
+          <p:cNvPr id="1028" name="Picture 4">
+            <a:extLst>
+              <a:ext uri="{FF2B5EF4-FFF2-40B4-BE49-F238E27FC236}">
+                <a16:creationId xmlns:a16="http://schemas.microsoft.com/office/drawing/2014/main" id="{45E5D5E9-4092-45C5-8AC4-47387A300B06}"/>
+              </a:ext>
+            </a:extLst>
+          </p:cNvPr>
+          <p:cNvPicPr>
+            <a:picLocks noChangeAspect="1" noChangeArrowheads="1"/>
+          </p:cNvPicPr>
+          <p:nvPr/>
+        </p:nvPicPr>
+        <p:blipFill>
+          <a:blip r:embed="rId3">
+            <a:extLst>
+              <a:ext uri="{28A0092B-C50C-407E-A947-70E740481C1C}">
+                <a14:useLocalDpi xmlns:a14="http://schemas.microsoft.com/office/drawing/2010/main" val="0"/>
+              </a:ext>
+            </a:extLst>
+          </a:blip>
+          <a:srcRect/>
+          <a:stretch>
+            <a:fillRect/>
+          </a:stretch>
+        </p:blipFill>
+        <p:spPr bwMode="auto">
+          <a:xfrm>
+            <a:off x="7593285" y="440067"/>
+            <a:ext cx="4118697" cy="5994289"/>
+          </a:xfrm>
+          <a:prstGeom prst="rect">
+            <a:avLst/>
+          </a:prstGeom>
+          <a:noFill/>
+          <a:extLst>
+            <a:ext uri="{909E8E84-426E-40DD-AFC4-6F175D3DCCD1}">
+              <a14:hiddenFill xmlns:a14="http://schemas.microsoft.com/office/drawing/2010/main">
+                <a:solidFill>
+                  <a:srgbClr val="FFFFFF"/>
+                </a:solidFill>
+              </a14:hiddenFill>
+            </a:ext>
+          </a:extLst>
+        </p:spPr>
+      </p:pic>
     </p:spTree>
     <p:extLst>
       <p:ext uri="{BB962C8B-B14F-4D97-AF65-F5344CB8AC3E}">
-        <p14:creationId xmlns:p14="http://schemas.microsoft.com/office/powerpoint/2010/main" val="3126760757"/>
+        <p14:creationId xmlns:p14="http://schemas.microsoft.com/office/powerpoint/2010/main" val="817743845"/>
       </p:ext>
     </p:extLst>
   </p:cSld>
@@ -4158,501 +5510,7 @@
 </p:sld>
 </file>
 
-<file path=ppt/slides/slide11.xml><?xml version="1.0" encoding="utf-8"?>
-<p:sld xmlns:a="http://schemas.openxmlformats.org/drawingml/2006/main" xmlns:r="http://schemas.openxmlformats.org/officeDocument/2006/relationships" xmlns:p="http://schemas.openxmlformats.org/presentationml/2006/main">
-  <p:cSld>
-    <p:spTree>
-      <p:nvGrpSpPr>
-        <p:cNvPr id="1" name=""/>
-        <p:cNvGrpSpPr/>
-        <p:nvPr/>
-      </p:nvGrpSpPr>
-      <p:grpSpPr>
-        <a:xfrm>
-          <a:off x="0" y="0"/>
-          <a:ext cx="0" cy="0"/>
-          <a:chOff x="0" y="0"/>
-          <a:chExt cx="0" cy="0"/>
-        </a:xfrm>
-      </p:grpSpPr>
-      <p:sp>
-        <p:nvSpPr>
-          <p:cNvPr id="4" name="矩形 3">
-            <a:extLst>
-              <a:ext uri="{FF2B5EF4-FFF2-40B4-BE49-F238E27FC236}">
-                <a16:creationId xmlns:a16="http://schemas.microsoft.com/office/drawing/2014/main" id="{E6EA42BE-5F57-48BD-8EC9-05BCD1C20B30}"/>
-              </a:ext>
-            </a:extLst>
-          </p:cNvPr>
-          <p:cNvSpPr/>
-          <p:nvPr/>
-        </p:nvSpPr>
-        <p:spPr>
-          <a:xfrm>
-            <a:off x="977900" y="1447800"/>
-            <a:ext cx="1371600" cy="1371600"/>
-          </a:xfrm>
-          <a:prstGeom prst="rect">
-            <a:avLst/>
-          </a:prstGeom>
-          <a:noFill/>
-          <a:ln w="57150">
-            <a:solidFill>
-              <a:schemeClr val="bg1"/>
-            </a:solidFill>
-          </a:ln>
-        </p:spPr>
-        <p:style>
-          <a:lnRef idx="2">
-            <a:schemeClr val="accent1">
-              <a:shade val="50000"/>
-            </a:schemeClr>
-          </a:lnRef>
-          <a:fillRef idx="1">
-            <a:schemeClr val="accent1"/>
-          </a:fillRef>
-          <a:effectRef idx="0">
-            <a:schemeClr val="accent1"/>
-          </a:effectRef>
-          <a:fontRef idx="minor">
-            <a:schemeClr val="lt1"/>
-          </a:fontRef>
-        </p:style>
-        <p:txBody>
-          <a:bodyPr rtlCol="0" anchor="ctr"/>
-          <a:lstStyle/>
-          <a:p>
-            <a:pPr algn="ctr"/>
-            <a:endParaRPr lang="en-US" dirty="0"/>
-          </a:p>
-        </p:txBody>
-      </p:sp>
-      <p:sp>
-        <p:nvSpPr>
-          <p:cNvPr id="5" name="文字方塊 4">
-            <a:extLst>
-              <a:ext uri="{FF2B5EF4-FFF2-40B4-BE49-F238E27FC236}">
-                <a16:creationId xmlns:a16="http://schemas.microsoft.com/office/drawing/2014/main" id="{ED35EB82-225E-42F8-9EF1-D66912A2A2E9}"/>
-              </a:ext>
-            </a:extLst>
-          </p:cNvPr>
-          <p:cNvSpPr txBox="1"/>
-          <p:nvPr/>
-        </p:nvSpPr>
-        <p:spPr>
-          <a:xfrm>
-            <a:off x="1071230" y="1810434"/>
-            <a:ext cx="1184940" cy="646331"/>
-          </a:xfrm>
-          <a:prstGeom prst="rect">
-            <a:avLst/>
-          </a:prstGeom>
-          <a:noFill/>
-        </p:spPr>
-        <p:txBody>
-          <a:bodyPr wrap="none" rtlCol="0">
-            <a:spAutoFit/>
-          </a:bodyPr>
-          <a:lstStyle/>
-          <a:p>
-            <a:r>
-              <a:rPr lang="de-DE" dirty="0">
-                <a:solidFill>
-                  <a:schemeClr val="bg1"/>
-                </a:solidFill>
-                <a:latin typeface="Abadi" panose="020B0604020104020204" pitchFamily="34" charset="0"/>
-              </a:rPr>
-              <a:t>SRS </a:t>
-            </a:r>
-          </a:p>
-          <a:p>
-            <a:r>
-              <a:rPr lang="de-DE" dirty="0">
-                <a:solidFill>
-                  <a:schemeClr val="bg1"/>
-                </a:solidFill>
-                <a:latin typeface="Abadi" panose="020B0604020104020204" pitchFamily="34" charset="0"/>
-              </a:rPr>
-              <a:t>Document</a:t>
-            </a:r>
-            <a:endParaRPr lang="en-US" dirty="0">
-              <a:solidFill>
-                <a:schemeClr val="bg1"/>
-              </a:solidFill>
-              <a:latin typeface="Abadi" panose="020B0604020104020204" pitchFamily="34" charset="0"/>
-            </a:endParaRPr>
-          </a:p>
-        </p:txBody>
-      </p:sp>
-      <p:sp>
-        <p:nvSpPr>
-          <p:cNvPr id="6" name="矩形 5">
-            <a:extLst>
-              <a:ext uri="{FF2B5EF4-FFF2-40B4-BE49-F238E27FC236}">
-                <a16:creationId xmlns:a16="http://schemas.microsoft.com/office/drawing/2014/main" id="{BB0839DE-B4DB-453C-BE83-560B4D2DAFCF}"/>
-              </a:ext>
-            </a:extLst>
-          </p:cNvPr>
-          <p:cNvSpPr/>
-          <p:nvPr/>
-        </p:nvSpPr>
-        <p:spPr>
-          <a:xfrm>
-            <a:off x="3213100" y="1447800"/>
-            <a:ext cx="1371600" cy="1371600"/>
-          </a:xfrm>
-          <a:prstGeom prst="rect">
-            <a:avLst/>
-          </a:prstGeom>
-          <a:noFill/>
-          <a:ln w="57150">
-            <a:solidFill>
-              <a:schemeClr val="bg1"/>
-            </a:solidFill>
-          </a:ln>
-        </p:spPr>
-        <p:style>
-          <a:lnRef idx="2">
-            <a:schemeClr val="accent1">
-              <a:shade val="50000"/>
-            </a:schemeClr>
-          </a:lnRef>
-          <a:fillRef idx="1">
-            <a:schemeClr val="accent1"/>
-          </a:fillRef>
-          <a:effectRef idx="0">
-            <a:schemeClr val="accent1"/>
-          </a:effectRef>
-          <a:fontRef idx="minor">
-            <a:schemeClr val="lt1"/>
-          </a:fontRef>
-        </p:style>
-        <p:txBody>
-          <a:bodyPr rtlCol="0" anchor="ctr"/>
-          <a:lstStyle/>
-          <a:p>
-            <a:pPr algn="ctr"/>
-            <a:endParaRPr lang="en-US" dirty="0"/>
-          </a:p>
-        </p:txBody>
-      </p:sp>
-      <p:sp>
-        <p:nvSpPr>
-          <p:cNvPr id="7" name="文字方塊 6">
-            <a:extLst>
-              <a:ext uri="{FF2B5EF4-FFF2-40B4-BE49-F238E27FC236}">
-                <a16:creationId xmlns:a16="http://schemas.microsoft.com/office/drawing/2014/main" id="{33837096-63BF-4682-AA32-6DE29C167362}"/>
-              </a:ext>
-            </a:extLst>
-          </p:cNvPr>
-          <p:cNvSpPr txBox="1"/>
-          <p:nvPr/>
-        </p:nvSpPr>
-        <p:spPr>
-          <a:xfrm>
-            <a:off x="3360130" y="1810433"/>
-            <a:ext cx="1077539" cy="646331"/>
-          </a:xfrm>
-          <a:prstGeom prst="rect">
-            <a:avLst/>
-          </a:prstGeom>
-          <a:noFill/>
-        </p:spPr>
-        <p:txBody>
-          <a:bodyPr wrap="none" rtlCol="0">
-            <a:spAutoFit/>
-          </a:bodyPr>
-          <a:lstStyle/>
-          <a:p>
-            <a:r>
-              <a:rPr lang="de-DE" dirty="0">
-                <a:solidFill>
-                  <a:schemeClr val="bg1"/>
-                </a:solidFill>
-                <a:latin typeface="Abadi" panose="020B0604020104020204" pitchFamily="34" charset="0"/>
-              </a:rPr>
-              <a:t>Main </a:t>
-            </a:r>
-          </a:p>
-          <a:p>
-            <a:r>
-              <a:rPr lang="de-DE" dirty="0">
-                <a:solidFill>
-                  <a:schemeClr val="bg1"/>
-                </a:solidFill>
-                <a:latin typeface="Abadi" panose="020B0604020104020204" pitchFamily="34" charset="0"/>
-              </a:rPr>
-              <a:t>Structure</a:t>
-            </a:r>
-          </a:p>
-        </p:txBody>
-      </p:sp>
-      <p:sp>
-        <p:nvSpPr>
-          <p:cNvPr id="8" name="矩形 7">
-            <a:extLst>
-              <a:ext uri="{FF2B5EF4-FFF2-40B4-BE49-F238E27FC236}">
-                <a16:creationId xmlns:a16="http://schemas.microsoft.com/office/drawing/2014/main" id="{3C4BF0D4-3A0A-404B-A9FD-EB6A65BED28A}"/>
-              </a:ext>
-            </a:extLst>
-          </p:cNvPr>
-          <p:cNvSpPr/>
-          <p:nvPr/>
-        </p:nvSpPr>
-        <p:spPr>
-          <a:xfrm>
-            <a:off x="5410200" y="1447800"/>
-            <a:ext cx="1371600" cy="1371600"/>
-          </a:xfrm>
-          <a:prstGeom prst="rect">
-            <a:avLst/>
-          </a:prstGeom>
-          <a:noFill/>
-          <a:ln w="57150">
-            <a:solidFill>
-              <a:schemeClr val="bg1"/>
-            </a:solidFill>
-          </a:ln>
-        </p:spPr>
-        <p:style>
-          <a:lnRef idx="2">
-            <a:schemeClr val="accent1">
-              <a:shade val="50000"/>
-            </a:schemeClr>
-          </a:lnRef>
-          <a:fillRef idx="1">
-            <a:schemeClr val="accent1"/>
-          </a:fillRef>
-          <a:effectRef idx="0">
-            <a:schemeClr val="accent1"/>
-          </a:effectRef>
-          <a:fontRef idx="minor">
-            <a:schemeClr val="lt1"/>
-          </a:fontRef>
-        </p:style>
-        <p:txBody>
-          <a:bodyPr rtlCol="0" anchor="ctr"/>
-          <a:lstStyle/>
-          <a:p>
-            <a:pPr algn="ctr"/>
-            <a:endParaRPr lang="en-US" dirty="0"/>
-          </a:p>
-        </p:txBody>
-      </p:sp>
-      <p:sp>
-        <p:nvSpPr>
-          <p:cNvPr id="9" name="文字方塊 8">
-            <a:extLst>
-              <a:ext uri="{FF2B5EF4-FFF2-40B4-BE49-F238E27FC236}">
-                <a16:creationId xmlns:a16="http://schemas.microsoft.com/office/drawing/2014/main" id="{6BF0CF2D-72E1-46E7-AFD3-C211FB07FD05}"/>
-              </a:ext>
-            </a:extLst>
-          </p:cNvPr>
-          <p:cNvSpPr txBox="1"/>
-          <p:nvPr/>
-        </p:nvSpPr>
-        <p:spPr>
-          <a:xfrm>
-            <a:off x="5490706" y="1810432"/>
-            <a:ext cx="1210588" cy="646331"/>
-          </a:xfrm>
-          <a:prstGeom prst="rect">
-            <a:avLst/>
-          </a:prstGeom>
-          <a:noFill/>
-        </p:spPr>
-        <p:txBody>
-          <a:bodyPr wrap="none" rtlCol="0">
-            <a:spAutoFit/>
-          </a:bodyPr>
-          <a:lstStyle/>
-          <a:p>
-            <a:r>
-              <a:rPr lang="de-DE" dirty="0">
-                <a:solidFill>
-                  <a:schemeClr val="bg1"/>
-                </a:solidFill>
-                <a:latin typeface="Abadi" panose="020B0604020104020204" pitchFamily="34" charset="0"/>
-              </a:rPr>
-              <a:t>Implement</a:t>
-            </a:r>
-          </a:p>
-          <a:p>
-            <a:r>
-              <a:rPr lang="de-DE" dirty="0">
-                <a:solidFill>
-                  <a:schemeClr val="bg1"/>
-                </a:solidFill>
-                <a:latin typeface="Abadi" panose="020B0604020104020204" pitchFamily="34" charset="0"/>
-              </a:rPr>
-              <a:t>functions</a:t>
-            </a:r>
-          </a:p>
-        </p:txBody>
-      </p:sp>
-      <p:sp>
-        <p:nvSpPr>
-          <p:cNvPr id="27" name="矩形 26">
-            <a:extLst>
-              <a:ext uri="{FF2B5EF4-FFF2-40B4-BE49-F238E27FC236}">
-                <a16:creationId xmlns:a16="http://schemas.microsoft.com/office/drawing/2014/main" id="{EE4FA404-9907-424A-B8C3-2E11C8A5D563}"/>
-              </a:ext>
-            </a:extLst>
-          </p:cNvPr>
-          <p:cNvSpPr/>
-          <p:nvPr/>
-        </p:nvSpPr>
-        <p:spPr>
-          <a:xfrm>
-            <a:off x="-295342" y="-616375"/>
-            <a:ext cx="6781800" cy="1408908"/>
-          </a:xfrm>
-          <a:prstGeom prst="rect">
-            <a:avLst/>
-          </a:prstGeom>
-          <a:solidFill>
-            <a:srgbClr val="29294C"/>
-          </a:solidFill>
-        </p:spPr>
-        <p:style>
-          <a:lnRef idx="2">
-            <a:schemeClr val="accent1">
-              <a:shade val="50000"/>
-            </a:schemeClr>
-          </a:lnRef>
-          <a:fillRef idx="1">
-            <a:schemeClr val="accent1"/>
-          </a:fillRef>
-          <a:effectRef idx="0">
-            <a:schemeClr val="accent1"/>
-          </a:effectRef>
-          <a:fontRef idx="minor">
-            <a:schemeClr val="lt1"/>
-          </a:fontRef>
-        </p:style>
-        <p:txBody>
-          <a:bodyPr rtlCol="0" anchor="ctr"/>
-          <a:lstStyle/>
-          <a:p>
-            <a:pPr algn="ctr"/>
-            <a:endParaRPr lang="en-US"/>
-          </a:p>
-        </p:txBody>
-      </p:sp>
-      <p:sp>
-        <p:nvSpPr>
-          <p:cNvPr id="28" name="文字方塊 27">
-            <a:extLst>
-              <a:ext uri="{FF2B5EF4-FFF2-40B4-BE49-F238E27FC236}">
-                <a16:creationId xmlns:a16="http://schemas.microsoft.com/office/drawing/2014/main" id="{74CAFAEB-C8FD-4AA4-A59D-6B8EC3F3E19A}"/>
-              </a:ext>
-            </a:extLst>
-          </p:cNvPr>
-          <p:cNvSpPr txBox="1"/>
-          <p:nvPr/>
-        </p:nvSpPr>
-        <p:spPr>
-          <a:xfrm>
-            <a:off x="180922" y="-5231"/>
-            <a:ext cx="4150495" cy="769441"/>
-          </a:xfrm>
-          <a:prstGeom prst="rect">
-            <a:avLst/>
-          </a:prstGeom>
-          <a:noFill/>
-        </p:spPr>
-        <p:txBody>
-          <a:bodyPr wrap="none" rtlCol="0">
-            <a:spAutoFit/>
-          </a:bodyPr>
-          <a:lstStyle/>
-          <a:p>
-            <a:r>
-              <a:rPr lang="de-DE" sz="4400" dirty="0">
-                <a:solidFill>
-                  <a:schemeClr val="bg1"/>
-                </a:solidFill>
-                <a:latin typeface="Abadi" panose="020B0604020104020204" pitchFamily="34" charset="0"/>
-              </a:rPr>
-              <a:t>Implementations</a:t>
-            </a:r>
-            <a:endParaRPr lang="en-US" sz="4400" dirty="0">
-              <a:solidFill>
-                <a:schemeClr val="bg1"/>
-              </a:solidFill>
-              <a:latin typeface="Abadi" panose="020B0604020104020204" pitchFamily="34" charset="0"/>
-            </a:endParaRPr>
-          </a:p>
-        </p:txBody>
-      </p:sp>
-      <p:sp>
-        <p:nvSpPr>
-          <p:cNvPr id="21" name="文字方塊 20">
-            <a:extLst>
-              <a:ext uri="{FF2B5EF4-FFF2-40B4-BE49-F238E27FC236}">
-                <a16:creationId xmlns:a16="http://schemas.microsoft.com/office/drawing/2014/main" id="{C2321439-2B70-455C-B674-205EF9990C16}"/>
-              </a:ext>
-            </a:extLst>
-          </p:cNvPr>
-          <p:cNvSpPr txBox="1"/>
-          <p:nvPr/>
-        </p:nvSpPr>
-        <p:spPr>
-          <a:xfrm>
-            <a:off x="240854" y="792533"/>
-            <a:ext cx="6245604" cy="753283"/>
-          </a:xfrm>
-          <a:prstGeom prst="rect">
-            <a:avLst/>
-          </a:prstGeom>
-          <a:noFill/>
-        </p:spPr>
-        <p:txBody>
-          <a:bodyPr wrap="square">
-            <a:spAutoFit/>
-          </a:bodyPr>
-          <a:lstStyle/>
-          <a:p>
-            <a:pPr>
-              <a:lnSpc>
-                <a:spcPct val="150000"/>
-              </a:lnSpc>
-            </a:pPr>
-            <a:r>
-              <a:rPr lang="en-GB" sz="3200" dirty="0">
-                <a:latin typeface="Abadi" panose="020B0604020104020204" pitchFamily="34" charset="0"/>
-              </a:rPr>
-              <a:t>- </a:t>
-            </a:r>
-            <a:r>
-              <a:rPr lang="en-GB" sz="3200" dirty="0" err="1">
-                <a:latin typeface="Abadi" panose="020B0604020104020204" pitchFamily="34" charset="0"/>
-              </a:rPr>
-              <a:t>PvP_battle</a:t>
-            </a:r>
-            <a:r>
-              <a:rPr lang="en-GB" sz="3200" dirty="0">
-                <a:latin typeface="Abadi" panose="020B0604020104020204" pitchFamily="34" charset="0"/>
-              </a:rPr>
-              <a:t>()</a:t>
-            </a:r>
-          </a:p>
-        </p:txBody>
-      </p:sp>
-    </p:spTree>
-    <p:extLst>
-      <p:ext uri="{BB962C8B-B14F-4D97-AF65-F5344CB8AC3E}">
-        <p14:creationId xmlns:p14="http://schemas.microsoft.com/office/powerpoint/2010/main" val="1706941799"/>
-      </p:ext>
-    </p:extLst>
-  </p:cSld>
-  <p:clrMapOvr>
-    <a:masterClrMapping/>
-  </p:clrMapOvr>
-</p:sld>
-</file>
-
-<file path=ppt/slides/slide12.xml><?xml version="1.0" encoding="utf-8"?>
+<file path=ppt/slides/slide13.xml><?xml version="1.0" encoding="utf-8"?>
 <p:sld xmlns:a="http://schemas.openxmlformats.org/drawingml/2006/main" xmlns:r="http://schemas.openxmlformats.org/officeDocument/2006/relationships" xmlns:p="http://schemas.openxmlformats.org/presentationml/2006/main">
   <p:cSld>
     <p:spTree>
@@ -5212,7 +6070,7 @@
               <a:rPr lang="en-GB" sz="3200" dirty="0" err="1">
                 <a:latin typeface="Abadi" panose="020B0604020104020204" pitchFamily="34" charset="0"/>
               </a:rPr>
-              <a:t>AI_battle</a:t>
+              <a:t>Generate_map</a:t>
             </a:r>
             <a:r>
               <a:rPr lang="en-GB" sz="3200" dirty="0">
@@ -5223,94 +6081,12 @@
           </a:p>
         </p:txBody>
       </p:sp>
-    </p:spTree>
-    <p:extLst>
-      <p:ext uri="{BB962C8B-B14F-4D97-AF65-F5344CB8AC3E}">
-        <p14:creationId xmlns:p14="http://schemas.microsoft.com/office/powerpoint/2010/main" val="817743845"/>
-      </p:ext>
-    </p:extLst>
-  </p:cSld>
-  <p:clrMapOvr>
-    <a:masterClrMapping/>
-  </p:clrMapOvr>
-</p:sld>
-</file>
-
-<file path=ppt/slides/slide13.xml><?xml version="1.0" encoding="utf-8"?>
-<p:sld xmlns:a="http://schemas.openxmlformats.org/drawingml/2006/main" xmlns:r="http://schemas.openxmlformats.org/officeDocument/2006/relationships" xmlns:p="http://schemas.openxmlformats.org/presentationml/2006/main">
-  <p:cSld>
-    <p:spTree>
-      <p:nvGrpSpPr>
-        <p:cNvPr id="1" name=""/>
-        <p:cNvGrpSpPr/>
-        <p:nvPr/>
-      </p:nvGrpSpPr>
-      <p:grpSpPr>
-        <a:xfrm>
-          <a:off x="0" y="0"/>
-          <a:ext cx="0" cy="0"/>
-          <a:chOff x="0" y="0"/>
-          <a:chExt cx="0" cy="0"/>
-        </a:xfrm>
-      </p:grpSpPr>
       <p:sp>
         <p:nvSpPr>
-          <p:cNvPr id="4" name="矩形 3">
+          <p:cNvPr id="13" name="文字方塊 12">
             <a:extLst>
               <a:ext uri="{FF2B5EF4-FFF2-40B4-BE49-F238E27FC236}">
-                <a16:creationId xmlns:a16="http://schemas.microsoft.com/office/drawing/2014/main" id="{E6EA42BE-5F57-48BD-8EC9-05BCD1C20B30}"/>
-              </a:ext>
-            </a:extLst>
-          </p:cNvPr>
-          <p:cNvSpPr/>
-          <p:nvPr/>
-        </p:nvSpPr>
-        <p:spPr>
-          <a:xfrm>
-            <a:off x="977900" y="1447800"/>
-            <a:ext cx="1371600" cy="1371600"/>
-          </a:xfrm>
-          <a:prstGeom prst="rect">
-            <a:avLst/>
-          </a:prstGeom>
-          <a:noFill/>
-          <a:ln w="57150">
-            <a:solidFill>
-              <a:schemeClr val="bg1"/>
-            </a:solidFill>
-          </a:ln>
-        </p:spPr>
-        <p:style>
-          <a:lnRef idx="2">
-            <a:schemeClr val="accent1">
-              <a:shade val="50000"/>
-            </a:schemeClr>
-          </a:lnRef>
-          <a:fillRef idx="1">
-            <a:schemeClr val="accent1"/>
-          </a:fillRef>
-          <a:effectRef idx="0">
-            <a:schemeClr val="accent1"/>
-          </a:effectRef>
-          <a:fontRef idx="minor">
-            <a:schemeClr val="lt1"/>
-          </a:fontRef>
-        </p:style>
-        <p:txBody>
-          <a:bodyPr rtlCol="0" anchor="ctr"/>
-          <a:lstStyle/>
-          <a:p>
-            <a:pPr algn="ctr"/>
-            <a:endParaRPr lang="en-US" dirty="0"/>
-          </a:p>
-        </p:txBody>
-      </p:sp>
-      <p:sp>
-        <p:nvSpPr>
-          <p:cNvPr id="5" name="文字方塊 4">
-            <a:extLst>
-              <a:ext uri="{FF2B5EF4-FFF2-40B4-BE49-F238E27FC236}">
-                <a16:creationId xmlns:a16="http://schemas.microsoft.com/office/drawing/2014/main" id="{ED35EB82-225E-42F8-9EF1-D66912A2A2E9}"/>
+                <a16:creationId xmlns:a16="http://schemas.microsoft.com/office/drawing/2014/main" id="{3C5050F0-B6E7-4A01-A78B-F7F5DEC1FA86}"/>
               </a:ext>
             </a:extLst>
           </p:cNvPr>
@@ -5319,7 +6095,7 @@
         </p:nvSpPr>
         <p:spPr>
           <a:xfrm>
-            <a:off x="1071230" y="1810434"/>
+            <a:off x="1050146" y="1931948"/>
             <a:ext cx="1184940" cy="646331"/>
           </a:xfrm>
           <a:prstGeom prst="rect">
@@ -5364,62 +6140,10 @@
       </p:sp>
       <p:sp>
         <p:nvSpPr>
-          <p:cNvPr id="6" name="矩形 5">
+          <p:cNvPr id="14" name="文字方塊 13">
             <a:extLst>
               <a:ext uri="{FF2B5EF4-FFF2-40B4-BE49-F238E27FC236}">
-                <a16:creationId xmlns:a16="http://schemas.microsoft.com/office/drawing/2014/main" id="{BB0839DE-B4DB-453C-BE83-560B4D2DAFCF}"/>
-              </a:ext>
-            </a:extLst>
-          </p:cNvPr>
-          <p:cNvSpPr/>
-          <p:nvPr/>
-        </p:nvSpPr>
-        <p:spPr>
-          <a:xfrm>
-            <a:off x="3213100" y="1447800"/>
-            <a:ext cx="1371600" cy="1371600"/>
-          </a:xfrm>
-          <a:prstGeom prst="rect">
-            <a:avLst/>
-          </a:prstGeom>
-          <a:noFill/>
-          <a:ln w="57150">
-            <a:solidFill>
-              <a:schemeClr val="bg1"/>
-            </a:solidFill>
-          </a:ln>
-        </p:spPr>
-        <p:style>
-          <a:lnRef idx="2">
-            <a:schemeClr val="accent1">
-              <a:shade val="50000"/>
-            </a:schemeClr>
-          </a:lnRef>
-          <a:fillRef idx="1">
-            <a:schemeClr val="accent1"/>
-          </a:fillRef>
-          <a:effectRef idx="0">
-            <a:schemeClr val="accent1"/>
-          </a:effectRef>
-          <a:fontRef idx="minor">
-            <a:schemeClr val="lt1"/>
-          </a:fontRef>
-        </p:style>
-        <p:txBody>
-          <a:bodyPr rtlCol="0" anchor="ctr"/>
-          <a:lstStyle/>
-          <a:p>
-            <a:pPr algn="ctr"/>
-            <a:endParaRPr lang="en-US" dirty="0"/>
-          </a:p>
-        </p:txBody>
-      </p:sp>
-      <p:sp>
-        <p:nvSpPr>
-          <p:cNvPr id="7" name="文字方塊 6">
-            <a:extLst>
-              <a:ext uri="{FF2B5EF4-FFF2-40B4-BE49-F238E27FC236}">
-                <a16:creationId xmlns:a16="http://schemas.microsoft.com/office/drawing/2014/main" id="{33837096-63BF-4682-AA32-6DE29C167362}"/>
+                <a16:creationId xmlns:a16="http://schemas.microsoft.com/office/drawing/2014/main" id="{1D09EA85-B60A-4873-A4EC-ABA618F3D781}"/>
               </a:ext>
             </a:extLst>
           </p:cNvPr>
@@ -5428,7 +6152,7 @@
         </p:nvSpPr>
         <p:spPr>
           <a:xfrm>
-            <a:off x="3360130" y="1810433"/>
+            <a:off x="3339046" y="1931947"/>
             <a:ext cx="1077539" cy="646331"/>
           </a:xfrm>
           <a:prstGeom prst="rect">
@@ -5467,62 +6191,10 @@
       </p:sp>
       <p:sp>
         <p:nvSpPr>
-          <p:cNvPr id="8" name="矩形 7">
+          <p:cNvPr id="15" name="文字方塊 14">
             <a:extLst>
               <a:ext uri="{FF2B5EF4-FFF2-40B4-BE49-F238E27FC236}">
-                <a16:creationId xmlns:a16="http://schemas.microsoft.com/office/drawing/2014/main" id="{3C4BF0D4-3A0A-404B-A9FD-EB6A65BED28A}"/>
-              </a:ext>
-            </a:extLst>
-          </p:cNvPr>
-          <p:cNvSpPr/>
-          <p:nvPr/>
-        </p:nvSpPr>
-        <p:spPr>
-          <a:xfrm>
-            <a:off x="5410200" y="1447800"/>
-            <a:ext cx="1371600" cy="1371600"/>
-          </a:xfrm>
-          <a:prstGeom prst="rect">
-            <a:avLst/>
-          </a:prstGeom>
-          <a:noFill/>
-          <a:ln w="57150">
-            <a:solidFill>
-              <a:schemeClr val="bg1"/>
-            </a:solidFill>
-          </a:ln>
-        </p:spPr>
-        <p:style>
-          <a:lnRef idx="2">
-            <a:schemeClr val="accent1">
-              <a:shade val="50000"/>
-            </a:schemeClr>
-          </a:lnRef>
-          <a:fillRef idx="1">
-            <a:schemeClr val="accent1"/>
-          </a:fillRef>
-          <a:effectRef idx="0">
-            <a:schemeClr val="accent1"/>
-          </a:effectRef>
-          <a:fontRef idx="minor">
-            <a:schemeClr val="lt1"/>
-          </a:fontRef>
-        </p:style>
-        <p:txBody>
-          <a:bodyPr rtlCol="0" anchor="ctr"/>
-          <a:lstStyle/>
-          <a:p>
-            <a:pPr algn="ctr"/>
-            <a:endParaRPr lang="en-US" dirty="0"/>
-          </a:p>
-        </p:txBody>
-      </p:sp>
-      <p:sp>
-        <p:nvSpPr>
-          <p:cNvPr id="9" name="文字方塊 8">
-            <a:extLst>
-              <a:ext uri="{FF2B5EF4-FFF2-40B4-BE49-F238E27FC236}">
-                <a16:creationId xmlns:a16="http://schemas.microsoft.com/office/drawing/2014/main" id="{6BF0CF2D-72E1-46E7-AFD3-C211FB07FD05}"/>
+                <a16:creationId xmlns:a16="http://schemas.microsoft.com/office/drawing/2014/main" id="{91102A42-6214-4F0A-9183-3DB9DE77DCC2}"/>
               </a:ext>
             </a:extLst>
           </p:cNvPr>
@@ -5531,7 +6203,7 @@
         </p:nvSpPr>
         <p:spPr>
           <a:xfrm>
-            <a:off x="5490706" y="1810432"/>
+            <a:off x="5469622" y="1931946"/>
             <a:ext cx="1210588" cy="646331"/>
           </a:xfrm>
           <a:prstGeom prst="rect">
@@ -5570,22 +6242,19 @@
       </p:sp>
       <p:cxnSp>
         <p:nvCxnSpPr>
-          <p:cNvPr id="19" name="直線單箭頭接點 18">
+          <p:cNvPr id="16" name="直線單箭頭接點 15">
             <a:extLst>
               <a:ext uri="{FF2B5EF4-FFF2-40B4-BE49-F238E27FC236}">
-                <a16:creationId xmlns:a16="http://schemas.microsoft.com/office/drawing/2014/main" id="{26256C21-5F71-41D6-9EA2-00A32AD4FE14}"/>
+                <a16:creationId xmlns:a16="http://schemas.microsoft.com/office/drawing/2014/main" id="{96C4DAC2-B304-42DB-B90A-8414CC0202A9}"/>
               </a:ext>
             </a:extLst>
           </p:cNvPr>
-          <p:cNvCxnSpPr>
-            <a:stCxn id="4" idx="3"/>
-            <a:endCxn id="6" idx="1"/>
-          </p:cNvCxnSpPr>
+          <p:cNvCxnSpPr/>
           <p:nvPr/>
         </p:nvCxnSpPr>
         <p:spPr>
           <a:xfrm>
-            <a:off x="2349500" y="2133600"/>
+            <a:off x="2328416" y="2255114"/>
             <a:ext cx="863600" cy="0"/>
           </a:xfrm>
           <a:prstGeom prst="straightConnector1">
@@ -5615,22 +6284,21 @@
       </p:cxnSp>
       <p:cxnSp>
         <p:nvCxnSpPr>
-          <p:cNvPr id="20" name="直線單箭頭接點 19">
+          <p:cNvPr id="17" name="直線單箭頭接點 16">
             <a:extLst>
               <a:ext uri="{FF2B5EF4-FFF2-40B4-BE49-F238E27FC236}">
-                <a16:creationId xmlns:a16="http://schemas.microsoft.com/office/drawing/2014/main" id="{E5EBD734-9F3C-45A2-A38A-22F5E60E23FE}"/>
+                <a16:creationId xmlns:a16="http://schemas.microsoft.com/office/drawing/2014/main" id="{63BAB47D-FBB3-4813-AD08-88D78D01FBF5}"/>
               </a:ext>
             </a:extLst>
           </p:cNvPr>
           <p:cNvCxnSpPr>
             <a:cxnSpLocks/>
-            <a:endCxn id="8" idx="1"/>
           </p:cNvCxnSpPr>
           <p:nvPr/>
         </p:nvCxnSpPr>
         <p:spPr>
           <a:xfrm>
-            <a:off x="4584700" y="2133599"/>
+            <a:off x="4563616" y="2255113"/>
             <a:ext cx="825500" cy="1"/>
           </a:xfrm>
           <a:prstGeom prst="straightConnector1">
@@ -5660,59 +6328,10 @@
       </p:cxnSp>
       <p:sp>
         <p:nvSpPr>
-          <p:cNvPr id="27" name="矩形 26">
+          <p:cNvPr id="18" name="文字方塊 17">
             <a:extLst>
               <a:ext uri="{FF2B5EF4-FFF2-40B4-BE49-F238E27FC236}">
-                <a16:creationId xmlns:a16="http://schemas.microsoft.com/office/drawing/2014/main" id="{EE4FA404-9907-424A-B8C3-2E11C8A5D563}"/>
-              </a:ext>
-            </a:extLst>
-          </p:cNvPr>
-          <p:cNvSpPr/>
-          <p:nvPr/>
-        </p:nvSpPr>
-        <p:spPr>
-          <a:xfrm>
-            <a:off x="-295342" y="-616375"/>
-            <a:ext cx="6781800" cy="1408908"/>
-          </a:xfrm>
-          <a:prstGeom prst="rect">
-            <a:avLst/>
-          </a:prstGeom>
-          <a:solidFill>
-            <a:srgbClr val="29294C"/>
-          </a:solidFill>
-        </p:spPr>
-        <p:style>
-          <a:lnRef idx="2">
-            <a:schemeClr val="accent1">
-              <a:shade val="50000"/>
-            </a:schemeClr>
-          </a:lnRef>
-          <a:fillRef idx="1">
-            <a:schemeClr val="accent1"/>
-          </a:fillRef>
-          <a:effectRef idx="0">
-            <a:schemeClr val="accent1"/>
-          </a:effectRef>
-          <a:fontRef idx="minor">
-            <a:schemeClr val="lt1"/>
-          </a:fontRef>
-        </p:style>
-        <p:txBody>
-          <a:bodyPr rtlCol="0" anchor="ctr"/>
-          <a:lstStyle/>
-          <a:p>
-            <a:pPr algn="ctr"/>
-            <a:endParaRPr lang="en-US"/>
-          </a:p>
-        </p:txBody>
-      </p:sp>
-      <p:sp>
-        <p:nvSpPr>
-          <p:cNvPr id="28" name="文字方塊 27">
-            <a:extLst>
-              <a:ext uri="{FF2B5EF4-FFF2-40B4-BE49-F238E27FC236}">
-                <a16:creationId xmlns:a16="http://schemas.microsoft.com/office/drawing/2014/main" id="{74CAFAEB-C8FD-4AA4-A59D-6B8EC3F3E19A}"/>
+                <a16:creationId xmlns:a16="http://schemas.microsoft.com/office/drawing/2014/main" id="{C424AF15-AC8F-4AFC-A392-268FD90D46EB}"/>
               </a:ext>
             </a:extLst>
           </p:cNvPr>
@@ -5721,8 +6340,8 @@
         </p:nvSpPr>
         <p:spPr>
           <a:xfrm>
-            <a:off x="180922" y="-5231"/>
-            <a:ext cx="4150495" cy="769441"/>
+            <a:off x="1259206" y="1923136"/>
+            <a:ext cx="1184940" cy="646331"/>
           </a:xfrm>
           <a:prstGeom prst="rect">
             <a:avLst/>
@@ -5736,15 +6355,26 @@
           <a:lstStyle/>
           <a:p>
             <a:r>
-              <a:rPr lang="de-DE" sz="4400" dirty="0">
+              <a:rPr lang="de-DE" dirty="0">
                 <a:solidFill>
                   <a:schemeClr val="bg1"/>
                 </a:solidFill>
                 <a:latin typeface="Abadi" panose="020B0604020104020204" pitchFamily="34" charset="0"/>
               </a:rPr>
-              <a:t>Implementations</a:t>
+              <a:t>SRS </a:t>
             </a:r>
-            <a:endParaRPr lang="en-US" sz="4400" dirty="0">
+          </a:p>
+          <a:p>
+            <a:r>
+              <a:rPr lang="de-DE" dirty="0">
+                <a:solidFill>
+                  <a:schemeClr val="bg1"/>
+                </a:solidFill>
+                <a:latin typeface="Abadi" panose="020B0604020104020204" pitchFamily="34" charset="0"/>
+              </a:rPr>
+              <a:t>Document</a:t>
+            </a:r>
+            <a:endParaRPr lang="en-US" dirty="0">
               <a:solidFill>
                 <a:schemeClr val="bg1"/>
               </a:solidFill>
@@ -5755,10 +6385,10 @@
       </p:sp>
       <p:sp>
         <p:nvSpPr>
-          <p:cNvPr id="21" name="文字方塊 20">
+          <p:cNvPr id="22" name="文字方塊 21">
             <a:extLst>
               <a:ext uri="{FF2B5EF4-FFF2-40B4-BE49-F238E27FC236}">
-                <a16:creationId xmlns:a16="http://schemas.microsoft.com/office/drawing/2014/main" id="{C2321439-2B70-455C-B674-205EF9990C16}"/>
+                <a16:creationId xmlns:a16="http://schemas.microsoft.com/office/drawing/2014/main" id="{C65AEF85-1073-4F0F-8699-8DDF4A77E5FB}"/>
               </a:ext>
             </a:extLst>
           </p:cNvPr>
@@ -5767,8 +6397,422 @@
         </p:nvSpPr>
         <p:spPr>
           <a:xfrm>
-            <a:off x="240854" y="792533"/>
-            <a:ext cx="6245604" cy="753283"/>
+            <a:off x="3548106" y="1923135"/>
+            <a:ext cx="1077539" cy="646331"/>
+          </a:xfrm>
+          <a:prstGeom prst="rect">
+            <a:avLst/>
+          </a:prstGeom>
+          <a:noFill/>
+        </p:spPr>
+        <p:txBody>
+          <a:bodyPr wrap="none" rtlCol="0">
+            <a:spAutoFit/>
+          </a:bodyPr>
+          <a:lstStyle/>
+          <a:p>
+            <a:r>
+              <a:rPr lang="de-DE" dirty="0">
+                <a:solidFill>
+                  <a:schemeClr val="bg1"/>
+                </a:solidFill>
+                <a:latin typeface="Abadi" panose="020B0604020104020204" pitchFamily="34" charset="0"/>
+              </a:rPr>
+              <a:t>Main </a:t>
+            </a:r>
+          </a:p>
+          <a:p>
+            <a:r>
+              <a:rPr lang="de-DE" dirty="0">
+                <a:solidFill>
+                  <a:schemeClr val="bg1"/>
+                </a:solidFill>
+                <a:latin typeface="Abadi" panose="020B0604020104020204" pitchFamily="34" charset="0"/>
+              </a:rPr>
+              <a:t>Structure</a:t>
+            </a:r>
+          </a:p>
+        </p:txBody>
+      </p:sp>
+      <p:sp>
+        <p:nvSpPr>
+          <p:cNvPr id="23" name="文字方塊 22">
+            <a:extLst>
+              <a:ext uri="{FF2B5EF4-FFF2-40B4-BE49-F238E27FC236}">
+                <a16:creationId xmlns:a16="http://schemas.microsoft.com/office/drawing/2014/main" id="{0365C492-A3C2-434B-9C09-DC8EC6C8B402}"/>
+              </a:ext>
+            </a:extLst>
+          </p:cNvPr>
+          <p:cNvSpPr txBox="1"/>
+          <p:nvPr/>
+        </p:nvSpPr>
+        <p:spPr>
+          <a:xfrm>
+            <a:off x="5678682" y="1923134"/>
+            <a:ext cx="1210588" cy="646331"/>
+          </a:xfrm>
+          <a:prstGeom prst="rect">
+            <a:avLst/>
+          </a:prstGeom>
+          <a:noFill/>
+        </p:spPr>
+        <p:txBody>
+          <a:bodyPr wrap="none" rtlCol="0">
+            <a:spAutoFit/>
+          </a:bodyPr>
+          <a:lstStyle/>
+          <a:p>
+            <a:r>
+              <a:rPr lang="de-DE" dirty="0">
+                <a:solidFill>
+                  <a:schemeClr val="bg1"/>
+                </a:solidFill>
+                <a:latin typeface="Abadi" panose="020B0604020104020204" pitchFamily="34" charset="0"/>
+              </a:rPr>
+              <a:t>Implement</a:t>
+            </a:r>
+          </a:p>
+          <a:p>
+            <a:r>
+              <a:rPr lang="de-DE" dirty="0">
+                <a:solidFill>
+                  <a:schemeClr val="bg1"/>
+                </a:solidFill>
+                <a:latin typeface="Abadi" panose="020B0604020104020204" pitchFamily="34" charset="0"/>
+              </a:rPr>
+              <a:t>functions</a:t>
+            </a:r>
+          </a:p>
+        </p:txBody>
+      </p:sp>
+      <p:cxnSp>
+        <p:nvCxnSpPr>
+          <p:cNvPr id="24" name="直線單箭頭接點 23">
+            <a:extLst>
+              <a:ext uri="{FF2B5EF4-FFF2-40B4-BE49-F238E27FC236}">
+                <a16:creationId xmlns:a16="http://schemas.microsoft.com/office/drawing/2014/main" id="{CEC5527B-1551-4557-997C-C5C8D8FA3059}"/>
+              </a:ext>
+            </a:extLst>
+          </p:cNvPr>
+          <p:cNvCxnSpPr/>
+          <p:nvPr/>
+        </p:nvCxnSpPr>
+        <p:spPr>
+          <a:xfrm>
+            <a:off x="2537476" y="2246302"/>
+            <a:ext cx="863600" cy="0"/>
+          </a:xfrm>
+          <a:prstGeom prst="straightConnector1">
+            <a:avLst/>
+          </a:prstGeom>
+          <a:ln w="38100">
+            <a:solidFill>
+              <a:schemeClr val="bg1"/>
+            </a:solidFill>
+            <a:tailEnd type="triangle"/>
+          </a:ln>
+        </p:spPr>
+        <p:style>
+          <a:lnRef idx="1">
+            <a:schemeClr val="dk1"/>
+          </a:lnRef>
+          <a:fillRef idx="0">
+            <a:schemeClr val="dk1"/>
+          </a:fillRef>
+          <a:effectRef idx="0">
+            <a:schemeClr val="dk1"/>
+          </a:effectRef>
+          <a:fontRef idx="minor">
+            <a:schemeClr val="tx1"/>
+          </a:fontRef>
+        </p:style>
+      </p:cxnSp>
+      <p:cxnSp>
+        <p:nvCxnSpPr>
+          <p:cNvPr id="25" name="直線單箭頭接點 24">
+            <a:extLst>
+              <a:ext uri="{FF2B5EF4-FFF2-40B4-BE49-F238E27FC236}">
+                <a16:creationId xmlns:a16="http://schemas.microsoft.com/office/drawing/2014/main" id="{AB07DDE9-2015-4127-A734-488AF2B5618B}"/>
+              </a:ext>
+            </a:extLst>
+          </p:cNvPr>
+          <p:cNvCxnSpPr>
+            <a:cxnSpLocks/>
+          </p:cNvCxnSpPr>
+          <p:nvPr/>
+        </p:nvCxnSpPr>
+        <p:spPr>
+          <a:xfrm>
+            <a:off x="4772676" y="2246301"/>
+            <a:ext cx="825500" cy="1"/>
+          </a:xfrm>
+          <a:prstGeom prst="straightConnector1">
+            <a:avLst/>
+          </a:prstGeom>
+          <a:ln w="38100">
+            <a:solidFill>
+              <a:schemeClr val="bg1"/>
+            </a:solidFill>
+            <a:tailEnd type="triangle"/>
+          </a:ln>
+        </p:spPr>
+        <p:style>
+          <a:lnRef idx="1">
+            <a:schemeClr val="dk1"/>
+          </a:lnRef>
+          <a:fillRef idx="0">
+            <a:schemeClr val="dk1"/>
+          </a:fillRef>
+          <a:effectRef idx="0">
+            <a:schemeClr val="dk1"/>
+          </a:effectRef>
+          <a:fontRef idx="minor">
+            <a:schemeClr val="tx1"/>
+          </a:fontRef>
+        </p:style>
+      </p:cxnSp>
+      <p:pic>
+        <p:nvPicPr>
+          <p:cNvPr id="26" name="Picture 2">
+            <a:extLst>
+              <a:ext uri="{FF2B5EF4-FFF2-40B4-BE49-F238E27FC236}">
+                <a16:creationId xmlns:a16="http://schemas.microsoft.com/office/drawing/2014/main" id="{26AD959F-B173-4A4A-98F6-FA57913EC00A}"/>
+              </a:ext>
+            </a:extLst>
+          </p:cNvPr>
+          <p:cNvPicPr>
+            <a:picLocks noChangeAspect="1" noChangeArrowheads="1"/>
+          </p:cNvPicPr>
+          <p:nvPr/>
+        </p:nvPicPr>
+        <p:blipFill>
+          <a:blip r:embed="rId2">
+            <a:extLst>
+              <a:ext uri="{28A0092B-C50C-407E-A947-70E740481C1C}">
+                <a14:useLocalDpi xmlns:a14="http://schemas.microsoft.com/office/drawing/2010/main" val="0"/>
+              </a:ext>
+            </a:extLst>
+          </a:blip>
+          <a:srcRect/>
+          <a:stretch>
+            <a:fillRect/>
+          </a:stretch>
+        </p:blipFill>
+        <p:spPr bwMode="auto">
+          <a:xfrm>
+            <a:off x="294719" y="3429000"/>
+            <a:ext cx="3476022" cy="2419505"/>
+          </a:xfrm>
+          <a:prstGeom prst="rect">
+            <a:avLst/>
+          </a:prstGeom>
+          <a:noFill/>
+          <a:extLst>
+            <a:ext uri="{909E8E84-426E-40DD-AFC4-6F175D3DCCD1}">
+              <a14:hiddenFill xmlns:a14="http://schemas.microsoft.com/office/drawing/2010/main">
+                <a:solidFill>
+                  <a:srgbClr val="FFFFFF"/>
+                </a:solidFill>
+              </a14:hiddenFill>
+            </a:ext>
+          </a:extLst>
+        </p:spPr>
+      </p:pic>
+      <p:pic>
+        <p:nvPicPr>
+          <p:cNvPr id="29" name="Picture 4">
+            <a:extLst>
+              <a:ext uri="{FF2B5EF4-FFF2-40B4-BE49-F238E27FC236}">
+                <a16:creationId xmlns:a16="http://schemas.microsoft.com/office/drawing/2014/main" id="{0F6DCE61-0339-42DE-B30C-E88B03AC87BC}"/>
+              </a:ext>
+            </a:extLst>
+          </p:cNvPr>
+          <p:cNvPicPr>
+            <a:picLocks noChangeAspect="1" noChangeArrowheads="1"/>
+          </p:cNvPicPr>
+          <p:nvPr/>
+        </p:nvPicPr>
+        <p:blipFill>
+          <a:blip r:embed="rId3">
+            <a:extLst>
+              <a:ext uri="{28A0092B-C50C-407E-A947-70E740481C1C}">
+                <a14:useLocalDpi xmlns:a14="http://schemas.microsoft.com/office/drawing/2010/main" val="0"/>
+              </a:ext>
+            </a:extLst>
+          </a:blip>
+          <a:srcRect/>
+          <a:stretch>
+            <a:fillRect/>
+          </a:stretch>
+        </p:blipFill>
+        <p:spPr bwMode="auto">
+          <a:xfrm>
+            <a:off x="8885186" y="3429000"/>
+            <a:ext cx="2286000" cy="771525"/>
+          </a:xfrm>
+          <a:prstGeom prst="rect">
+            <a:avLst/>
+          </a:prstGeom>
+          <a:noFill/>
+          <a:extLst>
+            <a:ext uri="{909E8E84-426E-40DD-AFC4-6F175D3DCCD1}">
+              <a14:hiddenFill xmlns:a14="http://schemas.microsoft.com/office/drawing/2010/main">
+                <a:solidFill>
+                  <a:srgbClr val="FFFFFF"/>
+                </a:solidFill>
+              </a14:hiddenFill>
+            </a:ext>
+          </a:extLst>
+        </p:spPr>
+      </p:pic>
+      <p:sp>
+        <p:nvSpPr>
+          <p:cNvPr id="30" name="TextBox 16">
+            <a:extLst>
+              <a:ext uri="{FF2B5EF4-FFF2-40B4-BE49-F238E27FC236}">
+                <a16:creationId xmlns:a16="http://schemas.microsoft.com/office/drawing/2014/main" id="{20D66FD0-CEAC-487D-856E-5D72BBBD69AD}"/>
+              </a:ext>
+            </a:extLst>
+          </p:cNvPr>
+          <p:cNvSpPr txBox="1"/>
+          <p:nvPr/>
+        </p:nvSpPr>
+        <p:spPr>
+          <a:xfrm>
+            <a:off x="302774" y="2390261"/>
+            <a:ext cx="3846021" cy="830997"/>
+          </a:xfrm>
+          <a:prstGeom prst="rect">
+            <a:avLst/>
+          </a:prstGeom>
+          <a:noFill/>
+        </p:spPr>
+        <p:txBody>
+          <a:bodyPr wrap="square" rtlCol="0">
+            <a:spAutoFit/>
+          </a:bodyPr>
+          <a:lstStyle/>
+          <a:p>
+            <a:r>
+              <a:rPr lang="en-US" sz="1600" dirty="0">
+                <a:solidFill>
+                  <a:srgbClr val="000000"/>
+                </a:solidFill>
+                <a:latin typeface="Abadi" panose="020B0604020104020204" pitchFamily="34" charset="0"/>
+              </a:rPr>
+              <a:t>5 Ship Templates for Computer:</a:t>
+            </a:r>
+            <a:r>
+              <a:rPr lang="en-US" sz="1600" b="0" i="0" u="none" strike="noStrike" dirty="0">
+                <a:solidFill>
+                  <a:srgbClr val="000000"/>
+                </a:solidFill>
+                <a:effectLst/>
+                <a:latin typeface="Abadi" panose="020B0604020104020204" pitchFamily="34" charset="0"/>
+              </a:rPr>
+              <a:t> </a:t>
+            </a:r>
+          </a:p>
+          <a:p>
+            <a:pPr marL="285750" indent="-285750">
+              <a:buFont typeface="Arial" panose="020B0604020202020204" pitchFamily="34" charset="0"/>
+              <a:buChar char="•"/>
+            </a:pPr>
+            <a:r>
+              <a:rPr lang="en-US" sz="1600" b="0" i="0" u="none" strike="noStrike" dirty="0" err="1">
+                <a:solidFill>
+                  <a:srgbClr val="000000"/>
+                </a:solidFill>
+                <a:effectLst/>
+                <a:latin typeface="Abadi" panose="020B0604020104020204" pitchFamily="34" charset="0"/>
+              </a:rPr>
+              <a:t>TemplateGridX</a:t>
+            </a:r>
+            <a:r>
+              <a:rPr lang="en-US" sz="1600" b="0" i="0" u="none" strike="noStrike" dirty="0">
+                <a:solidFill>
+                  <a:srgbClr val="000000"/>
+                </a:solidFill>
+                <a:effectLst/>
+                <a:latin typeface="Abadi" panose="020B0604020104020204" pitchFamily="34" charset="0"/>
+              </a:rPr>
+              <a:t>[10][10] </a:t>
+            </a:r>
+          </a:p>
+          <a:p>
+            <a:pPr marL="285750" indent="-285750">
+              <a:buFont typeface="Arial" panose="020B0604020202020204" pitchFamily="34" charset="0"/>
+              <a:buChar char="•"/>
+            </a:pPr>
+            <a:r>
+              <a:rPr lang="en-US" sz="1600" b="0" i="0" u="none" strike="noStrike" dirty="0" err="1">
+                <a:solidFill>
+                  <a:srgbClr val="000000"/>
+                </a:solidFill>
+                <a:effectLst/>
+                <a:latin typeface="Abadi" panose="020B0604020104020204" pitchFamily="34" charset="0"/>
+              </a:rPr>
+              <a:t>TemplateDisplayX</a:t>
+            </a:r>
+            <a:r>
+              <a:rPr lang="en-US" sz="1600" b="0" i="0" u="none" strike="noStrike" dirty="0">
+                <a:solidFill>
+                  <a:srgbClr val="000000"/>
+                </a:solidFill>
+                <a:effectLst/>
+                <a:latin typeface="Abadi" panose="020B0604020104020204" pitchFamily="34" charset="0"/>
+              </a:rPr>
+              <a:t>[10][10]</a:t>
+            </a:r>
+          </a:p>
+        </p:txBody>
+      </p:sp>
+      <p:pic>
+        <p:nvPicPr>
+          <p:cNvPr id="31" name="Picture 10">
+            <a:extLst>
+              <a:ext uri="{FF2B5EF4-FFF2-40B4-BE49-F238E27FC236}">
+                <a16:creationId xmlns:a16="http://schemas.microsoft.com/office/drawing/2014/main" id="{57CD23DB-9B6B-483A-ADA7-C51FAF551BDF}"/>
+              </a:ext>
+            </a:extLst>
+          </p:cNvPr>
+          <p:cNvPicPr>
+            <a:picLocks noChangeAspect="1"/>
+          </p:cNvPicPr>
+          <p:nvPr/>
+        </p:nvPicPr>
+        <p:blipFill>
+          <a:blip r:embed="rId4"/>
+          <a:stretch>
+            <a:fillRect/>
+          </a:stretch>
+        </p:blipFill>
+        <p:spPr>
+          <a:xfrm>
+            <a:off x="4625646" y="3429000"/>
+            <a:ext cx="3753448" cy="2445894"/>
+          </a:xfrm>
+          <a:prstGeom prst="rect">
+            <a:avLst/>
+          </a:prstGeom>
+        </p:spPr>
+      </p:pic>
+      <p:sp>
+        <p:nvSpPr>
+          <p:cNvPr id="32" name="TextBox 21">
+            <a:extLst>
+              <a:ext uri="{FF2B5EF4-FFF2-40B4-BE49-F238E27FC236}">
+                <a16:creationId xmlns:a16="http://schemas.microsoft.com/office/drawing/2014/main" id="{AA684471-ED5B-4FDC-8168-B2F792F38E1F}"/>
+              </a:ext>
+            </a:extLst>
+          </p:cNvPr>
+          <p:cNvSpPr txBox="1"/>
+          <p:nvPr/>
+        </p:nvSpPr>
+        <p:spPr>
+          <a:xfrm>
+            <a:off x="4625645" y="2417746"/>
+            <a:ext cx="3846021" cy="830997"/>
           </a:xfrm>
           <a:prstGeom prst="rect">
             <a:avLst/>
@@ -5781,29 +6825,244 @@
           </a:bodyPr>
           <a:lstStyle/>
           <a:p>
-            <a:pPr>
-              <a:lnSpc>
-                <a:spcPct val="150000"/>
-              </a:lnSpc>
+            <a:r>
+              <a:rPr lang="en-US" sz="1600" dirty="0">
+                <a:solidFill>
+                  <a:srgbClr val="000000"/>
+                </a:solidFill>
+                <a:latin typeface="Abadi" panose="020B0604020104020204" pitchFamily="34" charset="0"/>
+              </a:rPr>
+              <a:t>5 Obstacles Maps for Hard Mode:</a:t>
+            </a:r>
+            <a:endParaRPr lang="en-US" sz="1600" b="0" i="0" u="none" strike="noStrike" dirty="0">
+              <a:solidFill>
+                <a:srgbClr val="000000"/>
+              </a:solidFill>
+              <a:effectLst/>
+              <a:latin typeface="Abadi" panose="020B0604020104020204" pitchFamily="34" charset="0"/>
+            </a:endParaRPr>
+          </a:p>
+          <a:p>
+            <a:pPr marL="285750" indent="-285750">
+              <a:buFont typeface="Arial" panose="020B0604020202020204" pitchFamily="34" charset="0"/>
+              <a:buChar char="•"/>
             </a:pPr>
             <a:r>
-              <a:rPr lang="en-GB" sz="3200" dirty="0">
+              <a:rPr lang="en-US" sz="1600" b="0" i="0" u="none" strike="noStrike" dirty="0" err="1">
+                <a:solidFill>
+                  <a:srgbClr val="000000"/>
+                </a:solidFill>
+                <a:effectLst/>
                 <a:latin typeface="Abadi" panose="020B0604020104020204" pitchFamily="34" charset="0"/>
               </a:rPr>
-              <a:t>- </a:t>
+              <a:t>ReefTemplateGridX</a:t>
             </a:r>
             <a:r>
-              <a:rPr lang="en-GB" sz="3200" dirty="0" err="1">
+              <a:rPr lang="en-US" sz="1600" b="0" i="0" u="none" strike="noStrike" dirty="0">
+                <a:solidFill>
+                  <a:srgbClr val="000000"/>
+                </a:solidFill>
+                <a:effectLst/>
                 <a:latin typeface="Abadi" panose="020B0604020104020204" pitchFamily="34" charset="0"/>
               </a:rPr>
-              <a:t>Generate_map</a:t>
+              <a:t>[10][10] </a:t>
+            </a:r>
+          </a:p>
+          <a:p>
+            <a:pPr marL="285750" indent="-285750">
+              <a:buFont typeface="Arial" panose="020B0604020202020204" pitchFamily="34" charset="0"/>
+              <a:buChar char="•"/>
+            </a:pPr>
+            <a:r>
+              <a:rPr lang="en-US" sz="1600" b="0" i="0" u="none" strike="noStrike" dirty="0" err="1">
+                <a:solidFill>
+                  <a:srgbClr val="000000"/>
+                </a:solidFill>
+                <a:effectLst/>
+                <a:latin typeface="Abadi" panose="020B0604020104020204" pitchFamily="34" charset="0"/>
+              </a:rPr>
+              <a:t>ReefTemplateDisplayX</a:t>
             </a:r>
             <a:r>
-              <a:rPr lang="en-GB" sz="3200" dirty="0">
+              <a:rPr lang="en-US" sz="1600" b="0" i="0" u="none" strike="noStrike" dirty="0">
+                <a:solidFill>
+                  <a:srgbClr val="000000"/>
+                </a:solidFill>
+                <a:effectLst/>
                 <a:latin typeface="Abadi" panose="020B0604020104020204" pitchFamily="34" charset="0"/>
               </a:rPr>
-              <a:t>()</a:t>
+              <a:t>[10][10]</a:t>
             </a:r>
+            <a:endParaRPr lang="en-DE" sz="1200" dirty="0">
+              <a:latin typeface="Abadi" panose="020B0604020104020204" pitchFamily="34" charset="0"/>
+            </a:endParaRPr>
+          </a:p>
+        </p:txBody>
+      </p:sp>
+      <p:sp>
+        <p:nvSpPr>
+          <p:cNvPr id="33" name="TextBox 22">
+            <a:extLst>
+              <a:ext uri="{FF2B5EF4-FFF2-40B4-BE49-F238E27FC236}">
+                <a16:creationId xmlns:a16="http://schemas.microsoft.com/office/drawing/2014/main" id="{23E8CF7B-E921-405D-B568-F038EEBD716B}"/>
+              </a:ext>
+            </a:extLst>
+          </p:cNvPr>
+          <p:cNvSpPr txBox="1"/>
+          <p:nvPr/>
+        </p:nvSpPr>
+        <p:spPr>
+          <a:xfrm>
+            <a:off x="240854" y="1695653"/>
+            <a:ext cx="6241002" cy="338554"/>
+          </a:xfrm>
+          <a:prstGeom prst="rect">
+            <a:avLst/>
+          </a:prstGeom>
+          <a:noFill/>
+        </p:spPr>
+        <p:txBody>
+          <a:bodyPr wrap="square">
+            <a:spAutoFit/>
+          </a:bodyPr>
+          <a:lstStyle/>
+          <a:p>
+            <a:r>
+              <a:rPr lang="en-US" sz="1600" b="0" i="0" u="none" strike="noStrike" dirty="0">
+                <a:solidFill>
+                  <a:srgbClr val="000000"/>
+                </a:solidFill>
+                <a:effectLst/>
+                <a:latin typeface="Abadi" panose="020B0604020104020204" pitchFamily="34" charset="0"/>
+              </a:rPr>
+              <a:t>2 arrays for each template, similar to deployment().</a:t>
+            </a:r>
+          </a:p>
+        </p:txBody>
+      </p:sp>
+      <p:sp>
+        <p:nvSpPr>
+          <p:cNvPr id="34" name="TextBox 24">
+            <a:extLst>
+              <a:ext uri="{FF2B5EF4-FFF2-40B4-BE49-F238E27FC236}">
+                <a16:creationId xmlns:a16="http://schemas.microsoft.com/office/drawing/2014/main" id="{730239A6-CA30-41AE-B96B-F58085B61156}"/>
+              </a:ext>
+            </a:extLst>
+          </p:cNvPr>
+          <p:cNvSpPr txBox="1"/>
+          <p:nvPr/>
+        </p:nvSpPr>
+        <p:spPr>
+          <a:xfrm>
+            <a:off x="261511" y="6033092"/>
+            <a:ext cx="3032999" cy="307777"/>
+          </a:xfrm>
+          <a:prstGeom prst="rect">
+            <a:avLst/>
+          </a:prstGeom>
+          <a:noFill/>
+        </p:spPr>
+        <p:txBody>
+          <a:bodyPr wrap="square" rtlCol="0">
+            <a:spAutoFit/>
+          </a:bodyPr>
+          <a:lstStyle/>
+          <a:p>
+            <a:r>
+              <a:rPr lang="en-US" sz="1400" b="0" i="0" u="none" strike="noStrike" dirty="0">
+                <a:solidFill>
+                  <a:srgbClr val="000000"/>
+                </a:solidFill>
+                <a:effectLst/>
+                <a:latin typeface="Arial" panose="020B0604020202020204" pitchFamily="34" charset="0"/>
+              </a:rPr>
+              <a:t>Fig. char TemplateDisplay1</a:t>
+            </a:r>
+            <a:endParaRPr lang="en-DE" sz="1400" dirty="0"/>
+          </a:p>
+        </p:txBody>
+      </p:sp>
+      <p:sp>
+        <p:nvSpPr>
+          <p:cNvPr id="35" name="TextBox 25">
+            <a:extLst>
+              <a:ext uri="{FF2B5EF4-FFF2-40B4-BE49-F238E27FC236}">
+                <a16:creationId xmlns:a16="http://schemas.microsoft.com/office/drawing/2014/main" id="{36A8BA3F-D4AC-4C3D-AC70-F14295FA8700}"/>
+              </a:ext>
+            </a:extLst>
+          </p:cNvPr>
+          <p:cNvSpPr txBox="1"/>
+          <p:nvPr/>
+        </p:nvSpPr>
+        <p:spPr>
+          <a:xfrm>
+            <a:off x="4625645" y="6123282"/>
+            <a:ext cx="2752895" cy="307777"/>
+          </a:xfrm>
+          <a:prstGeom prst="rect">
+            <a:avLst/>
+          </a:prstGeom>
+          <a:noFill/>
+        </p:spPr>
+        <p:txBody>
+          <a:bodyPr wrap="square" rtlCol="0">
+            <a:spAutoFit/>
+          </a:bodyPr>
+          <a:lstStyle/>
+          <a:p>
+            <a:r>
+              <a:rPr lang="en-US" sz="1400" b="0" i="0" u="none" strike="noStrike" dirty="0">
+                <a:solidFill>
+                  <a:srgbClr val="000000"/>
+                </a:solidFill>
+                <a:effectLst/>
+                <a:latin typeface="Arial" panose="020B0604020202020204" pitchFamily="34" charset="0"/>
+              </a:rPr>
+              <a:t>Fig. char ReefTemplateDisplay1</a:t>
+            </a:r>
+            <a:endParaRPr lang="en-DE" sz="1400" dirty="0"/>
+          </a:p>
+        </p:txBody>
+      </p:sp>
+      <p:sp>
+        <p:nvSpPr>
+          <p:cNvPr id="36" name="TextBox 28">
+            <a:extLst>
+              <a:ext uri="{FF2B5EF4-FFF2-40B4-BE49-F238E27FC236}">
+                <a16:creationId xmlns:a16="http://schemas.microsoft.com/office/drawing/2014/main" id="{4E2BBD84-01A5-4568-A8CF-1EC4A991B764}"/>
+              </a:ext>
+            </a:extLst>
+          </p:cNvPr>
+          <p:cNvSpPr txBox="1"/>
+          <p:nvPr/>
+        </p:nvSpPr>
+        <p:spPr>
+          <a:xfrm>
+            <a:off x="8792907" y="4330975"/>
+            <a:ext cx="3313879" cy="307777"/>
+          </a:xfrm>
+          <a:prstGeom prst="rect">
+            <a:avLst/>
+          </a:prstGeom>
+          <a:noFill/>
+        </p:spPr>
+        <p:txBody>
+          <a:bodyPr wrap="square" rtlCol="0">
+            <a:spAutoFit/>
+          </a:bodyPr>
+          <a:lstStyle/>
+          <a:p>
+            <a:r>
+              <a:rPr lang="en-US" sz="1400" b="0" i="0" u="none" strike="noStrike" dirty="0">
+                <a:solidFill>
+                  <a:srgbClr val="000000"/>
+                </a:solidFill>
+                <a:effectLst/>
+                <a:latin typeface="Arial" panose="020B0604020202020204" pitchFamily="34" charset="0"/>
+              </a:rPr>
+              <a:t>Fig. rand() to randomizes a template</a:t>
+            </a:r>
+            <a:endParaRPr lang="en-DE" sz="1400" dirty="0"/>
           </a:p>
         </p:txBody>
       </p:sp>
@@ -6249,40 +7508,77 @@
             <p:ph type="title"/>
           </p:nvPr>
         </p:nvSpPr>
-        <p:spPr/>
+        <p:spPr>
+          <a:xfrm>
+            <a:off x="4151851" y="4366674"/>
+            <a:ext cx="10515600" cy="1325563"/>
+          </a:xfrm>
+        </p:spPr>
         <p:txBody>
-          <a:bodyPr/>
+          <a:bodyPr>
+            <a:normAutofit fontScale="90000"/>
+          </a:bodyPr>
           <a:lstStyle/>
           <a:p>
-            <a:endParaRPr lang="en-US"/>
+            <a:r>
+              <a:rPr lang="de-DE" sz="9600" dirty="0">
+                <a:latin typeface="Abadi" panose="020B0604020104020204" pitchFamily="34" charset="0"/>
+              </a:rPr>
+              <a:t>Q &amp; A</a:t>
+            </a:r>
+            <a:endParaRPr lang="en-US" sz="9600" dirty="0">
+              <a:latin typeface="Abadi" panose="020B0604020104020204" pitchFamily="34" charset="0"/>
+            </a:endParaRPr>
           </a:p>
         </p:txBody>
       </p:sp>
-      <p:sp>
-        <p:nvSpPr>
-          <p:cNvPr id="3" name="內容版面配置區 2">
+      <p:pic>
+        <p:nvPicPr>
+          <p:cNvPr id="2050" name="Picture 2">
             <a:extLst>
               <a:ext uri="{FF2B5EF4-FFF2-40B4-BE49-F238E27FC236}">
-                <a16:creationId xmlns:a16="http://schemas.microsoft.com/office/drawing/2014/main" id="{B111B620-88DF-435A-A56E-258CB3F20FED}"/>
+                <a16:creationId xmlns:a16="http://schemas.microsoft.com/office/drawing/2014/main" id="{F146BFF2-95E8-4457-A404-EA6341995C06}"/>
               </a:ext>
             </a:extLst>
           </p:cNvPr>
-          <p:cNvSpPr>
-            <a:spLocks noGrp="1"/>
-          </p:cNvSpPr>
-          <p:nvPr>
-            <p:ph idx="1"/>
-          </p:nvPr>
-        </p:nvSpPr>
-        <p:spPr/>
-        <p:txBody>
-          <a:bodyPr/>
-          <a:lstStyle/>
-          <a:p>
-            <a:endParaRPr lang="en-US"/>
-          </a:p>
-        </p:txBody>
-      </p:sp>
+          <p:cNvPicPr>
+            <a:picLocks noChangeAspect="1" noChangeArrowheads="1"/>
+          </p:cNvPicPr>
+          <p:nvPr/>
+        </p:nvPicPr>
+        <p:blipFill>
+          <a:blip r:embed="rId2">
+            <a:extLst>
+              <a:ext uri="{28A0092B-C50C-407E-A947-70E740481C1C}">
+                <a14:useLocalDpi xmlns:a14="http://schemas.microsoft.com/office/drawing/2010/main" val="0"/>
+              </a:ext>
+            </a:extLst>
+          </a:blip>
+          <a:srcRect/>
+          <a:stretch>
+            <a:fillRect/>
+          </a:stretch>
+        </p:blipFill>
+        <p:spPr bwMode="auto">
+          <a:xfrm>
+            <a:off x="2767580" y="1181638"/>
+            <a:ext cx="5734050" cy="2619375"/>
+          </a:xfrm>
+          <a:prstGeom prst="rect">
+            <a:avLst/>
+          </a:prstGeom>
+          <a:noFill/>
+          <a:extLst>
+            <a:ext uri="{909E8E84-426E-40DD-AFC4-6F175D3DCCD1}">
+              <a14:hiddenFill xmlns:a14="http://schemas.microsoft.com/office/drawing/2010/main">
+                <a:solidFill>
+                  <a:srgbClr val="FFFFFF"/>
+                </a:solidFill>
+              </a14:hiddenFill>
+            </a:ext>
+          </a:extLst>
+        </p:spPr>
+      </p:pic>
     </p:spTree>
     <p:extLst>
       <p:ext uri="{BB962C8B-B14F-4D97-AF65-F5344CB8AC3E}">

--- a/Missouri PPT.pptx
+++ b/Missouri PPT.pptx
@@ -15,9 +15,9 @@
     <p:sldId id="270" r:id="rId9"/>
     <p:sldId id="271" r:id="rId10"/>
     <p:sldId id="272" r:id="rId11"/>
-    <p:sldId id="273" r:id="rId12"/>
-    <p:sldId id="274" r:id="rId13"/>
-    <p:sldId id="275" r:id="rId14"/>
+    <p:sldId id="275" r:id="rId12"/>
+    <p:sldId id="273" r:id="rId13"/>
+    <p:sldId id="274" r:id="rId14"/>
     <p:sldId id="277" r:id="rId15"/>
     <p:sldId id="276" r:id="rId16"/>
   </p:sldIdLst>
@@ -275,7 +275,7 @@
           <a:p>
             <a:fld id="{B7AF82D5-15C1-4D5A-978E-38537E499AEB}" type="datetimeFigureOut">
               <a:rPr lang="en-US" smtClean="0"/>
-              <a:t>7/5/2021</a:t>
+              <a:t>7/6/2021</a:t>
             </a:fld>
             <a:endParaRPr lang="en-US"/>
           </a:p>
@@ -475,7 +475,7 @@
           <a:p>
             <a:fld id="{B7AF82D5-15C1-4D5A-978E-38537E499AEB}" type="datetimeFigureOut">
               <a:rPr lang="en-US" smtClean="0"/>
-              <a:t>7/5/2021</a:t>
+              <a:t>7/6/2021</a:t>
             </a:fld>
             <a:endParaRPr lang="en-US"/>
           </a:p>
@@ -685,7 +685,7 @@
           <a:p>
             <a:fld id="{B7AF82D5-15C1-4D5A-978E-38537E499AEB}" type="datetimeFigureOut">
               <a:rPr lang="en-US" smtClean="0"/>
-              <a:t>7/5/2021</a:t>
+              <a:t>7/6/2021</a:t>
             </a:fld>
             <a:endParaRPr lang="en-US"/>
           </a:p>
@@ -885,7 +885,7 @@
           <a:p>
             <a:fld id="{B7AF82D5-15C1-4D5A-978E-38537E499AEB}" type="datetimeFigureOut">
               <a:rPr lang="en-US" smtClean="0"/>
-              <a:t>7/5/2021</a:t>
+              <a:t>7/6/2021</a:t>
             </a:fld>
             <a:endParaRPr lang="en-US"/>
           </a:p>
@@ -1161,7 +1161,7 @@
           <a:p>
             <a:fld id="{B7AF82D5-15C1-4D5A-978E-38537E499AEB}" type="datetimeFigureOut">
               <a:rPr lang="en-US" smtClean="0"/>
-              <a:t>7/5/2021</a:t>
+              <a:t>7/6/2021</a:t>
             </a:fld>
             <a:endParaRPr lang="en-US"/>
           </a:p>
@@ -1429,7 +1429,7 @@
           <a:p>
             <a:fld id="{B7AF82D5-15C1-4D5A-978E-38537E499AEB}" type="datetimeFigureOut">
               <a:rPr lang="en-US" smtClean="0"/>
-              <a:t>7/5/2021</a:t>
+              <a:t>7/6/2021</a:t>
             </a:fld>
             <a:endParaRPr lang="en-US"/>
           </a:p>
@@ -1844,7 +1844,7 @@
           <a:p>
             <a:fld id="{B7AF82D5-15C1-4D5A-978E-38537E499AEB}" type="datetimeFigureOut">
               <a:rPr lang="en-US" smtClean="0"/>
-              <a:t>7/5/2021</a:t>
+              <a:t>7/6/2021</a:t>
             </a:fld>
             <a:endParaRPr lang="en-US"/>
           </a:p>
@@ -1986,7 +1986,7 @@
           <a:p>
             <a:fld id="{B7AF82D5-15C1-4D5A-978E-38537E499AEB}" type="datetimeFigureOut">
               <a:rPr lang="en-US" smtClean="0"/>
-              <a:t>7/5/2021</a:t>
+              <a:t>7/6/2021</a:t>
             </a:fld>
             <a:endParaRPr lang="en-US"/>
           </a:p>
@@ -2099,7 +2099,7 @@
           <a:p>
             <a:fld id="{B7AF82D5-15C1-4D5A-978E-38537E499AEB}" type="datetimeFigureOut">
               <a:rPr lang="en-US" smtClean="0"/>
-              <a:t>7/5/2021</a:t>
+              <a:t>7/6/2021</a:t>
             </a:fld>
             <a:endParaRPr lang="en-US"/>
           </a:p>
@@ -2412,7 +2412,7 @@
           <a:p>
             <a:fld id="{B7AF82D5-15C1-4D5A-978E-38537E499AEB}" type="datetimeFigureOut">
               <a:rPr lang="en-US" smtClean="0"/>
-              <a:t>7/5/2021</a:t>
+              <a:t>7/6/2021</a:t>
             </a:fld>
             <a:endParaRPr lang="en-US"/>
           </a:p>
@@ -2701,7 +2701,7 @@
           <a:p>
             <a:fld id="{B7AF82D5-15C1-4D5A-978E-38537E499AEB}" type="datetimeFigureOut">
               <a:rPr lang="en-US" smtClean="0"/>
-              <a:t>7/5/2021</a:t>
+              <a:t>7/6/2021</a:t>
             </a:fld>
             <a:endParaRPr lang="en-US"/>
           </a:p>
@@ -2944,7 +2944,7 @@
           <a:p>
             <a:fld id="{B7AF82D5-15C1-4D5A-978E-38537E499AEB}" type="datetimeFigureOut">
               <a:rPr lang="en-US" smtClean="0"/>
-              <a:t>7/5/2021</a:t>
+              <a:t>7/6/2021</a:t>
             </a:fld>
             <a:endParaRPr lang="en-US"/>
           </a:p>
@@ -3657,1252 +3657,6 @@
       </p:sp>
       <p:sp>
         <p:nvSpPr>
-          <p:cNvPr id="6" name="矩形 5">
-            <a:extLst>
-              <a:ext uri="{FF2B5EF4-FFF2-40B4-BE49-F238E27FC236}">
-                <a16:creationId xmlns:a16="http://schemas.microsoft.com/office/drawing/2014/main" id="{BB0839DE-B4DB-453C-BE83-560B4D2DAFCF}"/>
-              </a:ext>
-            </a:extLst>
-          </p:cNvPr>
-          <p:cNvSpPr/>
-          <p:nvPr/>
-        </p:nvSpPr>
-        <p:spPr>
-          <a:xfrm>
-            <a:off x="3213100" y="1447800"/>
-            <a:ext cx="1371600" cy="1371600"/>
-          </a:xfrm>
-          <a:prstGeom prst="rect">
-            <a:avLst/>
-          </a:prstGeom>
-          <a:noFill/>
-          <a:ln w="57150">
-            <a:solidFill>
-              <a:schemeClr val="bg1"/>
-            </a:solidFill>
-          </a:ln>
-        </p:spPr>
-        <p:style>
-          <a:lnRef idx="2">
-            <a:schemeClr val="accent1">
-              <a:shade val="50000"/>
-            </a:schemeClr>
-          </a:lnRef>
-          <a:fillRef idx="1">
-            <a:schemeClr val="accent1"/>
-          </a:fillRef>
-          <a:effectRef idx="0">
-            <a:schemeClr val="accent1"/>
-          </a:effectRef>
-          <a:fontRef idx="minor">
-            <a:schemeClr val="lt1"/>
-          </a:fontRef>
-        </p:style>
-        <p:txBody>
-          <a:bodyPr rtlCol="0" anchor="ctr"/>
-          <a:lstStyle/>
-          <a:p>
-            <a:pPr algn="ctr"/>
-            <a:endParaRPr lang="en-US" dirty="0"/>
-          </a:p>
-        </p:txBody>
-      </p:sp>
-      <p:sp>
-        <p:nvSpPr>
-          <p:cNvPr id="8" name="矩形 7">
-            <a:extLst>
-              <a:ext uri="{FF2B5EF4-FFF2-40B4-BE49-F238E27FC236}">
-                <a16:creationId xmlns:a16="http://schemas.microsoft.com/office/drawing/2014/main" id="{3C4BF0D4-3A0A-404B-A9FD-EB6A65BED28A}"/>
-              </a:ext>
-            </a:extLst>
-          </p:cNvPr>
-          <p:cNvSpPr/>
-          <p:nvPr/>
-        </p:nvSpPr>
-        <p:spPr>
-          <a:xfrm>
-            <a:off x="5410200" y="1447800"/>
-            <a:ext cx="1371600" cy="1371600"/>
-          </a:xfrm>
-          <a:prstGeom prst="rect">
-            <a:avLst/>
-          </a:prstGeom>
-          <a:noFill/>
-          <a:ln w="57150">
-            <a:solidFill>
-              <a:schemeClr val="bg1"/>
-            </a:solidFill>
-          </a:ln>
-        </p:spPr>
-        <p:style>
-          <a:lnRef idx="2">
-            <a:schemeClr val="accent1">
-              <a:shade val="50000"/>
-            </a:schemeClr>
-          </a:lnRef>
-          <a:fillRef idx="1">
-            <a:schemeClr val="accent1"/>
-          </a:fillRef>
-          <a:effectRef idx="0">
-            <a:schemeClr val="accent1"/>
-          </a:effectRef>
-          <a:fontRef idx="minor">
-            <a:schemeClr val="lt1"/>
-          </a:fontRef>
-        </p:style>
-        <p:txBody>
-          <a:bodyPr rtlCol="0" anchor="ctr"/>
-          <a:lstStyle/>
-          <a:p>
-            <a:pPr algn="ctr"/>
-            <a:endParaRPr lang="en-US" dirty="0"/>
-          </a:p>
-        </p:txBody>
-      </p:sp>
-      <p:sp>
-        <p:nvSpPr>
-          <p:cNvPr id="27" name="矩形 26">
-            <a:extLst>
-              <a:ext uri="{FF2B5EF4-FFF2-40B4-BE49-F238E27FC236}">
-                <a16:creationId xmlns:a16="http://schemas.microsoft.com/office/drawing/2014/main" id="{EE4FA404-9907-424A-B8C3-2E11C8A5D563}"/>
-              </a:ext>
-            </a:extLst>
-          </p:cNvPr>
-          <p:cNvSpPr/>
-          <p:nvPr/>
-        </p:nvSpPr>
-        <p:spPr>
-          <a:xfrm>
-            <a:off x="-295342" y="-616375"/>
-            <a:ext cx="6781800" cy="1408908"/>
-          </a:xfrm>
-          <a:prstGeom prst="rect">
-            <a:avLst/>
-          </a:prstGeom>
-          <a:solidFill>
-            <a:srgbClr val="29294C"/>
-          </a:solidFill>
-        </p:spPr>
-        <p:style>
-          <a:lnRef idx="2">
-            <a:schemeClr val="accent1">
-              <a:shade val="50000"/>
-            </a:schemeClr>
-          </a:lnRef>
-          <a:fillRef idx="1">
-            <a:schemeClr val="accent1"/>
-          </a:fillRef>
-          <a:effectRef idx="0">
-            <a:schemeClr val="accent1"/>
-          </a:effectRef>
-          <a:fontRef idx="minor">
-            <a:schemeClr val="lt1"/>
-          </a:fontRef>
-        </p:style>
-        <p:txBody>
-          <a:bodyPr rtlCol="0" anchor="ctr"/>
-          <a:lstStyle/>
-          <a:p>
-            <a:pPr algn="ctr"/>
-            <a:endParaRPr lang="en-US"/>
-          </a:p>
-        </p:txBody>
-      </p:sp>
-      <p:sp>
-        <p:nvSpPr>
-          <p:cNvPr id="28" name="文字方塊 27">
-            <a:extLst>
-              <a:ext uri="{FF2B5EF4-FFF2-40B4-BE49-F238E27FC236}">
-                <a16:creationId xmlns:a16="http://schemas.microsoft.com/office/drawing/2014/main" id="{74CAFAEB-C8FD-4AA4-A59D-6B8EC3F3E19A}"/>
-              </a:ext>
-            </a:extLst>
-          </p:cNvPr>
-          <p:cNvSpPr txBox="1"/>
-          <p:nvPr/>
-        </p:nvSpPr>
-        <p:spPr>
-          <a:xfrm>
-            <a:off x="180922" y="-5231"/>
-            <a:ext cx="4150495" cy="769441"/>
-          </a:xfrm>
-          <a:prstGeom prst="rect">
-            <a:avLst/>
-          </a:prstGeom>
-          <a:noFill/>
-        </p:spPr>
-        <p:txBody>
-          <a:bodyPr wrap="none" rtlCol="0">
-            <a:spAutoFit/>
-          </a:bodyPr>
-          <a:lstStyle/>
-          <a:p>
-            <a:r>
-              <a:rPr lang="de-DE" sz="4400" dirty="0">
-                <a:solidFill>
-                  <a:schemeClr val="bg1"/>
-                </a:solidFill>
-                <a:latin typeface="Abadi" panose="020B0604020104020204" pitchFamily="34" charset="0"/>
-              </a:rPr>
-              <a:t>Implementations</a:t>
-            </a:r>
-            <a:endParaRPr lang="en-US" sz="4400" dirty="0">
-              <a:solidFill>
-                <a:schemeClr val="bg1"/>
-              </a:solidFill>
-              <a:latin typeface="Abadi" panose="020B0604020104020204" pitchFamily="34" charset="0"/>
-            </a:endParaRPr>
-          </a:p>
-        </p:txBody>
-      </p:sp>
-      <p:sp>
-        <p:nvSpPr>
-          <p:cNvPr id="21" name="文字方塊 20">
-            <a:extLst>
-              <a:ext uri="{FF2B5EF4-FFF2-40B4-BE49-F238E27FC236}">
-                <a16:creationId xmlns:a16="http://schemas.microsoft.com/office/drawing/2014/main" id="{C2321439-2B70-455C-B674-205EF9990C16}"/>
-              </a:ext>
-            </a:extLst>
-          </p:cNvPr>
-          <p:cNvSpPr txBox="1"/>
-          <p:nvPr/>
-        </p:nvSpPr>
-        <p:spPr>
-          <a:xfrm>
-            <a:off x="240854" y="792533"/>
-            <a:ext cx="6245604" cy="753283"/>
-          </a:xfrm>
-          <a:prstGeom prst="rect">
-            <a:avLst/>
-          </a:prstGeom>
-          <a:noFill/>
-        </p:spPr>
-        <p:txBody>
-          <a:bodyPr wrap="square">
-            <a:spAutoFit/>
-          </a:bodyPr>
-          <a:lstStyle/>
-          <a:p>
-            <a:pPr>
-              <a:lnSpc>
-                <a:spcPct val="150000"/>
-              </a:lnSpc>
-            </a:pPr>
-            <a:r>
-              <a:rPr lang="en-GB" sz="3200" dirty="0">
-                <a:latin typeface="Abadi" panose="020B0604020104020204" pitchFamily="34" charset="0"/>
-              </a:rPr>
-              <a:t>- Deployment()</a:t>
-            </a:r>
-          </a:p>
-        </p:txBody>
-      </p:sp>
-    </p:spTree>
-    <p:extLst>
-      <p:ext uri="{BB962C8B-B14F-4D97-AF65-F5344CB8AC3E}">
-        <p14:creationId xmlns:p14="http://schemas.microsoft.com/office/powerpoint/2010/main" val="3126760757"/>
-      </p:ext>
-    </p:extLst>
-  </p:cSld>
-  <p:clrMapOvr>
-    <a:masterClrMapping/>
-  </p:clrMapOvr>
-</p:sld>
-</file>
-
-<file path=ppt/slides/slide11.xml><?xml version="1.0" encoding="utf-8"?>
-<p:sld xmlns:a="http://schemas.openxmlformats.org/drawingml/2006/main" xmlns:r="http://schemas.openxmlformats.org/officeDocument/2006/relationships" xmlns:p="http://schemas.openxmlformats.org/presentationml/2006/main">
-  <p:cSld>
-    <p:spTree>
-      <p:nvGrpSpPr>
-        <p:cNvPr id="1" name=""/>
-        <p:cNvGrpSpPr/>
-        <p:nvPr/>
-      </p:nvGrpSpPr>
-      <p:grpSpPr>
-        <a:xfrm>
-          <a:off x="0" y="0"/>
-          <a:ext cx="0" cy="0"/>
-          <a:chOff x="0" y="0"/>
-          <a:chExt cx="0" cy="0"/>
-        </a:xfrm>
-      </p:grpSpPr>
-      <p:sp>
-        <p:nvSpPr>
-          <p:cNvPr id="4" name="矩形 3">
-            <a:extLst>
-              <a:ext uri="{FF2B5EF4-FFF2-40B4-BE49-F238E27FC236}">
-                <a16:creationId xmlns:a16="http://schemas.microsoft.com/office/drawing/2014/main" id="{E6EA42BE-5F57-48BD-8EC9-05BCD1C20B30}"/>
-              </a:ext>
-            </a:extLst>
-          </p:cNvPr>
-          <p:cNvSpPr/>
-          <p:nvPr/>
-        </p:nvSpPr>
-        <p:spPr>
-          <a:xfrm>
-            <a:off x="977900" y="1447800"/>
-            <a:ext cx="1371600" cy="1371600"/>
-          </a:xfrm>
-          <a:prstGeom prst="rect">
-            <a:avLst/>
-          </a:prstGeom>
-          <a:noFill/>
-          <a:ln w="57150">
-            <a:solidFill>
-              <a:schemeClr val="bg1"/>
-            </a:solidFill>
-          </a:ln>
-        </p:spPr>
-        <p:style>
-          <a:lnRef idx="2">
-            <a:schemeClr val="accent1">
-              <a:shade val="50000"/>
-            </a:schemeClr>
-          </a:lnRef>
-          <a:fillRef idx="1">
-            <a:schemeClr val="accent1"/>
-          </a:fillRef>
-          <a:effectRef idx="0">
-            <a:schemeClr val="accent1"/>
-          </a:effectRef>
-          <a:fontRef idx="minor">
-            <a:schemeClr val="lt1"/>
-          </a:fontRef>
-        </p:style>
-        <p:txBody>
-          <a:bodyPr rtlCol="0" anchor="ctr"/>
-          <a:lstStyle/>
-          <a:p>
-            <a:pPr algn="ctr"/>
-            <a:endParaRPr lang="en-US" dirty="0"/>
-          </a:p>
-        </p:txBody>
-      </p:sp>
-      <p:sp>
-        <p:nvSpPr>
-          <p:cNvPr id="5" name="文字方塊 4">
-            <a:extLst>
-              <a:ext uri="{FF2B5EF4-FFF2-40B4-BE49-F238E27FC236}">
-                <a16:creationId xmlns:a16="http://schemas.microsoft.com/office/drawing/2014/main" id="{ED35EB82-225E-42F8-9EF1-D66912A2A2E9}"/>
-              </a:ext>
-            </a:extLst>
-          </p:cNvPr>
-          <p:cNvSpPr txBox="1"/>
-          <p:nvPr/>
-        </p:nvSpPr>
-        <p:spPr>
-          <a:xfrm>
-            <a:off x="1071230" y="1810434"/>
-            <a:ext cx="1184940" cy="646331"/>
-          </a:xfrm>
-          <a:prstGeom prst="rect">
-            <a:avLst/>
-          </a:prstGeom>
-          <a:noFill/>
-        </p:spPr>
-        <p:txBody>
-          <a:bodyPr wrap="none" rtlCol="0">
-            <a:spAutoFit/>
-          </a:bodyPr>
-          <a:lstStyle/>
-          <a:p>
-            <a:r>
-              <a:rPr lang="de-DE" dirty="0">
-                <a:solidFill>
-                  <a:schemeClr val="bg1"/>
-                </a:solidFill>
-                <a:latin typeface="Abadi" panose="020B0604020104020204" pitchFamily="34" charset="0"/>
-              </a:rPr>
-              <a:t>SRS </a:t>
-            </a:r>
-          </a:p>
-          <a:p>
-            <a:r>
-              <a:rPr lang="de-DE" dirty="0">
-                <a:solidFill>
-                  <a:schemeClr val="bg1"/>
-                </a:solidFill>
-                <a:latin typeface="Abadi" panose="020B0604020104020204" pitchFamily="34" charset="0"/>
-              </a:rPr>
-              <a:t>Document</a:t>
-            </a:r>
-            <a:endParaRPr lang="en-US" dirty="0">
-              <a:solidFill>
-                <a:schemeClr val="bg1"/>
-              </a:solidFill>
-              <a:latin typeface="Abadi" panose="020B0604020104020204" pitchFamily="34" charset="0"/>
-            </a:endParaRPr>
-          </a:p>
-        </p:txBody>
-      </p:sp>
-      <p:sp>
-        <p:nvSpPr>
-          <p:cNvPr id="6" name="矩形 5">
-            <a:extLst>
-              <a:ext uri="{FF2B5EF4-FFF2-40B4-BE49-F238E27FC236}">
-                <a16:creationId xmlns:a16="http://schemas.microsoft.com/office/drawing/2014/main" id="{BB0839DE-B4DB-453C-BE83-560B4D2DAFCF}"/>
-              </a:ext>
-            </a:extLst>
-          </p:cNvPr>
-          <p:cNvSpPr/>
-          <p:nvPr/>
-        </p:nvSpPr>
-        <p:spPr>
-          <a:xfrm>
-            <a:off x="3213100" y="1447800"/>
-            <a:ext cx="1371600" cy="1371600"/>
-          </a:xfrm>
-          <a:prstGeom prst="rect">
-            <a:avLst/>
-          </a:prstGeom>
-          <a:noFill/>
-          <a:ln w="57150">
-            <a:solidFill>
-              <a:schemeClr val="bg1"/>
-            </a:solidFill>
-          </a:ln>
-        </p:spPr>
-        <p:style>
-          <a:lnRef idx="2">
-            <a:schemeClr val="accent1">
-              <a:shade val="50000"/>
-            </a:schemeClr>
-          </a:lnRef>
-          <a:fillRef idx="1">
-            <a:schemeClr val="accent1"/>
-          </a:fillRef>
-          <a:effectRef idx="0">
-            <a:schemeClr val="accent1"/>
-          </a:effectRef>
-          <a:fontRef idx="minor">
-            <a:schemeClr val="lt1"/>
-          </a:fontRef>
-        </p:style>
-        <p:txBody>
-          <a:bodyPr rtlCol="0" anchor="ctr"/>
-          <a:lstStyle/>
-          <a:p>
-            <a:pPr algn="ctr"/>
-            <a:endParaRPr lang="en-US" dirty="0"/>
-          </a:p>
-        </p:txBody>
-      </p:sp>
-      <p:sp>
-        <p:nvSpPr>
-          <p:cNvPr id="7" name="文字方塊 6">
-            <a:extLst>
-              <a:ext uri="{FF2B5EF4-FFF2-40B4-BE49-F238E27FC236}">
-                <a16:creationId xmlns:a16="http://schemas.microsoft.com/office/drawing/2014/main" id="{33837096-63BF-4682-AA32-6DE29C167362}"/>
-              </a:ext>
-            </a:extLst>
-          </p:cNvPr>
-          <p:cNvSpPr txBox="1"/>
-          <p:nvPr/>
-        </p:nvSpPr>
-        <p:spPr>
-          <a:xfrm>
-            <a:off x="3360130" y="1810433"/>
-            <a:ext cx="1077539" cy="646331"/>
-          </a:xfrm>
-          <a:prstGeom prst="rect">
-            <a:avLst/>
-          </a:prstGeom>
-          <a:noFill/>
-        </p:spPr>
-        <p:txBody>
-          <a:bodyPr wrap="none" rtlCol="0">
-            <a:spAutoFit/>
-          </a:bodyPr>
-          <a:lstStyle/>
-          <a:p>
-            <a:r>
-              <a:rPr lang="de-DE" dirty="0">
-                <a:solidFill>
-                  <a:schemeClr val="bg1"/>
-                </a:solidFill>
-                <a:latin typeface="Abadi" panose="020B0604020104020204" pitchFamily="34" charset="0"/>
-              </a:rPr>
-              <a:t>Main </a:t>
-            </a:r>
-          </a:p>
-          <a:p>
-            <a:r>
-              <a:rPr lang="de-DE" dirty="0">
-                <a:solidFill>
-                  <a:schemeClr val="bg1"/>
-                </a:solidFill>
-                <a:latin typeface="Abadi" panose="020B0604020104020204" pitchFamily="34" charset="0"/>
-              </a:rPr>
-              <a:t>Structure</a:t>
-            </a:r>
-          </a:p>
-        </p:txBody>
-      </p:sp>
-      <p:sp>
-        <p:nvSpPr>
-          <p:cNvPr id="8" name="矩形 7">
-            <a:extLst>
-              <a:ext uri="{FF2B5EF4-FFF2-40B4-BE49-F238E27FC236}">
-                <a16:creationId xmlns:a16="http://schemas.microsoft.com/office/drawing/2014/main" id="{3C4BF0D4-3A0A-404B-A9FD-EB6A65BED28A}"/>
-              </a:ext>
-            </a:extLst>
-          </p:cNvPr>
-          <p:cNvSpPr/>
-          <p:nvPr/>
-        </p:nvSpPr>
-        <p:spPr>
-          <a:xfrm>
-            <a:off x="5410200" y="1447800"/>
-            <a:ext cx="1371600" cy="1371600"/>
-          </a:xfrm>
-          <a:prstGeom prst="rect">
-            <a:avLst/>
-          </a:prstGeom>
-          <a:noFill/>
-          <a:ln w="57150">
-            <a:solidFill>
-              <a:schemeClr val="bg1"/>
-            </a:solidFill>
-          </a:ln>
-        </p:spPr>
-        <p:style>
-          <a:lnRef idx="2">
-            <a:schemeClr val="accent1">
-              <a:shade val="50000"/>
-            </a:schemeClr>
-          </a:lnRef>
-          <a:fillRef idx="1">
-            <a:schemeClr val="accent1"/>
-          </a:fillRef>
-          <a:effectRef idx="0">
-            <a:schemeClr val="accent1"/>
-          </a:effectRef>
-          <a:fontRef idx="minor">
-            <a:schemeClr val="lt1"/>
-          </a:fontRef>
-        </p:style>
-        <p:txBody>
-          <a:bodyPr rtlCol="0" anchor="ctr"/>
-          <a:lstStyle/>
-          <a:p>
-            <a:pPr algn="ctr"/>
-            <a:endParaRPr lang="en-US" dirty="0"/>
-          </a:p>
-        </p:txBody>
-      </p:sp>
-      <p:sp>
-        <p:nvSpPr>
-          <p:cNvPr id="9" name="文字方塊 8">
-            <a:extLst>
-              <a:ext uri="{FF2B5EF4-FFF2-40B4-BE49-F238E27FC236}">
-                <a16:creationId xmlns:a16="http://schemas.microsoft.com/office/drawing/2014/main" id="{6BF0CF2D-72E1-46E7-AFD3-C211FB07FD05}"/>
-              </a:ext>
-            </a:extLst>
-          </p:cNvPr>
-          <p:cNvSpPr txBox="1"/>
-          <p:nvPr/>
-        </p:nvSpPr>
-        <p:spPr>
-          <a:xfrm>
-            <a:off x="5490706" y="1810432"/>
-            <a:ext cx="1210588" cy="646331"/>
-          </a:xfrm>
-          <a:prstGeom prst="rect">
-            <a:avLst/>
-          </a:prstGeom>
-          <a:noFill/>
-        </p:spPr>
-        <p:txBody>
-          <a:bodyPr wrap="none" rtlCol="0">
-            <a:spAutoFit/>
-          </a:bodyPr>
-          <a:lstStyle/>
-          <a:p>
-            <a:r>
-              <a:rPr lang="de-DE" dirty="0">
-                <a:solidFill>
-                  <a:schemeClr val="bg1"/>
-                </a:solidFill>
-                <a:latin typeface="Abadi" panose="020B0604020104020204" pitchFamily="34" charset="0"/>
-              </a:rPr>
-              <a:t>Implement</a:t>
-            </a:r>
-          </a:p>
-          <a:p>
-            <a:r>
-              <a:rPr lang="de-DE" dirty="0">
-                <a:solidFill>
-                  <a:schemeClr val="bg1"/>
-                </a:solidFill>
-                <a:latin typeface="Abadi" panose="020B0604020104020204" pitchFamily="34" charset="0"/>
-              </a:rPr>
-              <a:t>functions</a:t>
-            </a:r>
-          </a:p>
-        </p:txBody>
-      </p:sp>
-      <p:sp>
-        <p:nvSpPr>
-          <p:cNvPr id="27" name="矩形 26">
-            <a:extLst>
-              <a:ext uri="{FF2B5EF4-FFF2-40B4-BE49-F238E27FC236}">
-                <a16:creationId xmlns:a16="http://schemas.microsoft.com/office/drawing/2014/main" id="{EE4FA404-9907-424A-B8C3-2E11C8A5D563}"/>
-              </a:ext>
-            </a:extLst>
-          </p:cNvPr>
-          <p:cNvSpPr/>
-          <p:nvPr/>
-        </p:nvSpPr>
-        <p:spPr>
-          <a:xfrm>
-            <a:off x="-295342" y="-616375"/>
-            <a:ext cx="6781800" cy="1408908"/>
-          </a:xfrm>
-          <a:prstGeom prst="rect">
-            <a:avLst/>
-          </a:prstGeom>
-          <a:solidFill>
-            <a:srgbClr val="29294C"/>
-          </a:solidFill>
-        </p:spPr>
-        <p:style>
-          <a:lnRef idx="2">
-            <a:schemeClr val="accent1">
-              <a:shade val="50000"/>
-            </a:schemeClr>
-          </a:lnRef>
-          <a:fillRef idx="1">
-            <a:schemeClr val="accent1"/>
-          </a:fillRef>
-          <a:effectRef idx="0">
-            <a:schemeClr val="accent1"/>
-          </a:effectRef>
-          <a:fontRef idx="minor">
-            <a:schemeClr val="lt1"/>
-          </a:fontRef>
-        </p:style>
-        <p:txBody>
-          <a:bodyPr rtlCol="0" anchor="ctr"/>
-          <a:lstStyle/>
-          <a:p>
-            <a:pPr algn="ctr"/>
-            <a:endParaRPr lang="en-US"/>
-          </a:p>
-        </p:txBody>
-      </p:sp>
-      <p:sp>
-        <p:nvSpPr>
-          <p:cNvPr id="28" name="文字方塊 27">
-            <a:extLst>
-              <a:ext uri="{FF2B5EF4-FFF2-40B4-BE49-F238E27FC236}">
-                <a16:creationId xmlns:a16="http://schemas.microsoft.com/office/drawing/2014/main" id="{74CAFAEB-C8FD-4AA4-A59D-6B8EC3F3E19A}"/>
-              </a:ext>
-            </a:extLst>
-          </p:cNvPr>
-          <p:cNvSpPr txBox="1"/>
-          <p:nvPr/>
-        </p:nvSpPr>
-        <p:spPr>
-          <a:xfrm>
-            <a:off x="180922" y="-5231"/>
-            <a:ext cx="4150495" cy="769441"/>
-          </a:xfrm>
-          <a:prstGeom prst="rect">
-            <a:avLst/>
-          </a:prstGeom>
-          <a:noFill/>
-        </p:spPr>
-        <p:txBody>
-          <a:bodyPr wrap="none" rtlCol="0">
-            <a:spAutoFit/>
-          </a:bodyPr>
-          <a:lstStyle/>
-          <a:p>
-            <a:r>
-              <a:rPr lang="de-DE" sz="4400" dirty="0">
-                <a:solidFill>
-                  <a:schemeClr val="bg1"/>
-                </a:solidFill>
-                <a:latin typeface="Abadi" panose="020B0604020104020204" pitchFamily="34" charset="0"/>
-              </a:rPr>
-              <a:t>Implementations</a:t>
-            </a:r>
-            <a:endParaRPr lang="en-US" sz="4400" dirty="0">
-              <a:solidFill>
-                <a:schemeClr val="bg1"/>
-              </a:solidFill>
-              <a:latin typeface="Abadi" panose="020B0604020104020204" pitchFamily="34" charset="0"/>
-            </a:endParaRPr>
-          </a:p>
-        </p:txBody>
-      </p:sp>
-      <p:sp>
-        <p:nvSpPr>
-          <p:cNvPr id="21" name="文字方塊 20">
-            <a:extLst>
-              <a:ext uri="{FF2B5EF4-FFF2-40B4-BE49-F238E27FC236}">
-                <a16:creationId xmlns:a16="http://schemas.microsoft.com/office/drawing/2014/main" id="{C2321439-2B70-455C-B674-205EF9990C16}"/>
-              </a:ext>
-            </a:extLst>
-          </p:cNvPr>
-          <p:cNvSpPr txBox="1"/>
-          <p:nvPr/>
-        </p:nvSpPr>
-        <p:spPr>
-          <a:xfrm>
-            <a:off x="240854" y="792533"/>
-            <a:ext cx="6245604" cy="753283"/>
-          </a:xfrm>
-          <a:prstGeom prst="rect">
-            <a:avLst/>
-          </a:prstGeom>
-          <a:noFill/>
-        </p:spPr>
-        <p:txBody>
-          <a:bodyPr wrap="square">
-            <a:spAutoFit/>
-          </a:bodyPr>
-          <a:lstStyle/>
-          <a:p>
-            <a:pPr>
-              <a:lnSpc>
-                <a:spcPct val="150000"/>
-              </a:lnSpc>
-            </a:pPr>
-            <a:r>
-              <a:rPr lang="en-GB" sz="3200" dirty="0">
-                <a:latin typeface="Abadi" panose="020B0604020104020204" pitchFamily="34" charset="0"/>
-              </a:rPr>
-              <a:t>- </a:t>
-            </a:r>
-            <a:r>
-              <a:rPr lang="en-GB" sz="3200" dirty="0" err="1">
-                <a:latin typeface="Abadi" panose="020B0604020104020204" pitchFamily="34" charset="0"/>
-              </a:rPr>
-              <a:t>PvP_battle</a:t>
-            </a:r>
-            <a:r>
-              <a:rPr lang="en-GB" sz="3200" dirty="0">
-                <a:latin typeface="Abadi" panose="020B0604020104020204" pitchFamily="34" charset="0"/>
-              </a:rPr>
-              <a:t>()</a:t>
-            </a:r>
-          </a:p>
-        </p:txBody>
-      </p:sp>
-      <p:pic>
-        <p:nvPicPr>
-          <p:cNvPr id="11" name="Picture 4">
-            <a:extLst>
-              <a:ext uri="{FF2B5EF4-FFF2-40B4-BE49-F238E27FC236}">
-                <a16:creationId xmlns:a16="http://schemas.microsoft.com/office/drawing/2014/main" id="{B5EA29E7-74A7-4914-95D8-5A2D07AAAF74}"/>
-              </a:ext>
-            </a:extLst>
-          </p:cNvPr>
-          <p:cNvPicPr>
-            <a:picLocks noChangeAspect="1" noChangeArrowheads="1"/>
-          </p:cNvPicPr>
-          <p:nvPr/>
-        </p:nvPicPr>
-        <p:blipFill>
-          <a:blip r:embed="rId2">
-            <a:extLst>
-              <a:ext uri="{28A0092B-C50C-407E-A947-70E740481C1C}">
-                <a14:useLocalDpi xmlns:a14="http://schemas.microsoft.com/office/drawing/2010/main" val="0"/>
-              </a:ext>
-            </a:extLst>
-          </a:blip>
-          <a:srcRect/>
-          <a:stretch>
-            <a:fillRect/>
-          </a:stretch>
-        </p:blipFill>
-        <p:spPr bwMode="auto">
-          <a:xfrm>
-            <a:off x="5263588" y="1135398"/>
-            <a:ext cx="4172940" cy="4587203"/>
-          </a:xfrm>
-          <a:prstGeom prst="rect">
-            <a:avLst/>
-          </a:prstGeom>
-          <a:noFill/>
-          <a:extLst>
-            <a:ext uri="{909E8E84-426E-40DD-AFC4-6F175D3DCCD1}">
-              <a14:hiddenFill xmlns:a14="http://schemas.microsoft.com/office/drawing/2010/main">
-                <a:solidFill>
-                  <a:srgbClr val="FFFFFF"/>
-                </a:solidFill>
-              </a14:hiddenFill>
-            </a:ext>
-          </a:extLst>
-        </p:spPr>
-      </p:pic>
-      <p:pic>
-        <p:nvPicPr>
-          <p:cNvPr id="12" name="Picture 6">
-            <a:extLst>
-              <a:ext uri="{FF2B5EF4-FFF2-40B4-BE49-F238E27FC236}">
-                <a16:creationId xmlns:a16="http://schemas.microsoft.com/office/drawing/2014/main" id="{A0FE201C-D91F-4E5F-94AE-879572CB4366}"/>
-              </a:ext>
-            </a:extLst>
-          </p:cNvPr>
-          <p:cNvPicPr>
-            <a:picLocks noChangeAspect="1" noChangeArrowheads="1"/>
-          </p:cNvPicPr>
-          <p:nvPr/>
-        </p:nvPicPr>
-        <p:blipFill>
-          <a:blip r:embed="rId3">
-            <a:extLst>
-              <a:ext uri="{28A0092B-C50C-407E-A947-70E740481C1C}">
-                <a14:useLocalDpi xmlns:a14="http://schemas.microsoft.com/office/drawing/2010/main" val="0"/>
-              </a:ext>
-            </a:extLst>
-          </a:blip>
-          <a:srcRect/>
-          <a:stretch>
-            <a:fillRect/>
-          </a:stretch>
-        </p:blipFill>
-        <p:spPr bwMode="auto">
-          <a:xfrm>
-            <a:off x="1061072" y="2056389"/>
-            <a:ext cx="2567052" cy="3564612"/>
-          </a:xfrm>
-          <a:prstGeom prst="rect">
-            <a:avLst/>
-          </a:prstGeom>
-          <a:noFill/>
-          <a:extLst>
-            <a:ext uri="{909E8E84-426E-40DD-AFC4-6F175D3DCCD1}">
-              <a14:hiddenFill xmlns:a14="http://schemas.microsoft.com/office/drawing/2010/main">
-                <a:solidFill>
-                  <a:srgbClr val="FFFFFF"/>
-                </a:solidFill>
-              </a14:hiddenFill>
-            </a:ext>
-          </a:extLst>
-        </p:spPr>
-      </p:pic>
-      <p:sp>
-        <p:nvSpPr>
-          <p:cNvPr id="13" name="TextBox 2">
-            <a:extLst>
-              <a:ext uri="{FF2B5EF4-FFF2-40B4-BE49-F238E27FC236}">
-                <a16:creationId xmlns:a16="http://schemas.microsoft.com/office/drawing/2014/main" id="{402F9F5B-F706-421C-A5AF-3BF3367E3D3C}"/>
-              </a:ext>
-            </a:extLst>
-          </p:cNvPr>
-          <p:cNvSpPr txBox="1"/>
-          <p:nvPr/>
-        </p:nvSpPr>
-        <p:spPr>
-          <a:xfrm>
-            <a:off x="1116280" y="5621001"/>
-            <a:ext cx="3958555" cy="276999"/>
-          </a:xfrm>
-          <a:prstGeom prst="rect">
-            <a:avLst/>
-          </a:prstGeom>
-          <a:noFill/>
-        </p:spPr>
-        <p:txBody>
-          <a:bodyPr wrap="square" rtlCol="0">
-            <a:spAutoFit/>
-          </a:bodyPr>
-          <a:lstStyle>
-            <a:defPPr>
-              <a:defRPr lang="en-US"/>
-            </a:defPPr>
-            <a:lvl1pPr marL="0" algn="l" defTabSz="914400" rtl="0" eaLnBrk="1" latinLnBrk="0" hangingPunct="1">
-              <a:defRPr sz="1800" kern="1200">
-                <a:solidFill>
-                  <a:schemeClr val="tx1"/>
-                </a:solidFill>
-                <a:latin typeface="+mn-lt"/>
-                <a:ea typeface="+mn-ea"/>
-                <a:cs typeface="+mn-cs"/>
-              </a:defRPr>
-            </a:lvl1pPr>
-            <a:lvl2pPr marL="457200" algn="l" defTabSz="914400" rtl="0" eaLnBrk="1" latinLnBrk="0" hangingPunct="1">
-              <a:defRPr sz="1800" kern="1200">
-                <a:solidFill>
-                  <a:schemeClr val="tx1"/>
-                </a:solidFill>
-                <a:latin typeface="+mn-lt"/>
-                <a:ea typeface="+mn-ea"/>
-                <a:cs typeface="+mn-cs"/>
-              </a:defRPr>
-            </a:lvl2pPr>
-            <a:lvl3pPr marL="914400" algn="l" defTabSz="914400" rtl="0" eaLnBrk="1" latinLnBrk="0" hangingPunct="1">
-              <a:defRPr sz="1800" kern="1200">
-                <a:solidFill>
-                  <a:schemeClr val="tx1"/>
-                </a:solidFill>
-                <a:latin typeface="+mn-lt"/>
-                <a:ea typeface="+mn-ea"/>
-                <a:cs typeface="+mn-cs"/>
-              </a:defRPr>
-            </a:lvl3pPr>
-            <a:lvl4pPr marL="1371600" algn="l" defTabSz="914400" rtl="0" eaLnBrk="1" latinLnBrk="0" hangingPunct="1">
-              <a:defRPr sz="1800" kern="1200">
-                <a:solidFill>
-                  <a:schemeClr val="tx1"/>
-                </a:solidFill>
-                <a:latin typeface="+mn-lt"/>
-                <a:ea typeface="+mn-ea"/>
-                <a:cs typeface="+mn-cs"/>
-              </a:defRPr>
-            </a:lvl4pPr>
-            <a:lvl5pPr marL="1828800" algn="l" defTabSz="914400" rtl="0" eaLnBrk="1" latinLnBrk="0" hangingPunct="1">
-              <a:defRPr sz="1800" kern="1200">
-                <a:solidFill>
-                  <a:schemeClr val="tx1"/>
-                </a:solidFill>
-                <a:latin typeface="+mn-lt"/>
-                <a:ea typeface="+mn-ea"/>
-                <a:cs typeface="+mn-cs"/>
-              </a:defRPr>
-            </a:lvl5pPr>
-            <a:lvl6pPr marL="2286000" algn="l" defTabSz="914400" rtl="0" eaLnBrk="1" latinLnBrk="0" hangingPunct="1">
-              <a:defRPr sz="1800" kern="1200">
-                <a:solidFill>
-                  <a:schemeClr val="tx1"/>
-                </a:solidFill>
-                <a:latin typeface="+mn-lt"/>
-                <a:ea typeface="+mn-ea"/>
-                <a:cs typeface="+mn-cs"/>
-              </a:defRPr>
-            </a:lvl6pPr>
-            <a:lvl7pPr marL="2743200" algn="l" defTabSz="914400" rtl="0" eaLnBrk="1" latinLnBrk="0" hangingPunct="1">
-              <a:defRPr sz="1800" kern="1200">
-                <a:solidFill>
-                  <a:schemeClr val="tx1"/>
-                </a:solidFill>
-                <a:latin typeface="+mn-lt"/>
-                <a:ea typeface="+mn-ea"/>
-                <a:cs typeface="+mn-cs"/>
-              </a:defRPr>
-            </a:lvl7pPr>
-            <a:lvl8pPr marL="3200400" algn="l" defTabSz="914400" rtl="0" eaLnBrk="1" latinLnBrk="0" hangingPunct="1">
-              <a:defRPr sz="1800" kern="1200">
-                <a:solidFill>
-                  <a:schemeClr val="tx1"/>
-                </a:solidFill>
-                <a:latin typeface="+mn-lt"/>
-                <a:ea typeface="+mn-ea"/>
-                <a:cs typeface="+mn-cs"/>
-              </a:defRPr>
-            </a:lvl8pPr>
-            <a:lvl9pPr marL="3657600" algn="l" defTabSz="914400" rtl="0" eaLnBrk="1" latinLnBrk="0" hangingPunct="1">
-              <a:defRPr sz="1800" kern="1200">
-                <a:solidFill>
-                  <a:schemeClr val="tx1"/>
-                </a:solidFill>
-                <a:latin typeface="+mn-lt"/>
-                <a:ea typeface="+mn-ea"/>
-                <a:cs typeface="+mn-cs"/>
-              </a:defRPr>
-            </a:lvl9pPr>
-          </a:lstStyle>
-          <a:p>
-            <a:r>
-              <a:rPr lang="en-US" sz="1200" b="0" i="0" u="none" strike="noStrike" dirty="0">
-                <a:solidFill>
-                  <a:srgbClr val="000000"/>
-                </a:solidFill>
-                <a:effectLst/>
-                <a:latin typeface="Abadi" panose="020B0604020104020204" pitchFamily="34" charset="0"/>
-              </a:rPr>
-              <a:t>Fig. State Machine Diagram of </a:t>
-            </a:r>
-            <a:r>
-              <a:rPr lang="en-US" sz="1200" b="0" i="0" u="none" strike="noStrike" dirty="0" err="1">
-                <a:solidFill>
-                  <a:srgbClr val="000000"/>
-                </a:solidFill>
-                <a:effectLst/>
-                <a:latin typeface="Abadi" panose="020B0604020104020204" pitchFamily="34" charset="0"/>
-              </a:rPr>
-              <a:t>PvP_Battle</a:t>
-            </a:r>
-            <a:r>
-              <a:rPr lang="en-US" sz="1200" b="0" i="0" u="none" strike="noStrike" dirty="0">
-                <a:solidFill>
-                  <a:srgbClr val="000000"/>
-                </a:solidFill>
-                <a:effectLst/>
-                <a:latin typeface="Abadi" panose="020B0604020104020204" pitchFamily="34" charset="0"/>
-              </a:rPr>
-              <a:t>()</a:t>
-            </a:r>
-            <a:endParaRPr lang="en-DE" sz="1200" dirty="0">
-              <a:latin typeface="Abadi" panose="020B0604020104020204" pitchFamily="34" charset="0"/>
-            </a:endParaRPr>
-          </a:p>
-        </p:txBody>
-      </p:sp>
-      <p:sp>
-        <p:nvSpPr>
-          <p:cNvPr id="14" name="TextBox 14">
-            <a:extLst>
-              <a:ext uri="{FF2B5EF4-FFF2-40B4-BE49-F238E27FC236}">
-                <a16:creationId xmlns:a16="http://schemas.microsoft.com/office/drawing/2014/main" id="{3445184F-0267-4431-B029-BB674B724B60}"/>
-              </a:ext>
-            </a:extLst>
-          </p:cNvPr>
-          <p:cNvSpPr txBox="1"/>
-          <p:nvPr/>
-        </p:nvSpPr>
-        <p:spPr>
-          <a:xfrm>
-            <a:off x="5375866" y="5621001"/>
-            <a:ext cx="3274992" cy="461665"/>
-          </a:xfrm>
-          <a:prstGeom prst="rect">
-            <a:avLst/>
-          </a:prstGeom>
-          <a:noFill/>
-        </p:spPr>
-        <p:txBody>
-          <a:bodyPr wrap="square" rtlCol="0">
-            <a:spAutoFit/>
-          </a:bodyPr>
-          <a:lstStyle>
-            <a:defPPr>
-              <a:defRPr lang="en-US"/>
-            </a:defPPr>
-            <a:lvl1pPr marL="0" algn="l" defTabSz="914400" rtl="0" eaLnBrk="1" latinLnBrk="0" hangingPunct="1">
-              <a:defRPr sz="1800" kern="1200">
-                <a:solidFill>
-                  <a:schemeClr val="tx1"/>
-                </a:solidFill>
-                <a:latin typeface="+mn-lt"/>
-                <a:ea typeface="+mn-ea"/>
-                <a:cs typeface="+mn-cs"/>
-              </a:defRPr>
-            </a:lvl1pPr>
-            <a:lvl2pPr marL="457200" algn="l" defTabSz="914400" rtl="0" eaLnBrk="1" latinLnBrk="0" hangingPunct="1">
-              <a:defRPr sz="1800" kern="1200">
-                <a:solidFill>
-                  <a:schemeClr val="tx1"/>
-                </a:solidFill>
-                <a:latin typeface="+mn-lt"/>
-                <a:ea typeface="+mn-ea"/>
-                <a:cs typeface="+mn-cs"/>
-              </a:defRPr>
-            </a:lvl2pPr>
-            <a:lvl3pPr marL="914400" algn="l" defTabSz="914400" rtl="0" eaLnBrk="1" latinLnBrk="0" hangingPunct="1">
-              <a:defRPr sz="1800" kern="1200">
-                <a:solidFill>
-                  <a:schemeClr val="tx1"/>
-                </a:solidFill>
-                <a:latin typeface="+mn-lt"/>
-                <a:ea typeface="+mn-ea"/>
-                <a:cs typeface="+mn-cs"/>
-              </a:defRPr>
-            </a:lvl3pPr>
-            <a:lvl4pPr marL="1371600" algn="l" defTabSz="914400" rtl="0" eaLnBrk="1" latinLnBrk="0" hangingPunct="1">
-              <a:defRPr sz="1800" kern="1200">
-                <a:solidFill>
-                  <a:schemeClr val="tx1"/>
-                </a:solidFill>
-                <a:latin typeface="+mn-lt"/>
-                <a:ea typeface="+mn-ea"/>
-                <a:cs typeface="+mn-cs"/>
-              </a:defRPr>
-            </a:lvl4pPr>
-            <a:lvl5pPr marL="1828800" algn="l" defTabSz="914400" rtl="0" eaLnBrk="1" latinLnBrk="0" hangingPunct="1">
-              <a:defRPr sz="1800" kern="1200">
-                <a:solidFill>
-                  <a:schemeClr val="tx1"/>
-                </a:solidFill>
-                <a:latin typeface="+mn-lt"/>
-                <a:ea typeface="+mn-ea"/>
-                <a:cs typeface="+mn-cs"/>
-              </a:defRPr>
-            </a:lvl5pPr>
-            <a:lvl6pPr marL="2286000" algn="l" defTabSz="914400" rtl="0" eaLnBrk="1" latinLnBrk="0" hangingPunct="1">
-              <a:defRPr sz="1800" kern="1200">
-                <a:solidFill>
-                  <a:schemeClr val="tx1"/>
-                </a:solidFill>
-                <a:latin typeface="+mn-lt"/>
-                <a:ea typeface="+mn-ea"/>
-                <a:cs typeface="+mn-cs"/>
-              </a:defRPr>
-            </a:lvl6pPr>
-            <a:lvl7pPr marL="2743200" algn="l" defTabSz="914400" rtl="0" eaLnBrk="1" latinLnBrk="0" hangingPunct="1">
-              <a:defRPr sz="1800" kern="1200">
-                <a:solidFill>
-                  <a:schemeClr val="tx1"/>
-                </a:solidFill>
-                <a:latin typeface="+mn-lt"/>
-                <a:ea typeface="+mn-ea"/>
-                <a:cs typeface="+mn-cs"/>
-              </a:defRPr>
-            </a:lvl7pPr>
-            <a:lvl8pPr marL="3200400" algn="l" defTabSz="914400" rtl="0" eaLnBrk="1" latinLnBrk="0" hangingPunct="1">
-              <a:defRPr sz="1800" kern="1200">
-                <a:solidFill>
-                  <a:schemeClr val="tx1"/>
-                </a:solidFill>
-                <a:latin typeface="+mn-lt"/>
-                <a:ea typeface="+mn-ea"/>
-                <a:cs typeface="+mn-cs"/>
-              </a:defRPr>
-            </a:lvl8pPr>
-            <a:lvl9pPr marL="3657600" algn="l" defTabSz="914400" rtl="0" eaLnBrk="1" latinLnBrk="0" hangingPunct="1">
-              <a:defRPr sz="1800" kern="1200">
-                <a:solidFill>
-                  <a:schemeClr val="tx1"/>
-                </a:solidFill>
-                <a:latin typeface="+mn-lt"/>
-                <a:ea typeface="+mn-ea"/>
-                <a:cs typeface="+mn-cs"/>
-              </a:defRPr>
-            </a:lvl9pPr>
-          </a:lstStyle>
-          <a:p>
-            <a:r>
-              <a:rPr lang="en-US" sz="1200" b="0" i="0" u="none" strike="noStrike" dirty="0">
-                <a:solidFill>
-                  <a:srgbClr val="000000"/>
-                </a:solidFill>
-                <a:effectLst/>
-                <a:latin typeface="Abadi" panose="020B0604020104020204" pitchFamily="34" charset="0"/>
-              </a:rPr>
-              <a:t>Fig. Activity Diagram of </a:t>
-            </a:r>
-            <a:r>
-              <a:rPr lang="en-US" sz="1200" b="0" i="0" u="none" strike="noStrike" dirty="0" err="1">
-                <a:solidFill>
-                  <a:srgbClr val="000000"/>
-                </a:solidFill>
-                <a:effectLst/>
-                <a:latin typeface="Abadi" panose="020B0604020104020204" pitchFamily="34" charset="0"/>
-              </a:rPr>
-              <a:t>PvP_Battle</a:t>
-            </a:r>
-            <a:r>
-              <a:rPr lang="en-US" sz="1200" b="0" i="0" u="none" strike="noStrike" dirty="0">
-                <a:solidFill>
-                  <a:srgbClr val="000000"/>
-                </a:solidFill>
-                <a:effectLst/>
-                <a:latin typeface="Abadi" panose="020B0604020104020204" pitchFamily="34" charset="0"/>
-              </a:rPr>
-              <a:t>() </a:t>
-            </a:r>
-            <a:br>
-              <a:rPr lang="en-US" sz="1200" b="0" i="0" u="none" strike="noStrike" dirty="0">
-                <a:solidFill>
-                  <a:srgbClr val="000000"/>
-                </a:solidFill>
-                <a:effectLst/>
-                <a:latin typeface="Abadi" panose="020B0604020104020204" pitchFamily="34" charset="0"/>
-              </a:rPr>
-            </a:br>
-            <a:r>
-              <a:rPr lang="en-US" sz="1200" b="0" i="0" u="none" strike="noStrike" dirty="0">
-                <a:solidFill>
-                  <a:srgbClr val="000000"/>
-                </a:solidFill>
-                <a:effectLst/>
-                <a:latin typeface="Abadi" panose="020B0604020104020204" pitchFamily="34" charset="0"/>
-              </a:rPr>
-              <a:t>compared to Player vs AI Mode</a:t>
-            </a:r>
-            <a:endParaRPr lang="en-DE" sz="1200" dirty="0">
-              <a:latin typeface="Abadi" panose="020B0604020104020204" pitchFamily="34" charset="0"/>
-            </a:endParaRPr>
-          </a:p>
-        </p:txBody>
-      </p:sp>
-    </p:spTree>
-    <p:extLst>
-      <p:ext uri="{BB962C8B-B14F-4D97-AF65-F5344CB8AC3E}">
-        <p14:creationId xmlns:p14="http://schemas.microsoft.com/office/powerpoint/2010/main" val="1706941799"/>
-      </p:ext>
-    </p:extLst>
-  </p:cSld>
-  <p:clrMapOvr>
-    <a:masterClrMapping/>
-  </p:clrMapOvr>
-</p:sld>
-</file>
-
-<file path=ppt/slides/slide12.xml><?xml version="1.0" encoding="utf-8"?>
-<p:sld xmlns:a="http://schemas.openxmlformats.org/drawingml/2006/main" xmlns:r="http://schemas.openxmlformats.org/officeDocument/2006/relationships" xmlns:p="http://schemas.openxmlformats.org/presentationml/2006/main">
-  <p:cSld>
-    <p:spTree>
-      <p:nvGrpSpPr>
-        <p:cNvPr id="1" name=""/>
-        <p:cNvGrpSpPr/>
-        <p:nvPr/>
-      </p:nvGrpSpPr>
-      <p:grpSpPr>
-        <a:xfrm>
-          <a:off x="0" y="0"/>
-          <a:ext cx="0" cy="0"/>
-          <a:chOff x="0" y="0"/>
-          <a:chExt cx="0" cy="0"/>
-        </a:xfrm>
-      </p:grpSpPr>
-      <p:sp>
-        <p:nvSpPr>
-          <p:cNvPr id="4" name="矩形 3">
-            <a:extLst>
-              <a:ext uri="{FF2B5EF4-FFF2-40B4-BE49-F238E27FC236}">
-                <a16:creationId xmlns:a16="http://schemas.microsoft.com/office/drawing/2014/main" id="{E6EA42BE-5F57-48BD-8EC9-05BCD1C20B30}"/>
-              </a:ext>
-            </a:extLst>
-          </p:cNvPr>
-          <p:cNvSpPr/>
-          <p:nvPr/>
-        </p:nvSpPr>
-        <p:spPr>
-          <a:xfrm>
-            <a:off x="977900" y="1447800"/>
-            <a:ext cx="1371600" cy="1371600"/>
-          </a:xfrm>
-          <a:prstGeom prst="rect">
-            <a:avLst/>
-          </a:prstGeom>
-          <a:noFill/>
-          <a:ln w="57150">
-            <a:solidFill>
-              <a:schemeClr val="bg1"/>
-            </a:solidFill>
-          </a:ln>
-        </p:spPr>
-        <p:style>
-          <a:lnRef idx="2">
-            <a:schemeClr val="accent1">
-              <a:shade val="50000"/>
-            </a:schemeClr>
-          </a:lnRef>
-          <a:fillRef idx="1">
-            <a:schemeClr val="accent1"/>
-          </a:fillRef>
-          <a:effectRef idx="0">
-            <a:schemeClr val="accent1"/>
-          </a:effectRef>
-          <a:fontRef idx="minor">
-            <a:schemeClr val="lt1"/>
-          </a:fontRef>
-        </p:style>
-        <p:txBody>
-          <a:bodyPr rtlCol="0" anchor="ctr"/>
-          <a:lstStyle/>
-          <a:p>
-            <a:pPr algn="ctr"/>
-            <a:endParaRPr lang="en-US" dirty="0"/>
-          </a:p>
-        </p:txBody>
-      </p:sp>
-      <p:sp>
-        <p:nvSpPr>
           <p:cNvPr id="5" name="文字方塊 4">
             <a:extLst>
               <a:ext uri="{FF2B5EF4-FFF2-40B4-BE49-F238E27FC236}">
@@ -5386,20 +4140,250 @@
               <a:rPr lang="en-GB" sz="3200" dirty="0">
                 <a:latin typeface="Abadi" panose="020B0604020104020204" pitchFamily="34" charset="0"/>
               </a:rPr>
-              <a:t>- </a:t>
+              <a:t>- Deployment()</a:t>
             </a:r>
+          </a:p>
+        </p:txBody>
+      </p:sp>
+      <p:sp>
+        <p:nvSpPr>
+          <p:cNvPr id="13" name="Text Placeholder 3">
+            <a:extLst>
+              <a:ext uri="{FF2B5EF4-FFF2-40B4-BE49-F238E27FC236}">
+                <a16:creationId xmlns:a16="http://schemas.microsoft.com/office/drawing/2014/main" id="{CA959D6E-A186-4C67-88F3-CF403F809783}"/>
+              </a:ext>
+            </a:extLst>
+          </p:cNvPr>
+          <p:cNvSpPr txBox="1">
+            <a:spLocks/>
+          </p:cNvSpPr>
+          <p:nvPr/>
+        </p:nvSpPr>
+        <p:spPr>
+          <a:xfrm>
+            <a:off x="1067450" y="2495442"/>
+            <a:ext cx="3932237" cy="3811588"/>
+          </a:xfrm>
+          <a:prstGeom prst="rect">
+            <a:avLst/>
+          </a:prstGeom>
+        </p:spPr>
+        <p:txBody>
+          <a:bodyPr/>
+          <a:lstStyle>
+            <a:lvl1pPr marL="228600" indent="-228600" algn="l" defTabSz="914400" rtl="0" eaLnBrk="1" latinLnBrk="0" hangingPunct="1">
+              <a:lnSpc>
+                <a:spcPct val="90000"/>
+              </a:lnSpc>
+              <a:spcBef>
+                <a:spcPts val="1000"/>
+              </a:spcBef>
+              <a:buFont typeface="Arial" panose="020B0604020202020204" pitchFamily="34" charset="0"/>
+              <a:buChar char="•"/>
+              <a:defRPr sz="2800" kern="1200">
+                <a:solidFill>
+                  <a:schemeClr val="tx1"/>
+                </a:solidFill>
+                <a:latin typeface="+mn-lt"/>
+                <a:ea typeface="+mn-ea"/>
+                <a:cs typeface="+mn-cs"/>
+              </a:defRPr>
+            </a:lvl1pPr>
+            <a:lvl2pPr marL="685800" indent="-228600" algn="l" defTabSz="914400" rtl="0" eaLnBrk="1" latinLnBrk="0" hangingPunct="1">
+              <a:lnSpc>
+                <a:spcPct val="90000"/>
+              </a:lnSpc>
+              <a:spcBef>
+                <a:spcPts val="500"/>
+              </a:spcBef>
+              <a:buFont typeface="Arial" panose="020B0604020202020204" pitchFamily="34" charset="0"/>
+              <a:buChar char="•"/>
+              <a:defRPr sz="2400" kern="1200">
+                <a:solidFill>
+                  <a:schemeClr val="tx1"/>
+                </a:solidFill>
+                <a:latin typeface="+mn-lt"/>
+                <a:ea typeface="+mn-ea"/>
+                <a:cs typeface="+mn-cs"/>
+              </a:defRPr>
+            </a:lvl2pPr>
+            <a:lvl3pPr marL="1143000" indent="-228600" algn="l" defTabSz="914400" rtl="0" eaLnBrk="1" latinLnBrk="0" hangingPunct="1">
+              <a:lnSpc>
+                <a:spcPct val="90000"/>
+              </a:lnSpc>
+              <a:spcBef>
+                <a:spcPts val="500"/>
+              </a:spcBef>
+              <a:buFont typeface="Arial" panose="020B0604020202020204" pitchFamily="34" charset="0"/>
+              <a:buChar char="•"/>
+              <a:defRPr sz="2000" kern="1200">
+                <a:solidFill>
+                  <a:schemeClr val="tx1"/>
+                </a:solidFill>
+                <a:latin typeface="+mn-lt"/>
+                <a:ea typeface="+mn-ea"/>
+                <a:cs typeface="+mn-cs"/>
+              </a:defRPr>
+            </a:lvl3pPr>
+            <a:lvl4pPr marL="1600200" indent="-228600" algn="l" defTabSz="914400" rtl="0" eaLnBrk="1" latinLnBrk="0" hangingPunct="1">
+              <a:lnSpc>
+                <a:spcPct val="90000"/>
+              </a:lnSpc>
+              <a:spcBef>
+                <a:spcPts val="500"/>
+              </a:spcBef>
+              <a:buFont typeface="Arial" panose="020B0604020202020204" pitchFamily="34" charset="0"/>
+              <a:buChar char="•"/>
+              <a:defRPr sz="1800" kern="1200">
+                <a:solidFill>
+                  <a:schemeClr val="tx1"/>
+                </a:solidFill>
+                <a:latin typeface="+mn-lt"/>
+                <a:ea typeface="+mn-ea"/>
+                <a:cs typeface="+mn-cs"/>
+              </a:defRPr>
+            </a:lvl4pPr>
+            <a:lvl5pPr marL="2057400" indent="-228600" algn="l" defTabSz="914400" rtl="0" eaLnBrk="1" latinLnBrk="0" hangingPunct="1">
+              <a:lnSpc>
+                <a:spcPct val="90000"/>
+              </a:lnSpc>
+              <a:spcBef>
+                <a:spcPts val="500"/>
+              </a:spcBef>
+              <a:buFont typeface="Arial" panose="020B0604020202020204" pitchFamily="34" charset="0"/>
+              <a:buChar char="•"/>
+              <a:defRPr sz="1800" kern="1200">
+                <a:solidFill>
+                  <a:schemeClr val="tx1"/>
+                </a:solidFill>
+                <a:latin typeface="+mn-lt"/>
+                <a:ea typeface="+mn-ea"/>
+                <a:cs typeface="+mn-cs"/>
+              </a:defRPr>
+            </a:lvl5pPr>
+            <a:lvl6pPr marL="2514600" indent="-228600" algn="l" defTabSz="914400" rtl="0" eaLnBrk="1" latinLnBrk="0" hangingPunct="1">
+              <a:lnSpc>
+                <a:spcPct val="90000"/>
+              </a:lnSpc>
+              <a:spcBef>
+                <a:spcPts val="500"/>
+              </a:spcBef>
+              <a:buFont typeface="Arial" panose="020B0604020202020204" pitchFamily="34" charset="0"/>
+              <a:buChar char="•"/>
+              <a:defRPr sz="1800" kern="1200">
+                <a:solidFill>
+                  <a:schemeClr val="tx1"/>
+                </a:solidFill>
+                <a:latin typeface="+mn-lt"/>
+                <a:ea typeface="+mn-ea"/>
+                <a:cs typeface="+mn-cs"/>
+              </a:defRPr>
+            </a:lvl6pPr>
+            <a:lvl7pPr marL="2971800" indent="-228600" algn="l" defTabSz="914400" rtl="0" eaLnBrk="1" latinLnBrk="0" hangingPunct="1">
+              <a:lnSpc>
+                <a:spcPct val="90000"/>
+              </a:lnSpc>
+              <a:spcBef>
+                <a:spcPts val="500"/>
+              </a:spcBef>
+              <a:buFont typeface="Arial" panose="020B0604020202020204" pitchFamily="34" charset="0"/>
+              <a:buChar char="•"/>
+              <a:defRPr sz="1800" kern="1200">
+                <a:solidFill>
+                  <a:schemeClr val="tx1"/>
+                </a:solidFill>
+                <a:latin typeface="+mn-lt"/>
+                <a:ea typeface="+mn-ea"/>
+                <a:cs typeface="+mn-cs"/>
+              </a:defRPr>
+            </a:lvl7pPr>
+            <a:lvl8pPr marL="3429000" indent="-228600" algn="l" defTabSz="914400" rtl="0" eaLnBrk="1" latinLnBrk="0" hangingPunct="1">
+              <a:lnSpc>
+                <a:spcPct val="90000"/>
+              </a:lnSpc>
+              <a:spcBef>
+                <a:spcPts val="500"/>
+              </a:spcBef>
+              <a:buFont typeface="Arial" panose="020B0604020202020204" pitchFamily="34" charset="0"/>
+              <a:buChar char="•"/>
+              <a:defRPr sz="1800" kern="1200">
+                <a:solidFill>
+                  <a:schemeClr val="tx1"/>
+                </a:solidFill>
+                <a:latin typeface="+mn-lt"/>
+                <a:ea typeface="+mn-ea"/>
+                <a:cs typeface="+mn-cs"/>
+              </a:defRPr>
+            </a:lvl8pPr>
+            <a:lvl9pPr marL="3886200" indent="-228600" algn="l" defTabSz="914400" rtl="0" eaLnBrk="1" latinLnBrk="0" hangingPunct="1">
+              <a:lnSpc>
+                <a:spcPct val="90000"/>
+              </a:lnSpc>
+              <a:spcBef>
+                <a:spcPts val="500"/>
+              </a:spcBef>
+              <a:buFont typeface="Arial" panose="020B0604020202020204" pitchFamily="34" charset="0"/>
+              <a:buChar char="•"/>
+              <a:defRPr sz="1800" kern="1200">
+                <a:solidFill>
+                  <a:schemeClr val="tx1"/>
+                </a:solidFill>
+                <a:latin typeface="+mn-lt"/>
+                <a:ea typeface="+mn-ea"/>
+                <a:cs typeface="+mn-cs"/>
+              </a:defRPr>
+            </a:lvl9pPr>
+          </a:lstStyle>
+          <a:p>
+            <a:pPr marL="0" indent="0">
+              <a:buNone/>
+            </a:pPr>
             <a:r>
-              <a:rPr lang="en-GB" sz="3200" dirty="0" err="1">
+              <a:rPr lang="en-US" sz="1800" dirty="0">
                 <a:latin typeface="Abadi" panose="020B0604020104020204" pitchFamily="34" charset="0"/>
               </a:rPr>
-              <a:t>AI_battle</a:t>
+              <a:t>Each ship type has its own code for ship deployment, and they are executed sequentially in the following order:</a:t>
             </a:r>
+          </a:p>
+          <a:p>
             <a:r>
-              <a:rPr lang="en-GB" sz="3200" dirty="0">
+              <a:rPr lang="en-US" sz="1800" dirty="0">
                 <a:latin typeface="Abadi" panose="020B0604020104020204" pitchFamily="34" charset="0"/>
               </a:rPr>
-              <a:t>()</a:t>
+              <a:t>Carrier (OOOOO ship)</a:t>
             </a:r>
+          </a:p>
+          <a:p>
+            <a:r>
+              <a:rPr lang="en-US" sz="1800" dirty="0">
+                <a:latin typeface="Abadi" panose="020B0604020104020204" pitchFamily="34" charset="0"/>
+              </a:rPr>
+              <a:t>Battleship (OOOO ship)</a:t>
+            </a:r>
+          </a:p>
+          <a:p>
+            <a:r>
+              <a:rPr lang="en-US" sz="1800" dirty="0">
+                <a:latin typeface="Abadi" panose="020B0604020104020204" pitchFamily="34" charset="0"/>
+              </a:rPr>
+              <a:t>Cruiser (OOO ship) </a:t>
+            </a:r>
+          </a:p>
+          <a:p>
+            <a:r>
+              <a:rPr lang="en-US" sz="1800" dirty="0">
+                <a:latin typeface="Abadi" panose="020B0604020104020204" pitchFamily="34" charset="0"/>
+              </a:rPr>
+              <a:t>Destroyer (OO ship).</a:t>
+            </a:r>
+            <a:br>
+              <a:rPr lang="en-US" sz="1800" dirty="0">
+                <a:latin typeface="Abadi" panose="020B0604020104020204" pitchFamily="34" charset="0"/>
+              </a:rPr>
+            </a:br>
+            <a:endParaRPr lang="de-DE" sz="1800" dirty="0">
+              <a:latin typeface="Abadi" panose="020B0604020104020204" pitchFamily="34" charset="0"/>
+            </a:endParaRPr>
           </a:p>
         </p:txBody>
       </p:sp>
@@ -5408,7 +4392,7 @@
           <p:cNvPr id="1026" name="Picture 2">
             <a:extLst>
               <a:ext uri="{FF2B5EF4-FFF2-40B4-BE49-F238E27FC236}">
-                <a16:creationId xmlns:a16="http://schemas.microsoft.com/office/drawing/2014/main" id="{AFE3CFD0-ABB2-495B-A1B5-A304481E4236}"/>
+                <a16:creationId xmlns:a16="http://schemas.microsoft.com/office/drawing/2014/main" id="{318477C2-2B1C-461B-93D6-D49F9579281C}"/>
               </a:ext>
             </a:extLst>
           </p:cNvPr>
@@ -5432,55 +4416,8 @@
         </p:blipFill>
         <p:spPr bwMode="auto">
           <a:xfrm>
-            <a:off x="750947" y="2281464"/>
-            <a:ext cx="6175407" cy="3128736"/>
-          </a:xfrm>
-          <a:prstGeom prst="rect">
-            <a:avLst/>
-          </a:prstGeom>
-          <a:noFill/>
-          <a:extLst>
-            <a:ext uri="{909E8E84-426E-40DD-AFC4-6F175D3DCCD1}">
-              <a14:hiddenFill xmlns:a14="http://schemas.microsoft.com/office/drawing/2010/main">
-                <a:solidFill>
-                  <a:srgbClr val="FFFFFF"/>
-                </a:solidFill>
-              </a14:hiddenFill>
-            </a:ext>
-          </a:extLst>
-        </p:spPr>
-      </p:pic>
-      <p:pic>
-        <p:nvPicPr>
-          <p:cNvPr id="1028" name="Picture 4">
-            <a:extLst>
-              <a:ext uri="{FF2B5EF4-FFF2-40B4-BE49-F238E27FC236}">
-                <a16:creationId xmlns:a16="http://schemas.microsoft.com/office/drawing/2014/main" id="{45E5D5E9-4092-45C5-8AC4-47387A300B06}"/>
-              </a:ext>
-            </a:extLst>
-          </p:cNvPr>
-          <p:cNvPicPr>
-            <a:picLocks noChangeAspect="1" noChangeArrowheads="1"/>
-          </p:cNvPicPr>
-          <p:nvPr/>
-        </p:nvPicPr>
-        <p:blipFill>
-          <a:blip r:embed="rId3">
-            <a:extLst>
-              <a:ext uri="{28A0092B-C50C-407E-A947-70E740481C1C}">
-                <a14:useLocalDpi xmlns:a14="http://schemas.microsoft.com/office/drawing/2010/main" val="0"/>
-              </a:ext>
-            </a:extLst>
-          </a:blip>
-          <a:srcRect/>
-          <a:stretch>
-            <a:fillRect/>
-          </a:stretch>
-        </p:blipFill>
-        <p:spPr bwMode="auto">
-          <a:xfrm>
-            <a:off x="7593285" y="440067"/>
-            <a:ext cx="4118697" cy="5994289"/>
+            <a:off x="6235700" y="1810432"/>
+            <a:ext cx="2912489" cy="3883319"/>
           </a:xfrm>
           <a:prstGeom prst="rect">
             <a:avLst/>
@@ -5500,7 +4437,7 @@
     </p:spTree>
     <p:extLst>
       <p:ext uri="{BB962C8B-B14F-4D97-AF65-F5344CB8AC3E}">
-        <p14:creationId xmlns:p14="http://schemas.microsoft.com/office/powerpoint/2010/main" val="817743845"/>
+        <p14:creationId xmlns:p14="http://schemas.microsoft.com/office/powerpoint/2010/main" val="3126760757"/>
       </p:ext>
     </p:extLst>
   </p:cSld>
@@ -5510,7 +4447,7 @@
 </p:sld>
 </file>
 
-<file path=ppt/slides/slide13.xml><?xml version="1.0" encoding="utf-8"?>
+<file path=ppt/slides/slide11.xml><?xml version="1.0" encoding="utf-8"?>
 <p:sld xmlns:a="http://schemas.openxmlformats.org/drawingml/2006/main" xmlns:r="http://schemas.openxmlformats.org/officeDocument/2006/relationships" xmlns:p="http://schemas.openxmlformats.org/presentationml/2006/main">
   <p:cSld>
     <p:spTree>
@@ -6086,7 +5023,7 @@
           <p:cNvPr id="13" name="文字方塊 12">
             <a:extLst>
               <a:ext uri="{FF2B5EF4-FFF2-40B4-BE49-F238E27FC236}">
-                <a16:creationId xmlns:a16="http://schemas.microsoft.com/office/drawing/2014/main" id="{3C5050F0-B6E7-4A01-A78B-F7F5DEC1FA86}"/>
+                <a16:creationId xmlns:a16="http://schemas.microsoft.com/office/drawing/2014/main" id="{ECF519C4-6F88-430A-B215-DEF1B60A87F7}"/>
               </a:ext>
             </a:extLst>
           </p:cNvPr>
@@ -6095,7 +5032,7 @@
         </p:nvSpPr>
         <p:spPr>
           <a:xfrm>
-            <a:off x="1050146" y="1931948"/>
+            <a:off x="1443913" y="1796729"/>
             <a:ext cx="1184940" cy="646331"/>
           </a:xfrm>
           <a:prstGeom prst="rect">
@@ -6143,7 +5080,7 @@
           <p:cNvPr id="14" name="文字方塊 13">
             <a:extLst>
               <a:ext uri="{FF2B5EF4-FFF2-40B4-BE49-F238E27FC236}">
-                <a16:creationId xmlns:a16="http://schemas.microsoft.com/office/drawing/2014/main" id="{1D09EA85-B60A-4873-A4EC-ABA618F3D781}"/>
+                <a16:creationId xmlns:a16="http://schemas.microsoft.com/office/drawing/2014/main" id="{FAE1136A-43EC-49CC-ABC2-C0367ECAF98A}"/>
               </a:ext>
             </a:extLst>
           </p:cNvPr>
@@ -6152,7 +5089,7 @@
         </p:nvSpPr>
         <p:spPr>
           <a:xfrm>
-            <a:off x="3339046" y="1931947"/>
+            <a:off x="3732813" y="1796728"/>
             <a:ext cx="1077539" cy="646331"/>
           </a:xfrm>
           <a:prstGeom prst="rect">
@@ -6189,63 +5126,12 @@
           </a:p>
         </p:txBody>
       </p:sp>
-      <p:sp>
-        <p:nvSpPr>
-          <p:cNvPr id="15" name="文字方塊 14">
-            <a:extLst>
-              <a:ext uri="{FF2B5EF4-FFF2-40B4-BE49-F238E27FC236}">
-                <a16:creationId xmlns:a16="http://schemas.microsoft.com/office/drawing/2014/main" id="{91102A42-6214-4F0A-9183-3DB9DE77DCC2}"/>
-              </a:ext>
-            </a:extLst>
-          </p:cNvPr>
-          <p:cNvSpPr txBox="1"/>
-          <p:nvPr/>
-        </p:nvSpPr>
-        <p:spPr>
-          <a:xfrm>
-            <a:off x="5469622" y="1931946"/>
-            <a:ext cx="1210588" cy="646331"/>
-          </a:xfrm>
-          <a:prstGeom prst="rect">
-            <a:avLst/>
-          </a:prstGeom>
-          <a:noFill/>
-        </p:spPr>
-        <p:txBody>
-          <a:bodyPr wrap="none" rtlCol="0">
-            <a:spAutoFit/>
-          </a:bodyPr>
-          <a:lstStyle/>
-          <a:p>
-            <a:r>
-              <a:rPr lang="de-DE" dirty="0">
-                <a:solidFill>
-                  <a:schemeClr val="bg1"/>
-                </a:solidFill>
-                <a:latin typeface="Abadi" panose="020B0604020104020204" pitchFamily="34" charset="0"/>
-              </a:rPr>
-              <a:t>Implement</a:t>
-            </a:r>
-          </a:p>
-          <a:p>
-            <a:r>
-              <a:rPr lang="de-DE" dirty="0">
-                <a:solidFill>
-                  <a:schemeClr val="bg1"/>
-                </a:solidFill>
-                <a:latin typeface="Abadi" panose="020B0604020104020204" pitchFamily="34" charset="0"/>
-              </a:rPr>
-              <a:t>functions</a:t>
-            </a:r>
-          </a:p>
-        </p:txBody>
-      </p:sp>
       <p:cxnSp>
         <p:nvCxnSpPr>
           <p:cNvPr id="16" name="直線單箭頭接點 15">
             <a:extLst>
               <a:ext uri="{FF2B5EF4-FFF2-40B4-BE49-F238E27FC236}">
-                <a16:creationId xmlns:a16="http://schemas.microsoft.com/office/drawing/2014/main" id="{96C4DAC2-B304-42DB-B90A-8414CC0202A9}"/>
+                <a16:creationId xmlns:a16="http://schemas.microsoft.com/office/drawing/2014/main" id="{2D1BCCFA-B15A-4CCA-9D86-A8391749B01B}"/>
               </a:ext>
             </a:extLst>
           </p:cNvPr>
@@ -6254,7 +5140,7 @@
         </p:nvCxnSpPr>
         <p:spPr>
           <a:xfrm>
-            <a:off x="2328416" y="2255114"/>
+            <a:off x="2722183" y="2119895"/>
             <a:ext cx="863600" cy="0"/>
           </a:xfrm>
           <a:prstGeom prst="straightConnector1">
@@ -6287,7 +5173,7 @@
           <p:cNvPr id="17" name="直線單箭頭接點 16">
             <a:extLst>
               <a:ext uri="{FF2B5EF4-FFF2-40B4-BE49-F238E27FC236}">
-                <a16:creationId xmlns:a16="http://schemas.microsoft.com/office/drawing/2014/main" id="{63BAB47D-FBB3-4813-AD08-88D78D01FBF5}"/>
+                <a16:creationId xmlns:a16="http://schemas.microsoft.com/office/drawing/2014/main" id="{95D4352D-9A85-45EE-A230-B6695099054C}"/>
               </a:ext>
             </a:extLst>
           </p:cNvPr>
@@ -6298,252 +5184,7 @@
         </p:nvCxnSpPr>
         <p:spPr>
           <a:xfrm>
-            <a:off x="4563616" y="2255113"/>
-            <a:ext cx="825500" cy="1"/>
-          </a:xfrm>
-          <a:prstGeom prst="straightConnector1">
-            <a:avLst/>
-          </a:prstGeom>
-          <a:ln w="38100">
-            <a:solidFill>
-              <a:schemeClr val="bg1"/>
-            </a:solidFill>
-            <a:tailEnd type="triangle"/>
-          </a:ln>
-        </p:spPr>
-        <p:style>
-          <a:lnRef idx="1">
-            <a:schemeClr val="dk1"/>
-          </a:lnRef>
-          <a:fillRef idx="0">
-            <a:schemeClr val="dk1"/>
-          </a:fillRef>
-          <a:effectRef idx="0">
-            <a:schemeClr val="dk1"/>
-          </a:effectRef>
-          <a:fontRef idx="minor">
-            <a:schemeClr val="tx1"/>
-          </a:fontRef>
-        </p:style>
-      </p:cxnSp>
-      <p:sp>
-        <p:nvSpPr>
-          <p:cNvPr id="18" name="文字方塊 17">
-            <a:extLst>
-              <a:ext uri="{FF2B5EF4-FFF2-40B4-BE49-F238E27FC236}">
-                <a16:creationId xmlns:a16="http://schemas.microsoft.com/office/drawing/2014/main" id="{C424AF15-AC8F-4AFC-A392-268FD90D46EB}"/>
-              </a:ext>
-            </a:extLst>
-          </p:cNvPr>
-          <p:cNvSpPr txBox="1"/>
-          <p:nvPr/>
-        </p:nvSpPr>
-        <p:spPr>
-          <a:xfrm>
-            <a:off x="1259206" y="1923136"/>
-            <a:ext cx="1184940" cy="646331"/>
-          </a:xfrm>
-          <a:prstGeom prst="rect">
-            <a:avLst/>
-          </a:prstGeom>
-          <a:noFill/>
-        </p:spPr>
-        <p:txBody>
-          <a:bodyPr wrap="none" rtlCol="0">
-            <a:spAutoFit/>
-          </a:bodyPr>
-          <a:lstStyle/>
-          <a:p>
-            <a:r>
-              <a:rPr lang="de-DE" dirty="0">
-                <a:solidFill>
-                  <a:schemeClr val="bg1"/>
-                </a:solidFill>
-                <a:latin typeface="Abadi" panose="020B0604020104020204" pitchFamily="34" charset="0"/>
-              </a:rPr>
-              <a:t>SRS </a:t>
-            </a:r>
-          </a:p>
-          <a:p>
-            <a:r>
-              <a:rPr lang="de-DE" dirty="0">
-                <a:solidFill>
-                  <a:schemeClr val="bg1"/>
-                </a:solidFill>
-                <a:latin typeface="Abadi" panose="020B0604020104020204" pitchFamily="34" charset="0"/>
-              </a:rPr>
-              <a:t>Document</a:t>
-            </a:r>
-            <a:endParaRPr lang="en-US" dirty="0">
-              <a:solidFill>
-                <a:schemeClr val="bg1"/>
-              </a:solidFill>
-              <a:latin typeface="Abadi" panose="020B0604020104020204" pitchFamily="34" charset="0"/>
-            </a:endParaRPr>
-          </a:p>
-        </p:txBody>
-      </p:sp>
-      <p:sp>
-        <p:nvSpPr>
-          <p:cNvPr id="22" name="文字方塊 21">
-            <a:extLst>
-              <a:ext uri="{FF2B5EF4-FFF2-40B4-BE49-F238E27FC236}">
-                <a16:creationId xmlns:a16="http://schemas.microsoft.com/office/drawing/2014/main" id="{C65AEF85-1073-4F0F-8699-8DDF4A77E5FB}"/>
-              </a:ext>
-            </a:extLst>
-          </p:cNvPr>
-          <p:cNvSpPr txBox="1"/>
-          <p:nvPr/>
-        </p:nvSpPr>
-        <p:spPr>
-          <a:xfrm>
-            <a:off x="3548106" y="1923135"/>
-            <a:ext cx="1077539" cy="646331"/>
-          </a:xfrm>
-          <a:prstGeom prst="rect">
-            <a:avLst/>
-          </a:prstGeom>
-          <a:noFill/>
-        </p:spPr>
-        <p:txBody>
-          <a:bodyPr wrap="none" rtlCol="0">
-            <a:spAutoFit/>
-          </a:bodyPr>
-          <a:lstStyle/>
-          <a:p>
-            <a:r>
-              <a:rPr lang="de-DE" dirty="0">
-                <a:solidFill>
-                  <a:schemeClr val="bg1"/>
-                </a:solidFill>
-                <a:latin typeface="Abadi" panose="020B0604020104020204" pitchFamily="34" charset="0"/>
-              </a:rPr>
-              <a:t>Main </a:t>
-            </a:r>
-          </a:p>
-          <a:p>
-            <a:r>
-              <a:rPr lang="de-DE" dirty="0">
-                <a:solidFill>
-                  <a:schemeClr val="bg1"/>
-                </a:solidFill>
-                <a:latin typeface="Abadi" panose="020B0604020104020204" pitchFamily="34" charset="0"/>
-              </a:rPr>
-              <a:t>Structure</a:t>
-            </a:r>
-          </a:p>
-        </p:txBody>
-      </p:sp>
-      <p:sp>
-        <p:nvSpPr>
-          <p:cNvPr id="23" name="文字方塊 22">
-            <a:extLst>
-              <a:ext uri="{FF2B5EF4-FFF2-40B4-BE49-F238E27FC236}">
-                <a16:creationId xmlns:a16="http://schemas.microsoft.com/office/drawing/2014/main" id="{0365C492-A3C2-434B-9C09-DC8EC6C8B402}"/>
-              </a:ext>
-            </a:extLst>
-          </p:cNvPr>
-          <p:cNvSpPr txBox="1"/>
-          <p:nvPr/>
-        </p:nvSpPr>
-        <p:spPr>
-          <a:xfrm>
-            <a:off x="5678682" y="1923134"/>
-            <a:ext cx="1210588" cy="646331"/>
-          </a:xfrm>
-          <a:prstGeom prst="rect">
-            <a:avLst/>
-          </a:prstGeom>
-          <a:noFill/>
-        </p:spPr>
-        <p:txBody>
-          <a:bodyPr wrap="none" rtlCol="0">
-            <a:spAutoFit/>
-          </a:bodyPr>
-          <a:lstStyle/>
-          <a:p>
-            <a:r>
-              <a:rPr lang="de-DE" dirty="0">
-                <a:solidFill>
-                  <a:schemeClr val="bg1"/>
-                </a:solidFill>
-                <a:latin typeface="Abadi" panose="020B0604020104020204" pitchFamily="34" charset="0"/>
-              </a:rPr>
-              <a:t>Implement</a:t>
-            </a:r>
-          </a:p>
-          <a:p>
-            <a:r>
-              <a:rPr lang="de-DE" dirty="0">
-                <a:solidFill>
-                  <a:schemeClr val="bg1"/>
-                </a:solidFill>
-                <a:latin typeface="Abadi" panose="020B0604020104020204" pitchFamily="34" charset="0"/>
-              </a:rPr>
-              <a:t>functions</a:t>
-            </a:r>
-          </a:p>
-        </p:txBody>
-      </p:sp>
-      <p:cxnSp>
-        <p:nvCxnSpPr>
-          <p:cNvPr id="24" name="直線單箭頭接點 23">
-            <a:extLst>
-              <a:ext uri="{FF2B5EF4-FFF2-40B4-BE49-F238E27FC236}">
-                <a16:creationId xmlns:a16="http://schemas.microsoft.com/office/drawing/2014/main" id="{CEC5527B-1551-4557-997C-C5C8D8FA3059}"/>
-              </a:ext>
-            </a:extLst>
-          </p:cNvPr>
-          <p:cNvCxnSpPr/>
-          <p:nvPr/>
-        </p:nvCxnSpPr>
-        <p:spPr>
-          <a:xfrm>
-            <a:off x="2537476" y="2246302"/>
-            <a:ext cx="863600" cy="0"/>
-          </a:xfrm>
-          <a:prstGeom prst="straightConnector1">
-            <a:avLst/>
-          </a:prstGeom>
-          <a:ln w="38100">
-            <a:solidFill>
-              <a:schemeClr val="bg1"/>
-            </a:solidFill>
-            <a:tailEnd type="triangle"/>
-          </a:ln>
-        </p:spPr>
-        <p:style>
-          <a:lnRef idx="1">
-            <a:schemeClr val="dk1"/>
-          </a:lnRef>
-          <a:fillRef idx="0">
-            <a:schemeClr val="dk1"/>
-          </a:fillRef>
-          <a:effectRef idx="0">
-            <a:schemeClr val="dk1"/>
-          </a:effectRef>
-          <a:fontRef idx="minor">
-            <a:schemeClr val="tx1"/>
-          </a:fontRef>
-        </p:style>
-      </p:cxnSp>
-      <p:cxnSp>
-        <p:nvCxnSpPr>
-          <p:cNvPr id="25" name="直線單箭頭接點 24">
-            <a:extLst>
-              <a:ext uri="{FF2B5EF4-FFF2-40B4-BE49-F238E27FC236}">
-                <a16:creationId xmlns:a16="http://schemas.microsoft.com/office/drawing/2014/main" id="{AB07DDE9-2015-4127-A734-488AF2B5618B}"/>
-              </a:ext>
-            </a:extLst>
-          </p:cNvPr>
-          <p:cNvCxnSpPr>
-            <a:cxnSpLocks/>
-          </p:cNvCxnSpPr>
-          <p:nvPr/>
-        </p:nvCxnSpPr>
-        <p:spPr>
-          <a:xfrm>
-            <a:off x="4772676" y="2246301"/>
+            <a:off x="4957383" y="2119894"/>
             <a:ext cx="825500" cy="1"/>
           </a:xfrm>
           <a:prstGeom prst="straightConnector1">
@@ -6573,10 +5214,10 @@
       </p:cxnSp>
       <p:pic>
         <p:nvPicPr>
-          <p:cNvPr id="26" name="Picture 2">
+          <p:cNvPr id="18" name="Picture 2">
             <a:extLst>
               <a:ext uri="{FF2B5EF4-FFF2-40B4-BE49-F238E27FC236}">
-                <a16:creationId xmlns:a16="http://schemas.microsoft.com/office/drawing/2014/main" id="{26AD959F-B173-4A4A-98F6-FA57913EC00A}"/>
+                <a16:creationId xmlns:a16="http://schemas.microsoft.com/office/drawing/2014/main" id="{43A85636-011B-4DEC-B43A-DEBD705FDA29}"/>
               </a:ext>
             </a:extLst>
           </p:cNvPr>
@@ -6600,8 +5241,8 @@
         </p:blipFill>
         <p:spPr bwMode="auto">
           <a:xfrm>
-            <a:off x="294719" y="3429000"/>
-            <a:ext cx="3476022" cy="2419505"/>
+            <a:off x="586622" y="3429000"/>
+            <a:ext cx="3622792" cy="2521665"/>
           </a:xfrm>
           <a:prstGeom prst="rect">
             <a:avLst/>
@@ -6620,10 +5261,10 @@
       </p:pic>
       <p:pic>
         <p:nvPicPr>
-          <p:cNvPr id="29" name="Picture 4">
+          <p:cNvPr id="22" name="Picture 4">
             <a:extLst>
               <a:ext uri="{FF2B5EF4-FFF2-40B4-BE49-F238E27FC236}">
-                <a16:creationId xmlns:a16="http://schemas.microsoft.com/office/drawing/2014/main" id="{0F6DCE61-0339-42DE-B30C-E88B03AC87BC}"/>
+                <a16:creationId xmlns:a16="http://schemas.microsoft.com/office/drawing/2014/main" id="{471CE53E-4B68-4173-B7CB-97A038BA5CAF}"/>
               </a:ext>
             </a:extLst>
           </p:cNvPr>
@@ -6647,7 +5288,7 @@
         </p:blipFill>
         <p:spPr bwMode="auto">
           <a:xfrm>
-            <a:off x="8885186" y="3429000"/>
+            <a:off x="9319378" y="3429000"/>
             <a:ext cx="2286000" cy="771525"/>
           </a:xfrm>
           <a:prstGeom prst="rect">
@@ -6667,10 +5308,10 @@
       </p:pic>
       <p:sp>
         <p:nvSpPr>
-          <p:cNvPr id="30" name="TextBox 16">
+          <p:cNvPr id="23" name="TextBox 16">
             <a:extLst>
               <a:ext uri="{FF2B5EF4-FFF2-40B4-BE49-F238E27FC236}">
-                <a16:creationId xmlns:a16="http://schemas.microsoft.com/office/drawing/2014/main" id="{20D66FD0-CEAC-487D-856E-5D72BBBD69AD}"/>
+                <a16:creationId xmlns:a16="http://schemas.microsoft.com/office/drawing/2014/main" id="{54303F04-369E-4FAF-8B83-8AF8FA6B04BE}"/>
               </a:ext>
             </a:extLst>
           </p:cNvPr>
@@ -6679,7 +5320,7 @@
         </p:nvSpPr>
         <p:spPr>
           <a:xfrm>
-            <a:off x="302774" y="2390261"/>
+            <a:off x="586312" y="2294558"/>
             <a:ext cx="3846021" cy="830997"/>
           </a:xfrm>
           <a:prstGeom prst="rect">
@@ -6769,10 +5410,10 @@
       </p:sp>
       <p:pic>
         <p:nvPicPr>
-          <p:cNvPr id="31" name="Picture 10">
+          <p:cNvPr id="24" name="Picture 10">
             <a:extLst>
               <a:ext uri="{FF2B5EF4-FFF2-40B4-BE49-F238E27FC236}">
-                <a16:creationId xmlns:a16="http://schemas.microsoft.com/office/drawing/2014/main" id="{57CD23DB-9B6B-483A-ADA7-C51FAF551BDF}"/>
+                <a16:creationId xmlns:a16="http://schemas.microsoft.com/office/drawing/2014/main" id="{05B8612F-8F99-463E-837E-DFEEE430024E}"/>
               </a:ext>
             </a:extLst>
           </p:cNvPr>
@@ -6789,8 +5430,8 @@
         </p:blipFill>
         <p:spPr>
           <a:xfrm>
-            <a:off x="4625646" y="3429000"/>
-            <a:ext cx="3753448" cy="2445894"/>
+            <a:off x="4893758" y="3429000"/>
+            <a:ext cx="3869724" cy="2521664"/>
           </a:xfrm>
           <a:prstGeom prst="rect">
             <a:avLst/>
@@ -6799,10 +5440,10 @@
       </p:pic>
       <p:sp>
         <p:nvSpPr>
-          <p:cNvPr id="32" name="TextBox 21">
+          <p:cNvPr id="25" name="TextBox 21">
             <a:extLst>
               <a:ext uri="{FF2B5EF4-FFF2-40B4-BE49-F238E27FC236}">
-                <a16:creationId xmlns:a16="http://schemas.microsoft.com/office/drawing/2014/main" id="{AA684471-ED5B-4FDC-8168-B2F792F38E1F}"/>
+                <a16:creationId xmlns:a16="http://schemas.microsoft.com/office/drawing/2014/main" id="{19B3DC3F-57AD-4C40-91B0-B99587CDC00C}"/>
               </a:ext>
             </a:extLst>
           </p:cNvPr>
@@ -6811,7 +5452,7 @@
         </p:nvSpPr>
         <p:spPr>
           <a:xfrm>
-            <a:off x="4625645" y="2417746"/>
+            <a:off x="4917461" y="2294558"/>
             <a:ext cx="3846021" cy="830997"/>
           </a:xfrm>
           <a:prstGeom prst="rect">
@@ -6901,10 +5542,10 @@
       </p:sp>
       <p:sp>
         <p:nvSpPr>
-          <p:cNvPr id="33" name="TextBox 22">
+          <p:cNvPr id="26" name="TextBox 22">
             <a:extLst>
               <a:ext uri="{FF2B5EF4-FFF2-40B4-BE49-F238E27FC236}">
-                <a16:creationId xmlns:a16="http://schemas.microsoft.com/office/drawing/2014/main" id="{23E8CF7B-E921-405D-B568-F038EEBD716B}"/>
+                <a16:creationId xmlns:a16="http://schemas.microsoft.com/office/drawing/2014/main" id="{C5CAA5F9-8592-41BF-B8D1-3207F8A1D6C0}"/>
               </a:ext>
             </a:extLst>
           </p:cNvPr>
@@ -6913,8 +5554,8 @@
         </p:nvSpPr>
         <p:spPr>
           <a:xfrm>
-            <a:off x="240854" y="1695653"/>
-            <a:ext cx="6241002" cy="338554"/>
+            <a:off x="586312" y="1782259"/>
+            <a:ext cx="6241002" cy="369332"/>
           </a:xfrm>
           <a:prstGeom prst="rect">
             <a:avLst/>
@@ -6928,7 +5569,7 @@
           <a:lstStyle/>
           <a:p>
             <a:r>
-              <a:rPr lang="en-US" sz="1600" b="0" i="0" u="none" strike="noStrike" dirty="0">
+              <a:rPr lang="en-US" sz="1800" b="0" i="0" u="none" strike="noStrike" dirty="0">
                 <a:solidFill>
                   <a:srgbClr val="000000"/>
                 </a:solidFill>
@@ -6942,10 +5583,10 @@
       </p:sp>
       <p:sp>
         <p:nvSpPr>
-          <p:cNvPr id="34" name="TextBox 24">
+          <p:cNvPr id="29" name="TextBox 24">
             <a:extLst>
               <a:ext uri="{FF2B5EF4-FFF2-40B4-BE49-F238E27FC236}">
-                <a16:creationId xmlns:a16="http://schemas.microsoft.com/office/drawing/2014/main" id="{730239A6-CA30-41AE-B96B-F58085B61156}"/>
+                <a16:creationId xmlns:a16="http://schemas.microsoft.com/office/drawing/2014/main" id="{7E78F45B-AAD1-4CE3-975A-270FE09E6287}"/>
               </a:ext>
             </a:extLst>
           </p:cNvPr>
@@ -6954,7 +5595,7 @@
         </p:nvSpPr>
         <p:spPr>
           <a:xfrm>
-            <a:off x="261511" y="6033092"/>
+            <a:off x="513063" y="6078376"/>
             <a:ext cx="3032999" cy="307777"/>
           </a:xfrm>
           <a:prstGeom prst="rect">
@@ -6974,20 +5615,22 @@
                   <a:srgbClr val="000000"/>
                 </a:solidFill>
                 <a:effectLst/>
-                <a:latin typeface="Arial" panose="020B0604020202020204" pitchFamily="34" charset="0"/>
+                <a:latin typeface="Abadi" panose="020B0604020104020204" pitchFamily="34" charset="0"/>
               </a:rPr>
               <a:t>Fig. char TemplateDisplay1</a:t>
             </a:r>
-            <a:endParaRPr lang="en-DE" sz="1400" dirty="0"/>
+            <a:endParaRPr lang="en-DE" sz="1400" dirty="0">
+              <a:latin typeface="Abadi" panose="020B0604020104020204" pitchFamily="34" charset="0"/>
+            </a:endParaRPr>
           </a:p>
         </p:txBody>
       </p:sp>
       <p:sp>
         <p:nvSpPr>
-          <p:cNvPr id="35" name="TextBox 25">
+          <p:cNvPr id="30" name="TextBox 25">
             <a:extLst>
               <a:ext uri="{FF2B5EF4-FFF2-40B4-BE49-F238E27FC236}">
-                <a16:creationId xmlns:a16="http://schemas.microsoft.com/office/drawing/2014/main" id="{36A8BA3F-D4AC-4C3D-AC70-F14295FA8700}"/>
+                <a16:creationId xmlns:a16="http://schemas.microsoft.com/office/drawing/2014/main" id="{81BC1F78-D0FC-4B29-A4C6-9DE17BC3F564}"/>
               </a:ext>
             </a:extLst>
           </p:cNvPr>
@@ -6996,7 +5639,7 @@
         </p:nvSpPr>
         <p:spPr>
           <a:xfrm>
-            <a:off x="4625645" y="6123282"/>
+            <a:off x="4810352" y="6078376"/>
             <a:ext cx="2752895" cy="307777"/>
           </a:xfrm>
           <a:prstGeom prst="rect">
@@ -7016,20 +5659,205 @@
                   <a:srgbClr val="000000"/>
                 </a:solidFill>
                 <a:effectLst/>
-                <a:latin typeface="Arial" panose="020B0604020202020204" pitchFamily="34" charset="0"/>
+                <a:latin typeface="Abadi" panose="020B0604020104020204" pitchFamily="34" charset="0"/>
               </a:rPr>
               <a:t>Fig. char ReefTemplateDisplay1</a:t>
             </a:r>
-            <a:endParaRPr lang="en-DE" sz="1400" dirty="0"/>
+            <a:endParaRPr lang="en-DE" sz="1400" dirty="0">
+              <a:latin typeface="Abadi" panose="020B0604020104020204" pitchFamily="34" charset="0"/>
+            </a:endParaRPr>
+          </a:p>
+        </p:txBody>
+      </p:sp>
+    </p:spTree>
+    <p:extLst>
+      <p:ext uri="{BB962C8B-B14F-4D97-AF65-F5344CB8AC3E}">
+        <p14:creationId xmlns:p14="http://schemas.microsoft.com/office/powerpoint/2010/main" val="1276845166"/>
+      </p:ext>
+    </p:extLst>
+  </p:cSld>
+  <p:clrMapOvr>
+    <a:masterClrMapping/>
+  </p:clrMapOvr>
+</p:sld>
+</file>
+
+<file path=ppt/slides/slide12.xml><?xml version="1.0" encoding="utf-8"?>
+<p:sld xmlns:a="http://schemas.openxmlformats.org/drawingml/2006/main" xmlns:r="http://schemas.openxmlformats.org/officeDocument/2006/relationships" xmlns:p="http://schemas.openxmlformats.org/presentationml/2006/main">
+  <p:cSld>
+    <p:spTree>
+      <p:nvGrpSpPr>
+        <p:cNvPr id="1" name=""/>
+        <p:cNvGrpSpPr/>
+        <p:nvPr/>
+      </p:nvGrpSpPr>
+      <p:grpSpPr>
+        <a:xfrm>
+          <a:off x="0" y="0"/>
+          <a:ext cx="0" cy="0"/>
+          <a:chOff x="0" y="0"/>
+          <a:chExt cx="0" cy="0"/>
+        </a:xfrm>
+      </p:grpSpPr>
+      <p:sp>
+        <p:nvSpPr>
+          <p:cNvPr id="6" name="矩形 5">
+            <a:extLst>
+              <a:ext uri="{FF2B5EF4-FFF2-40B4-BE49-F238E27FC236}">
+                <a16:creationId xmlns:a16="http://schemas.microsoft.com/office/drawing/2014/main" id="{BB0839DE-B4DB-453C-BE83-560B4D2DAFCF}"/>
+              </a:ext>
+            </a:extLst>
+          </p:cNvPr>
+          <p:cNvSpPr/>
+          <p:nvPr/>
+        </p:nvSpPr>
+        <p:spPr>
+          <a:xfrm>
+            <a:off x="3213100" y="1447800"/>
+            <a:ext cx="1371600" cy="1371600"/>
+          </a:xfrm>
+          <a:prstGeom prst="rect">
+            <a:avLst/>
+          </a:prstGeom>
+          <a:noFill/>
+          <a:ln w="57150">
+            <a:solidFill>
+              <a:schemeClr val="bg1"/>
+            </a:solidFill>
+          </a:ln>
+        </p:spPr>
+        <p:style>
+          <a:lnRef idx="2">
+            <a:schemeClr val="accent1">
+              <a:shade val="50000"/>
+            </a:schemeClr>
+          </a:lnRef>
+          <a:fillRef idx="1">
+            <a:schemeClr val="accent1"/>
+          </a:fillRef>
+          <a:effectRef idx="0">
+            <a:schemeClr val="accent1"/>
+          </a:effectRef>
+          <a:fontRef idx="minor">
+            <a:schemeClr val="lt1"/>
+          </a:fontRef>
+        </p:style>
+        <p:txBody>
+          <a:bodyPr rtlCol="0" anchor="ctr"/>
+          <a:lstStyle/>
+          <a:p>
+            <a:pPr algn="ctr"/>
+            <a:endParaRPr lang="en-US" dirty="0"/>
           </a:p>
         </p:txBody>
       </p:sp>
       <p:sp>
         <p:nvSpPr>
-          <p:cNvPr id="36" name="TextBox 28">
+          <p:cNvPr id="8" name="矩形 7">
             <a:extLst>
               <a:ext uri="{FF2B5EF4-FFF2-40B4-BE49-F238E27FC236}">
-                <a16:creationId xmlns:a16="http://schemas.microsoft.com/office/drawing/2014/main" id="{4E2BBD84-01A5-4568-A8CF-1EC4A991B764}"/>
+                <a16:creationId xmlns:a16="http://schemas.microsoft.com/office/drawing/2014/main" id="{3C4BF0D4-3A0A-404B-A9FD-EB6A65BED28A}"/>
+              </a:ext>
+            </a:extLst>
+          </p:cNvPr>
+          <p:cNvSpPr/>
+          <p:nvPr/>
+        </p:nvSpPr>
+        <p:spPr>
+          <a:xfrm>
+            <a:off x="5410200" y="1447800"/>
+            <a:ext cx="1371600" cy="1371600"/>
+          </a:xfrm>
+          <a:prstGeom prst="rect">
+            <a:avLst/>
+          </a:prstGeom>
+          <a:noFill/>
+          <a:ln w="57150">
+            <a:solidFill>
+              <a:schemeClr val="bg1"/>
+            </a:solidFill>
+          </a:ln>
+        </p:spPr>
+        <p:style>
+          <a:lnRef idx="2">
+            <a:schemeClr val="accent1">
+              <a:shade val="50000"/>
+            </a:schemeClr>
+          </a:lnRef>
+          <a:fillRef idx="1">
+            <a:schemeClr val="accent1"/>
+          </a:fillRef>
+          <a:effectRef idx="0">
+            <a:schemeClr val="accent1"/>
+          </a:effectRef>
+          <a:fontRef idx="minor">
+            <a:schemeClr val="lt1"/>
+          </a:fontRef>
+        </p:style>
+        <p:txBody>
+          <a:bodyPr rtlCol="0" anchor="ctr"/>
+          <a:lstStyle/>
+          <a:p>
+            <a:pPr algn="ctr"/>
+            <a:endParaRPr lang="en-US" dirty="0"/>
+          </a:p>
+        </p:txBody>
+      </p:sp>
+      <p:sp>
+        <p:nvSpPr>
+          <p:cNvPr id="27" name="矩形 26">
+            <a:extLst>
+              <a:ext uri="{FF2B5EF4-FFF2-40B4-BE49-F238E27FC236}">
+                <a16:creationId xmlns:a16="http://schemas.microsoft.com/office/drawing/2014/main" id="{EE4FA404-9907-424A-B8C3-2E11C8A5D563}"/>
+              </a:ext>
+            </a:extLst>
+          </p:cNvPr>
+          <p:cNvSpPr/>
+          <p:nvPr/>
+        </p:nvSpPr>
+        <p:spPr>
+          <a:xfrm>
+            <a:off x="-295342" y="-616375"/>
+            <a:ext cx="6781800" cy="1408908"/>
+          </a:xfrm>
+          <a:prstGeom prst="rect">
+            <a:avLst/>
+          </a:prstGeom>
+          <a:solidFill>
+            <a:srgbClr val="29294C"/>
+          </a:solidFill>
+        </p:spPr>
+        <p:style>
+          <a:lnRef idx="2">
+            <a:schemeClr val="accent1">
+              <a:shade val="50000"/>
+            </a:schemeClr>
+          </a:lnRef>
+          <a:fillRef idx="1">
+            <a:schemeClr val="accent1"/>
+          </a:fillRef>
+          <a:effectRef idx="0">
+            <a:schemeClr val="accent1"/>
+          </a:effectRef>
+          <a:fontRef idx="minor">
+            <a:schemeClr val="lt1"/>
+          </a:fontRef>
+        </p:style>
+        <p:txBody>
+          <a:bodyPr rtlCol="0" anchor="ctr"/>
+          <a:lstStyle/>
+          <a:p>
+            <a:pPr algn="ctr"/>
+            <a:endParaRPr lang="en-US"/>
+          </a:p>
+        </p:txBody>
+      </p:sp>
+      <p:sp>
+        <p:nvSpPr>
+          <p:cNvPr id="28" name="文字方塊 27">
+            <a:extLst>
+              <a:ext uri="{FF2B5EF4-FFF2-40B4-BE49-F238E27FC236}">
+                <a16:creationId xmlns:a16="http://schemas.microsoft.com/office/drawing/2014/main" id="{74CAFAEB-C8FD-4AA4-A59D-6B8EC3F3E19A}"/>
               </a:ext>
             </a:extLst>
           </p:cNvPr>
@@ -7038,8 +5866,202 @@
         </p:nvSpPr>
         <p:spPr>
           <a:xfrm>
-            <a:off x="8792907" y="4330975"/>
-            <a:ext cx="3313879" cy="307777"/>
+            <a:off x="180922" y="-5231"/>
+            <a:ext cx="4150495" cy="769441"/>
+          </a:xfrm>
+          <a:prstGeom prst="rect">
+            <a:avLst/>
+          </a:prstGeom>
+          <a:noFill/>
+        </p:spPr>
+        <p:txBody>
+          <a:bodyPr wrap="none" rtlCol="0">
+            <a:spAutoFit/>
+          </a:bodyPr>
+          <a:lstStyle/>
+          <a:p>
+            <a:r>
+              <a:rPr lang="de-DE" sz="4400" dirty="0">
+                <a:solidFill>
+                  <a:schemeClr val="bg1"/>
+                </a:solidFill>
+                <a:latin typeface="Abadi" panose="020B0604020104020204" pitchFamily="34" charset="0"/>
+              </a:rPr>
+              <a:t>Implementations</a:t>
+            </a:r>
+            <a:endParaRPr lang="en-US" sz="4400" dirty="0">
+              <a:solidFill>
+                <a:schemeClr val="bg1"/>
+              </a:solidFill>
+              <a:latin typeface="Abadi" panose="020B0604020104020204" pitchFamily="34" charset="0"/>
+            </a:endParaRPr>
+          </a:p>
+        </p:txBody>
+      </p:sp>
+      <p:sp>
+        <p:nvSpPr>
+          <p:cNvPr id="21" name="文字方塊 20">
+            <a:extLst>
+              <a:ext uri="{FF2B5EF4-FFF2-40B4-BE49-F238E27FC236}">
+                <a16:creationId xmlns:a16="http://schemas.microsoft.com/office/drawing/2014/main" id="{C2321439-2B70-455C-B674-205EF9990C16}"/>
+              </a:ext>
+            </a:extLst>
+          </p:cNvPr>
+          <p:cNvSpPr txBox="1"/>
+          <p:nvPr/>
+        </p:nvSpPr>
+        <p:spPr>
+          <a:xfrm>
+            <a:off x="240854" y="792533"/>
+            <a:ext cx="6245604" cy="753283"/>
+          </a:xfrm>
+          <a:prstGeom prst="rect">
+            <a:avLst/>
+          </a:prstGeom>
+          <a:noFill/>
+        </p:spPr>
+        <p:txBody>
+          <a:bodyPr wrap="square">
+            <a:spAutoFit/>
+          </a:bodyPr>
+          <a:lstStyle/>
+          <a:p>
+            <a:pPr>
+              <a:lnSpc>
+                <a:spcPct val="150000"/>
+              </a:lnSpc>
+            </a:pPr>
+            <a:r>
+              <a:rPr lang="en-GB" sz="3200" dirty="0">
+                <a:latin typeface="Abadi" panose="020B0604020104020204" pitchFamily="34" charset="0"/>
+              </a:rPr>
+              <a:t>- </a:t>
+            </a:r>
+            <a:r>
+              <a:rPr lang="en-GB" sz="3200" dirty="0" err="1">
+                <a:latin typeface="Abadi" panose="020B0604020104020204" pitchFamily="34" charset="0"/>
+              </a:rPr>
+              <a:t>PvP_battle</a:t>
+            </a:r>
+            <a:r>
+              <a:rPr lang="en-GB" sz="3200" dirty="0">
+                <a:latin typeface="Abadi" panose="020B0604020104020204" pitchFamily="34" charset="0"/>
+              </a:rPr>
+              <a:t>()</a:t>
+            </a:r>
+          </a:p>
+        </p:txBody>
+      </p:sp>
+      <p:pic>
+        <p:nvPicPr>
+          <p:cNvPr id="11" name="Picture 4">
+            <a:extLst>
+              <a:ext uri="{FF2B5EF4-FFF2-40B4-BE49-F238E27FC236}">
+                <a16:creationId xmlns:a16="http://schemas.microsoft.com/office/drawing/2014/main" id="{80312983-12AF-401E-922B-1CF4801D4EE4}"/>
+              </a:ext>
+            </a:extLst>
+          </p:cNvPr>
+          <p:cNvPicPr>
+            <a:picLocks noChangeAspect="1" noChangeArrowheads="1"/>
+          </p:cNvPicPr>
+          <p:nvPr/>
+        </p:nvPicPr>
+        <p:blipFill>
+          <a:blip r:embed="rId2">
+            <a:extLst>
+              <a:ext uri="{28A0092B-C50C-407E-A947-70E740481C1C}">
+                <a14:useLocalDpi xmlns:a14="http://schemas.microsoft.com/office/drawing/2010/main" val="0"/>
+              </a:ext>
+            </a:extLst>
+          </a:blip>
+          <a:srcRect/>
+          <a:stretch>
+            <a:fillRect/>
+          </a:stretch>
+        </p:blipFill>
+        <p:spPr bwMode="auto">
+          <a:xfrm>
+            <a:off x="6345842" y="986184"/>
+            <a:ext cx="4553931" cy="5006016"/>
+          </a:xfrm>
+          <a:prstGeom prst="rect">
+            <a:avLst/>
+          </a:prstGeom>
+          <a:noFill/>
+          <a:extLst>
+            <a:ext uri="{909E8E84-426E-40DD-AFC4-6F175D3DCCD1}">
+              <a14:hiddenFill xmlns:a14="http://schemas.microsoft.com/office/drawing/2010/main">
+                <a:solidFill>
+                  <a:srgbClr val="FFFFFF"/>
+                </a:solidFill>
+              </a14:hiddenFill>
+            </a:ext>
+          </a:extLst>
+        </p:spPr>
+      </p:pic>
+      <p:pic>
+        <p:nvPicPr>
+          <p:cNvPr id="12" name="Picture 6">
+            <a:extLst>
+              <a:ext uri="{FF2B5EF4-FFF2-40B4-BE49-F238E27FC236}">
+                <a16:creationId xmlns:a16="http://schemas.microsoft.com/office/drawing/2014/main" id="{D668B831-A72E-468D-9B84-CA3E29D02C7A}"/>
+              </a:ext>
+            </a:extLst>
+          </p:cNvPr>
+          <p:cNvPicPr>
+            <a:picLocks noChangeAspect="1" noChangeArrowheads="1"/>
+          </p:cNvPicPr>
+          <p:nvPr/>
+        </p:nvPicPr>
+        <p:blipFill>
+          <a:blip r:embed="rId3">
+            <a:extLst>
+              <a:ext uri="{28A0092B-C50C-407E-A947-70E740481C1C}">
+                <a14:useLocalDpi xmlns:a14="http://schemas.microsoft.com/office/drawing/2010/main" val="0"/>
+              </a:ext>
+            </a:extLst>
+          </a:blip>
+          <a:srcRect/>
+          <a:stretch>
+            <a:fillRect/>
+          </a:stretch>
+        </p:blipFill>
+        <p:spPr bwMode="auto">
+          <a:xfrm>
+            <a:off x="2070131" y="1732265"/>
+            <a:ext cx="2793921" cy="3879642"/>
+          </a:xfrm>
+          <a:prstGeom prst="rect">
+            <a:avLst/>
+          </a:prstGeom>
+          <a:noFill/>
+          <a:extLst>
+            <a:ext uri="{909E8E84-426E-40DD-AFC4-6F175D3DCCD1}">
+              <a14:hiddenFill xmlns:a14="http://schemas.microsoft.com/office/drawing/2010/main">
+                <a:solidFill>
+                  <a:srgbClr val="FFFFFF"/>
+                </a:solidFill>
+              </a14:hiddenFill>
+            </a:ext>
+          </a:extLst>
+        </p:spPr>
+      </p:pic>
+      <p:sp>
+        <p:nvSpPr>
+          <p:cNvPr id="13" name="TextBox 2">
+            <a:extLst>
+              <a:ext uri="{FF2B5EF4-FFF2-40B4-BE49-F238E27FC236}">
+                <a16:creationId xmlns:a16="http://schemas.microsoft.com/office/drawing/2014/main" id="{38D5F7C1-3429-4FD2-9AF2-D02AFCA7B6EB}"/>
+              </a:ext>
+            </a:extLst>
+          </p:cNvPr>
+          <p:cNvSpPr txBox="1"/>
+          <p:nvPr/>
+        </p:nvSpPr>
+        <p:spPr>
+          <a:xfrm>
+            <a:off x="2227869" y="5992200"/>
+            <a:ext cx="3958555" cy="307777"/>
           </a:xfrm>
           <a:prstGeom prst="rect">
             <a:avLst/>
@@ -7060,7 +6082,108 @@
                 <a:effectLst/>
                 <a:latin typeface="Arial" panose="020B0604020202020204" pitchFamily="34" charset="0"/>
               </a:rPr>
-              <a:t>Fig. rand() to randomizes a template</a:t>
+              <a:t>Fig. State Machine Diagram of </a:t>
+            </a:r>
+            <a:r>
+              <a:rPr lang="en-US" sz="1400" b="0" i="0" u="none" strike="noStrike" dirty="0" err="1">
+                <a:solidFill>
+                  <a:srgbClr val="000000"/>
+                </a:solidFill>
+                <a:effectLst/>
+                <a:latin typeface="Arial" panose="020B0604020202020204" pitchFamily="34" charset="0"/>
+              </a:rPr>
+              <a:t>PvP_Battle</a:t>
+            </a:r>
+            <a:r>
+              <a:rPr lang="en-US" sz="1400" b="0" i="0" u="none" strike="noStrike" dirty="0">
+                <a:solidFill>
+                  <a:srgbClr val="000000"/>
+                </a:solidFill>
+                <a:effectLst/>
+                <a:latin typeface="Arial" panose="020B0604020202020204" pitchFamily="34" charset="0"/>
+              </a:rPr>
+              <a:t>()</a:t>
+            </a:r>
+            <a:endParaRPr lang="en-DE" sz="1400" dirty="0"/>
+          </a:p>
+        </p:txBody>
+      </p:sp>
+      <p:sp>
+        <p:nvSpPr>
+          <p:cNvPr id="14" name="TextBox 14">
+            <a:extLst>
+              <a:ext uri="{FF2B5EF4-FFF2-40B4-BE49-F238E27FC236}">
+                <a16:creationId xmlns:a16="http://schemas.microsoft.com/office/drawing/2014/main" id="{468435AD-6A9A-4C44-94D2-909E94285745}"/>
+              </a:ext>
+            </a:extLst>
+          </p:cNvPr>
+          <p:cNvSpPr txBox="1"/>
+          <p:nvPr/>
+        </p:nvSpPr>
+        <p:spPr>
+          <a:xfrm>
+            <a:off x="6789362" y="5992200"/>
+            <a:ext cx="3274992" cy="523220"/>
+          </a:xfrm>
+          <a:prstGeom prst="rect">
+            <a:avLst/>
+          </a:prstGeom>
+          <a:noFill/>
+        </p:spPr>
+        <p:txBody>
+          <a:bodyPr wrap="square" rtlCol="0">
+            <a:spAutoFit/>
+          </a:bodyPr>
+          <a:lstStyle/>
+          <a:p>
+            <a:r>
+              <a:rPr lang="en-US" sz="1400" b="0" i="0" u="none" strike="noStrike" dirty="0">
+                <a:solidFill>
+                  <a:srgbClr val="000000"/>
+                </a:solidFill>
+                <a:effectLst/>
+                <a:latin typeface="Arial" panose="020B0604020202020204" pitchFamily="34" charset="0"/>
+              </a:rPr>
+              <a:t>Fig. Activity Diagram of </a:t>
+            </a:r>
+            <a:r>
+              <a:rPr lang="en-US" sz="1400" b="0" i="0" u="none" strike="noStrike" dirty="0" err="1">
+                <a:solidFill>
+                  <a:srgbClr val="000000"/>
+                </a:solidFill>
+                <a:effectLst/>
+                <a:latin typeface="Arial" panose="020B0604020202020204" pitchFamily="34" charset="0"/>
+              </a:rPr>
+              <a:t>PvP_Battle</a:t>
+            </a:r>
+            <a:r>
+              <a:rPr lang="en-US" sz="1400" b="0" i="0" u="none" strike="noStrike" dirty="0">
+                <a:solidFill>
+                  <a:srgbClr val="000000"/>
+                </a:solidFill>
+                <a:effectLst/>
+                <a:latin typeface="Arial" panose="020B0604020202020204" pitchFamily="34" charset="0"/>
+              </a:rPr>
+              <a:t>() </a:t>
+            </a:r>
+            <a:br>
+              <a:rPr lang="en-US" sz="1400" b="0" i="0" u="none" strike="noStrike" dirty="0">
+                <a:solidFill>
+                  <a:srgbClr val="000000"/>
+                </a:solidFill>
+                <a:effectLst/>
+                <a:latin typeface="Arial" panose="020B0604020202020204" pitchFamily="34" charset="0"/>
+              </a:rPr>
+            </a:br>
+            <a:r>
+              <a:rPr lang="en-US" sz="1400" b="0" i="0" u="none" strike="noStrike" dirty="0">
+                <a:solidFill>
+                  <a:srgbClr val="000000"/>
+                </a:solidFill>
+                <a:effectLst/>
+                <a:latin typeface="Arial" panose="020B0604020202020204" pitchFamily="34" charset="0"/>
+              </a:rPr>
+              <a:t>compared to Player vs AI Mode</a:t>
             </a:r>
             <a:endParaRPr lang="en-DE" sz="1400" dirty="0"/>
           </a:p>
@@ -7069,7 +6192,474 @@
     </p:spTree>
     <p:extLst>
       <p:ext uri="{BB962C8B-B14F-4D97-AF65-F5344CB8AC3E}">
-        <p14:creationId xmlns:p14="http://schemas.microsoft.com/office/powerpoint/2010/main" val="1276845166"/>
+        <p14:creationId xmlns:p14="http://schemas.microsoft.com/office/powerpoint/2010/main" val="1706941799"/>
+      </p:ext>
+    </p:extLst>
+  </p:cSld>
+  <p:clrMapOvr>
+    <a:masterClrMapping/>
+  </p:clrMapOvr>
+</p:sld>
+</file>
+
+<file path=ppt/slides/slide13.xml><?xml version="1.0" encoding="utf-8"?>
+<p:sld xmlns:a="http://schemas.openxmlformats.org/drawingml/2006/main" xmlns:r="http://schemas.openxmlformats.org/officeDocument/2006/relationships" xmlns:p="http://schemas.openxmlformats.org/presentationml/2006/main">
+  <p:cSld>
+    <p:spTree>
+      <p:nvGrpSpPr>
+        <p:cNvPr id="1" name=""/>
+        <p:cNvGrpSpPr/>
+        <p:nvPr/>
+      </p:nvGrpSpPr>
+      <p:grpSpPr>
+        <a:xfrm>
+          <a:off x="0" y="0"/>
+          <a:ext cx="0" cy="0"/>
+          <a:chOff x="0" y="0"/>
+          <a:chExt cx="0" cy="0"/>
+        </a:xfrm>
+      </p:grpSpPr>
+      <p:sp>
+        <p:nvSpPr>
+          <p:cNvPr id="4" name="矩形 3">
+            <a:extLst>
+              <a:ext uri="{FF2B5EF4-FFF2-40B4-BE49-F238E27FC236}">
+                <a16:creationId xmlns:a16="http://schemas.microsoft.com/office/drawing/2014/main" id="{E6EA42BE-5F57-48BD-8EC9-05BCD1C20B30}"/>
+              </a:ext>
+            </a:extLst>
+          </p:cNvPr>
+          <p:cNvSpPr/>
+          <p:nvPr/>
+        </p:nvSpPr>
+        <p:spPr>
+          <a:xfrm>
+            <a:off x="977900" y="1447800"/>
+            <a:ext cx="1371600" cy="1371600"/>
+          </a:xfrm>
+          <a:prstGeom prst="rect">
+            <a:avLst/>
+          </a:prstGeom>
+          <a:noFill/>
+          <a:ln w="57150">
+            <a:solidFill>
+              <a:schemeClr val="bg1"/>
+            </a:solidFill>
+          </a:ln>
+        </p:spPr>
+        <p:style>
+          <a:lnRef idx="2">
+            <a:schemeClr val="accent1">
+              <a:shade val="50000"/>
+            </a:schemeClr>
+          </a:lnRef>
+          <a:fillRef idx="1">
+            <a:schemeClr val="accent1"/>
+          </a:fillRef>
+          <a:effectRef idx="0">
+            <a:schemeClr val="accent1"/>
+          </a:effectRef>
+          <a:fontRef idx="minor">
+            <a:schemeClr val="lt1"/>
+          </a:fontRef>
+        </p:style>
+        <p:txBody>
+          <a:bodyPr rtlCol="0" anchor="ctr"/>
+          <a:lstStyle/>
+          <a:p>
+            <a:pPr algn="ctr"/>
+            <a:endParaRPr lang="en-US" dirty="0"/>
+          </a:p>
+        </p:txBody>
+      </p:sp>
+      <p:sp>
+        <p:nvSpPr>
+          <p:cNvPr id="6" name="矩形 5">
+            <a:extLst>
+              <a:ext uri="{FF2B5EF4-FFF2-40B4-BE49-F238E27FC236}">
+                <a16:creationId xmlns:a16="http://schemas.microsoft.com/office/drawing/2014/main" id="{BB0839DE-B4DB-453C-BE83-560B4D2DAFCF}"/>
+              </a:ext>
+            </a:extLst>
+          </p:cNvPr>
+          <p:cNvSpPr/>
+          <p:nvPr/>
+        </p:nvSpPr>
+        <p:spPr>
+          <a:xfrm>
+            <a:off x="3213100" y="1447800"/>
+            <a:ext cx="1371600" cy="1371600"/>
+          </a:xfrm>
+          <a:prstGeom prst="rect">
+            <a:avLst/>
+          </a:prstGeom>
+          <a:noFill/>
+          <a:ln w="57150">
+            <a:solidFill>
+              <a:schemeClr val="bg1"/>
+            </a:solidFill>
+          </a:ln>
+        </p:spPr>
+        <p:style>
+          <a:lnRef idx="2">
+            <a:schemeClr val="accent1">
+              <a:shade val="50000"/>
+            </a:schemeClr>
+          </a:lnRef>
+          <a:fillRef idx="1">
+            <a:schemeClr val="accent1"/>
+          </a:fillRef>
+          <a:effectRef idx="0">
+            <a:schemeClr val="accent1"/>
+          </a:effectRef>
+          <a:fontRef idx="minor">
+            <a:schemeClr val="lt1"/>
+          </a:fontRef>
+        </p:style>
+        <p:txBody>
+          <a:bodyPr rtlCol="0" anchor="ctr"/>
+          <a:lstStyle/>
+          <a:p>
+            <a:pPr algn="ctr"/>
+            <a:endParaRPr lang="en-US" dirty="0"/>
+          </a:p>
+        </p:txBody>
+      </p:sp>
+      <p:sp>
+        <p:nvSpPr>
+          <p:cNvPr id="27" name="矩形 26">
+            <a:extLst>
+              <a:ext uri="{FF2B5EF4-FFF2-40B4-BE49-F238E27FC236}">
+                <a16:creationId xmlns:a16="http://schemas.microsoft.com/office/drawing/2014/main" id="{EE4FA404-9907-424A-B8C3-2E11C8A5D563}"/>
+              </a:ext>
+            </a:extLst>
+          </p:cNvPr>
+          <p:cNvSpPr/>
+          <p:nvPr/>
+        </p:nvSpPr>
+        <p:spPr>
+          <a:xfrm>
+            <a:off x="-295342" y="-616375"/>
+            <a:ext cx="6781800" cy="1408908"/>
+          </a:xfrm>
+          <a:prstGeom prst="rect">
+            <a:avLst/>
+          </a:prstGeom>
+          <a:solidFill>
+            <a:srgbClr val="29294C"/>
+          </a:solidFill>
+        </p:spPr>
+        <p:style>
+          <a:lnRef idx="2">
+            <a:schemeClr val="accent1">
+              <a:shade val="50000"/>
+            </a:schemeClr>
+          </a:lnRef>
+          <a:fillRef idx="1">
+            <a:schemeClr val="accent1"/>
+          </a:fillRef>
+          <a:effectRef idx="0">
+            <a:schemeClr val="accent1"/>
+          </a:effectRef>
+          <a:fontRef idx="minor">
+            <a:schemeClr val="lt1"/>
+          </a:fontRef>
+        </p:style>
+        <p:txBody>
+          <a:bodyPr rtlCol="0" anchor="ctr"/>
+          <a:lstStyle/>
+          <a:p>
+            <a:pPr algn="ctr"/>
+            <a:endParaRPr lang="en-US"/>
+          </a:p>
+        </p:txBody>
+      </p:sp>
+      <p:sp>
+        <p:nvSpPr>
+          <p:cNvPr id="28" name="文字方塊 27">
+            <a:extLst>
+              <a:ext uri="{FF2B5EF4-FFF2-40B4-BE49-F238E27FC236}">
+                <a16:creationId xmlns:a16="http://schemas.microsoft.com/office/drawing/2014/main" id="{74CAFAEB-C8FD-4AA4-A59D-6B8EC3F3E19A}"/>
+              </a:ext>
+            </a:extLst>
+          </p:cNvPr>
+          <p:cNvSpPr txBox="1"/>
+          <p:nvPr/>
+        </p:nvSpPr>
+        <p:spPr>
+          <a:xfrm>
+            <a:off x="180922" y="-5231"/>
+            <a:ext cx="4150495" cy="769441"/>
+          </a:xfrm>
+          <a:prstGeom prst="rect">
+            <a:avLst/>
+          </a:prstGeom>
+          <a:noFill/>
+        </p:spPr>
+        <p:txBody>
+          <a:bodyPr wrap="none" rtlCol="0">
+            <a:spAutoFit/>
+          </a:bodyPr>
+          <a:lstStyle/>
+          <a:p>
+            <a:r>
+              <a:rPr lang="de-DE" sz="4400" dirty="0">
+                <a:solidFill>
+                  <a:schemeClr val="bg1"/>
+                </a:solidFill>
+                <a:latin typeface="Abadi" panose="020B0604020104020204" pitchFamily="34" charset="0"/>
+              </a:rPr>
+              <a:t>Implementations</a:t>
+            </a:r>
+            <a:endParaRPr lang="en-US" sz="4400" dirty="0">
+              <a:solidFill>
+                <a:schemeClr val="bg1"/>
+              </a:solidFill>
+              <a:latin typeface="Abadi" panose="020B0604020104020204" pitchFamily="34" charset="0"/>
+            </a:endParaRPr>
+          </a:p>
+        </p:txBody>
+      </p:sp>
+      <p:sp>
+        <p:nvSpPr>
+          <p:cNvPr id="21" name="文字方塊 20">
+            <a:extLst>
+              <a:ext uri="{FF2B5EF4-FFF2-40B4-BE49-F238E27FC236}">
+                <a16:creationId xmlns:a16="http://schemas.microsoft.com/office/drawing/2014/main" id="{C2321439-2B70-455C-B674-205EF9990C16}"/>
+              </a:ext>
+            </a:extLst>
+          </p:cNvPr>
+          <p:cNvSpPr txBox="1"/>
+          <p:nvPr/>
+        </p:nvSpPr>
+        <p:spPr>
+          <a:xfrm>
+            <a:off x="240854" y="792533"/>
+            <a:ext cx="6245604" cy="753283"/>
+          </a:xfrm>
+          <a:prstGeom prst="rect">
+            <a:avLst/>
+          </a:prstGeom>
+          <a:noFill/>
+        </p:spPr>
+        <p:txBody>
+          <a:bodyPr wrap="square">
+            <a:spAutoFit/>
+          </a:bodyPr>
+          <a:lstStyle/>
+          <a:p>
+            <a:pPr>
+              <a:lnSpc>
+                <a:spcPct val="150000"/>
+              </a:lnSpc>
+            </a:pPr>
+            <a:r>
+              <a:rPr lang="en-GB" sz="3200" dirty="0">
+                <a:latin typeface="Abadi" panose="020B0604020104020204" pitchFamily="34" charset="0"/>
+              </a:rPr>
+              <a:t>- </a:t>
+            </a:r>
+            <a:r>
+              <a:rPr lang="en-GB" sz="3200" dirty="0" err="1">
+                <a:latin typeface="Abadi" panose="020B0604020104020204" pitchFamily="34" charset="0"/>
+              </a:rPr>
+              <a:t>AI_battle</a:t>
+            </a:r>
+            <a:r>
+              <a:rPr lang="en-GB" sz="3200" dirty="0">
+                <a:latin typeface="Abadi" panose="020B0604020104020204" pitchFamily="34" charset="0"/>
+              </a:rPr>
+              <a:t>()</a:t>
+            </a:r>
+          </a:p>
+        </p:txBody>
+      </p:sp>
+      <p:pic>
+        <p:nvPicPr>
+          <p:cNvPr id="2050" name="Picture 2">
+            <a:extLst>
+              <a:ext uri="{FF2B5EF4-FFF2-40B4-BE49-F238E27FC236}">
+                <a16:creationId xmlns:a16="http://schemas.microsoft.com/office/drawing/2014/main" id="{5ECFA90E-52B5-46C3-AA29-DB1E8A85D7E3}"/>
+              </a:ext>
+            </a:extLst>
+          </p:cNvPr>
+          <p:cNvPicPr>
+            <a:picLocks noChangeAspect="1" noChangeArrowheads="1"/>
+          </p:cNvPicPr>
+          <p:nvPr/>
+        </p:nvPicPr>
+        <p:blipFill>
+          <a:blip r:embed="rId2">
+            <a:extLst>
+              <a:ext uri="{28A0092B-C50C-407E-A947-70E740481C1C}">
+                <a14:useLocalDpi xmlns:a14="http://schemas.microsoft.com/office/drawing/2010/main" val="0"/>
+              </a:ext>
+            </a:extLst>
+          </a:blip>
+          <a:srcRect/>
+          <a:stretch>
+            <a:fillRect/>
+          </a:stretch>
+        </p:blipFill>
+        <p:spPr bwMode="auto">
+          <a:xfrm>
+            <a:off x="771092" y="3407183"/>
+            <a:ext cx="5395967" cy="2733837"/>
+          </a:xfrm>
+          <a:prstGeom prst="rect">
+            <a:avLst/>
+          </a:prstGeom>
+          <a:noFill/>
+          <a:extLst>
+            <a:ext uri="{909E8E84-426E-40DD-AFC4-6F175D3DCCD1}">
+              <a14:hiddenFill xmlns:a14="http://schemas.microsoft.com/office/drawing/2010/main">
+                <a:solidFill>
+                  <a:srgbClr val="FFFFFF"/>
+                </a:solidFill>
+              </a14:hiddenFill>
+            </a:ext>
+          </a:extLst>
+        </p:spPr>
+      </p:pic>
+      <p:pic>
+        <p:nvPicPr>
+          <p:cNvPr id="2052" name="Picture 4">
+            <a:extLst>
+              <a:ext uri="{FF2B5EF4-FFF2-40B4-BE49-F238E27FC236}">
+                <a16:creationId xmlns:a16="http://schemas.microsoft.com/office/drawing/2014/main" id="{9C3590DC-A8B2-4196-8405-772D97169217}"/>
+              </a:ext>
+            </a:extLst>
+          </p:cNvPr>
+          <p:cNvPicPr>
+            <a:picLocks noChangeAspect="1" noChangeArrowheads="1"/>
+          </p:cNvPicPr>
+          <p:nvPr/>
+        </p:nvPicPr>
+        <p:blipFill>
+          <a:blip r:embed="rId3">
+            <a:extLst>
+              <a:ext uri="{28A0092B-C50C-407E-A947-70E740481C1C}">
+                <a14:useLocalDpi xmlns:a14="http://schemas.microsoft.com/office/drawing/2010/main" val="0"/>
+              </a:ext>
+            </a:extLst>
+          </a:blip>
+          <a:srcRect/>
+          <a:stretch>
+            <a:fillRect/>
+          </a:stretch>
+        </p:blipFill>
+        <p:spPr bwMode="auto">
+          <a:xfrm>
+            <a:off x="7350058" y="667624"/>
+            <a:ext cx="4042192" cy="5882944"/>
+          </a:xfrm>
+          <a:prstGeom prst="rect">
+            <a:avLst/>
+          </a:prstGeom>
+          <a:noFill/>
+          <a:extLst>
+            <a:ext uri="{909E8E84-426E-40DD-AFC4-6F175D3DCCD1}">
+              <a14:hiddenFill xmlns:a14="http://schemas.microsoft.com/office/drawing/2010/main">
+                <a:solidFill>
+                  <a:srgbClr val="FFFFFF"/>
+                </a:solidFill>
+              </a14:hiddenFill>
+            </a:ext>
+          </a:extLst>
+        </p:spPr>
+      </p:pic>
+      <p:sp>
+        <p:nvSpPr>
+          <p:cNvPr id="2" name="文字方塊 1">
+            <a:extLst>
+              <a:ext uri="{FF2B5EF4-FFF2-40B4-BE49-F238E27FC236}">
+                <a16:creationId xmlns:a16="http://schemas.microsoft.com/office/drawing/2014/main" id="{884FD857-D6BC-4D05-A9D1-C52A219F7EC8}"/>
+              </a:ext>
+            </a:extLst>
+          </p:cNvPr>
+          <p:cNvSpPr txBox="1"/>
+          <p:nvPr/>
+        </p:nvSpPr>
+        <p:spPr>
+          <a:xfrm>
+            <a:off x="977900" y="1896070"/>
+            <a:ext cx="2173993" cy="369332"/>
+          </a:xfrm>
+          <a:prstGeom prst="rect">
+            <a:avLst/>
+          </a:prstGeom>
+          <a:noFill/>
+        </p:spPr>
+        <p:txBody>
+          <a:bodyPr wrap="none" rtlCol="0">
+            <a:spAutoFit/>
+          </a:bodyPr>
+          <a:lstStyle/>
+          <a:p>
+            <a:r>
+              <a:rPr lang="de-DE" dirty="0">
+                <a:latin typeface="Abadi" panose="020B0604020104020204" pitchFamily="34" charset="0"/>
+              </a:rPr>
+              <a:t>Usage of smart_grid</a:t>
+            </a:r>
+          </a:p>
+        </p:txBody>
+      </p:sp>
+      <p:sp>
+        <p:nvSpPr>
+          <p:cNvPr id="16" name="文字方塊 15">
+            <a:extLst>
+              <a:ext uri="{FF2B5EF4-FFF2-40B4-BE49-F238E27FC236}">
+                <a16:creationId xmlns:a16="http://schemas.microsoft.com/office/drawing/2014/main" id="{8BA4F02B-6663-4690-BD68-591FAB4DCFC0}"/>
+              </a:ext>
+            </a:extLst>
+          </p:cNvPr>
+          <p:cNvSpPr txBox="1"/>
+          <p:nvPr/>
+        </p:nvSpPr>
+        <p:spPr>
+          <a:xfrm>
+            <a:off x="977900" y="2292899"/>
+            <a:ext cx="2151551" cy="923330"/>
+          </a:xfrm>
+          <a:prstGeom prst="rect">
+            <a:avLst/>
+          </a:prstGeom>
+          <a:noFill/>
+        </p:spPr>
+        <p:txBody>
+          <a:bodyPr wrap="none" rtlCol="0">
+            <a:spAutoFit/>
+          </a:bodyPr>
+          <a:lstStyle/>
+          <a:p>
+            <a:r>
+              <a:rPr lang="de-DE" dirty="0">
+                <a:latin typeface="Abadi" panose="020B0604020104020204" pitchFamily="34" charset="0"/>
+              </a:rPr>
+              <a:t>Advance searching :</a:t>
+            </a:r>
+          </a:p>
+          <a:p>
+            <a:r>
+              <a:rPr lang="de-DE" dirty="0">
+                <a:latin typeface="Abadi" panose="020B0604020104020204" pitchFamily="34" charset="0"/>
+              </a:rPr>
+              <a:t>1. Random mode</a:t>
+            </a:r>
+          </a:p>
+          <a:p>
+            <a:r>
+              <a:rPr lang="de-DE" dirty="0">
+                <a:latin typeface="Abadi" panose="020B0604020104020204" pitchFamily="34" charset="0"/>
+              </a:rPr>
+              <a:t>2. Scanning mode</a:t>
+            </a:r>
+          </a:p>
+        </p:txBody>
+      </p:sp>
+    </p:spTree>
+    <p:extLst>
+      <p:ext uri="{BB962C8B-B14F-4D97-AF65-F5344CB8AC3E}">
+        <p14:creationId xmlns:p14="http://schemas.microsoft.com/office/powerpoint/2010/main" val="817743845"/>
       </p:ext>
     </p:extLst>
   </p:cSld>
@@ -7494,6 +7084,55 @@
       </p:grpSpPr>
       <p:sp>
         <p:nvSpPr>
+          <p:cNvPr id="4" name="矩形 3">
+            <a:extLst>
+              <a:ext uri="{FF2B5EF4-FFF2-40B4-BE49-F238E27FC236}">
+                <a16:creationId xmlns:a16="http://schemas.microsoft.com/office/drawing/2014/main" id="{7259BA1D-13F9-4D15-84CE-88BBAFE79EDB}"/>
+              </a:ext>
+            </a:extLst>
+          </p:cNvPr>
+          <p:cNvSpPr/>
+          <p:nvPr/>
+        </p:nvSpPr>
+        <p:spPr>
+          <a:xfrm>
+            <a:off x="2705100" y="2915650"/>
+            <a:ext cx="6781800" cy="1408908"/>
+          </a:xfrm>
+          <a:prstGeom prst="rect">
+            <a:avLst/>
+          </a:prstGeom>
+          <a:solidFill>
+            <a:srgbClr val="29294C"/>
+          </a:solidFill>
+        </p:spPr>
+        <p:style>
+          <a:lnRef idx="2">
+            <a:schemeClr val="accent1">
+              <a:shade val="50000"/>
+            </a:schemeClr>
+          </a:lnRef>
+          <a:fillRef idx="1">
+            <a:schemeClr val="accent1"/>
+          </a:fillRef>
+          <a:effectRef idx="0">
+            <a:schemeClr val="accent1"/>
+          </a:effectRef>
+          <a:fontRef idx="minor">
+            <a:schemeClr val="lt1"/>
+          </a:fontRef>
+        </p:style>
+        <p:txBody>
+          <a:bodyPr rtlCol="0" anchor="ctr"/>
+          <a:lstStyle/>
+          <a:p>
+            <a:pPr algn="ctr"/>
+            <a:endParaRPr lang="en-US"/>
+          </a:p>
+        </p:txBody>
+      </p:sp>
+      <p:sp>
+        <p:nvSpPr>
           <p:cNvPr id="2" name="標題 1">
             <a:extLst>
               <a:ext uri="{FF2B5EF4-FFF2-40B4-BE49-F238E27FC236}">
@@ -7510,75 +7149,34 @@
         </p:nvSpPr>
         <p:spPr>
           <a:xfrm>
-            <a:off x="4151851" y="4366674"/>
+            <a:off x="4663579" y="2998995"/>
             <a:ext cx="10515600" cy="1325563"/>
           </a:xfrm>
         </p:spPr>
         <p:txBody>
           <a:bodyPr>
-            <a:normAutofit fontScale="90000"/>
+            <a:normAutofit/>
           </a:bodyPr>
           <a:lstStyle/>
           <a:p>
             <a:r>
-              <a:rPr lang="de-DE" sz="9600" dirty="0">
+              <a:rPr lang="de-DE" sz="6600" dirty="0">
+                <a:solidFill>
+                  <a:schemeClr val="bg1"/>
+                </a:solidFill>
                 <a:latin typeface="Abadi" panose="020B0604020104020204" pitchFamily="34" charset="0"/>
               </a:rPr>
               <a:t>Q &amp; A</a:t>
             </a:r>
-            <a:endParaRPr lang="en-US" sz="9600" dirty="0">
+            <a:endParaRPr lang="en-US" sz="6600" dirty="0">
+              <a:solidFill>
+                <a:schemeClr val="bg1"/>
+              </a:solidFill>
               <a:latin typeface="Abadi" panose="020B0604020104020204" pitchFamily="34" charset="0"/>
             </a:endParaRPr>
           </a:p>
         </p:txBody>
       </p:sp>
-      <p:pic>
-        <p:nvPicPr>
-          <p:cNvPr id="2050" name="Picture 2">
-            <a:extLst>
-              <a:ext uri="{FF2B5EF4-FFF2-40B4-BE49-F238E27FC236}">
-                <a16:creationId xmlns:a16="http://schemas.microsoft.com/office/drawing/2014/main" id="{F146BFF2-95E8-4457-A404-EA6341995C06}"/>
-              </a:ext>
-            </a:extLst>
-          </p:cNvPr>
-          <p:cNvPicPr>
-            <a:picLocks noChangeAspect="1" noChangeArrowheads="1"/>
-          </p:cNvPicPr>
-          <p:nvPr/>
-        </p:nvPicPr>
-        <p:blipFill>
-          <a:blip r:embed="rId2">
-            <a:extLst>
-              <a:ext uri="{28A0092B-C50C-407E-A947-70E740481C1C}">
-                <a14:useLocalDpi xmlns:a14="http://schemas.microsoft.com/office/drawing/2010/main" val="0"/>
-              </a:ext>
-            </a:extLst>
-          </a:blip>
-          <a:srcRect/>
-          <a:stretch>
-            <a:fillRect/>
-          </a:stretch>
-        </p:blipFill>
-        <p:spPr bwMode="auto">
-          <a:xfrm>
-            <a:off x="2767580" y="1181638"/>
-            <a:ext cx="5734050" cy="2619375"/>
-          </a:xfrm>
-          <a:prstGeom prst="rect">
-            <a:avLst/>
-          </a:prstGeom>
-          <a:noFill/>
-          <a:extLst>
-            <a:ext uri="{909E8E84-426E-40DD-AFC4-6F175D3DCCD1}">
-              <a14:hiddenFill xmlns:a14="http://schemas.microsoft.com/office/drawing/2010/main">
-                <a:solidFill>
-                  <a:srgbClr val="FFFFFF"/>
-                </a:solidFill>
-              </a14:hiddenFill>
-            </a:ext>
-          </a:extLst>
-        </p:spPr>
-      </p:pic>
     </p:spTree>
     <p:extLst>
       <p:ext uri="{BB962C8B-B14F-4D97-AF65-F5344CB8AC3E}">
@@ -26349,6 +25947,282 @@
           </a:p>
         </p:txBody>
       </p:sp>
+      <p:sp>
+        <p:nvSpPr>
+          <p:cNvPr id="13" name="Text Placeholder 5">
+            <a:extLst>
+              <a:ext uri="{FF2B5EF4-FFF2-40B4-BE49-F238E27FC236}">
+                <a16:creationId xmlns:a16="http://schemas.microsoft.com/office/drawing/2014/main" id="{D68B99EE-E838-4D8D-9FD3-FB14B8432242}"/>
+              </a:ext>
+            </a:extLst>
+          </p:cNvPr>
+          <p:cNvSpPr txBox="1">
+            <a:spLocks/>
+          </p:cNvSpPr>
+          <p:nvPr/>
+        </p:nvSpPr>
+        <p:spPr>
+          <a:xfrm>
+            <a:off x="515974" y="3046412"/>
+            <a:ext cx="3932237" cy="3811588"/>
+          </a:xfrm>
+          <a:prstGeom prst="rect">
+            <a:avLst/>
+          </a:prstGeom>
+        </p:spPr>
+        <p:txBody>
+          <a:bodyPr/>
+          <a:lstStyle>
+            <a:lvl1pPr marL="228600" indent="-228600" algn="l" defTabSz="914400" rtl="0" eaLnBrk="1" latinLnBrk="0" hangingPunct="1">
+              <a:lnSpc>
+                <a:spcPct val="90000"/>
+              </a:lnSpc>
+              <a:spcBef>
+                <a:spcPts val="1000"/>
+              </a:spcBef>
+              <a:buFont typeface="Arial" panose="020B0604020202020204" pitchFamily="34" charset="0"/>
+              <a:buChar char="•"/>
+              <a:defRPr sz="2800" kern="1200">
+                <a:solidFill>
+                  <a:schemeClr val="tx1"/>
+                </a:solidFill>
+                <a:latin typeface="+mn-lt"/>
+                <a:ea typeface="+mn-ea"/>
+                <a:cs typeface="+mn-cs"/>
+              </a:defRPr>
+            </a:lvl1pPr>
+            <a:lvl2pPr marL="685800" indent="-228600" algn="l" defTabSz="914400" rtl="0" eaLnBrk="1" latinLnBrk="0" hangingPunct="1">
+              <a:lnSpc>
+                <a:spcPct val="90000"/>
+              </a:lnSpc>
+              <a:spcBef>
+                <a:spcPts val="500"/>
+              </a:spcBef>
+              <a:buFont typeface="Arial" panose="020B0604020202020204" pitchFamily="34" charset="0"/>
+              <a:buChar char="•"/>
+              <a:defRPr sz="2400" kern="1200">
+                <a:solidFill>
+                  <a:schemeClr val="tx1"/>
+                </a:solidFill>
+                <a:latin typeface="+mn-lt"/>
+                <a:ea typeface="+mn-ea"/>
+                <a:cs typeface="+mn-cs"/>
+              </a:defRPr>
+            </a:lvl2pPr>
+            <a:lvl3pPr marL="1143000" indent="-228600" algn="l" defTabSz="914400" rtl="0" eaLnBrk="1" latinLnBrk="0" hangingPunct="1">
+              <a:lnSpc>
+                <a:spcPct val="90000"/>
+              </a:lnSpc>
+              <a:spcBef>
+                <a:spcPts val="500"/>
+              </a:spcBef>
+              <a:buFont typeface="Arial" panose="020B0604020202020204" pitchFamily="34" charset="0"/>
+              <a:buChar char="•"/>
+              <a:defRPr sz="2000" kern="1200">
+                <a:solidFill>
+                  <a:schemeClr val="tx1"/>
+                </a:solidFill>
+                <a:latin typeface="+mn-lt"/>
+                <a:ea typeface="+mn-ea"/>
+                <a:cs typeface="+mn-cs"/>
+              </a:defRPr>
+            </a:lvl3pPr>
+            <a:lvl4pPr marL="1600200" indent="-228600" algn="l" defTabSz="914400" rtl="0" eaLnBrk="1" latinLnBrk="0" hangingPunct="1">
+              <a:lnSpc>
+                <a:spcPct val="90000"/>
+              </a:lnSpc>
+              <a:spcBef>
+                <a:spcPts val="500"/>
+              </a:spcBef>
+              <a:buFont typeface="Arial" panose="020B0604020202020204" pitchFamily="34" charset="0"/>
+              <a:buChar char="•"/>
+              <a:defRPr sz="1800" kern="1200">
+                <a:solidFill>
+                  <a:schemeClr val="tx1"/>
+                </a:solidFill>
+                <a:latin typeface="+mn-lt"/>
+                <a:ea typeface="+mn-ea"/>
+                <a:cs typeface="+mn-cs"/>
+              </a:defRPr>
+            </a:lvl4pPr>
+            <a:lvl5pPr marL="2057400" indent="-228600" algn="l" defTabSz="914400" rtl="0" eaLnBrk="1" latinLnBrk="0" hangingPunct="1">
+              <a:lnSpc>
+                <a:spcPct val="90000"/>
+              </a:lnSpc>
+              <a:spcBef>
+                <a:spcPts val="500"/>
+              </a:spcBef>
+              <a:buFont typeface="Arial" panose="020B0604020202020204" pitchFamily="34" charset="0"/>
+              <a:buChar char="•"/>
+              <a:defRPr sz="1800" kern="1200">
+                <a:solidFill>
+                  <a:schemeClr val="tx1"/>
+                </a:solidFill>
+                <a:latin typeface="+mn-lt"/>
+                <a:ea typeface="+mn-ea"/>
+                <a:cs typeface="+mn-cs"/>
+              </a:defRPr>
+            </a:lvl5pPr>
+            <a:lvl6pPr marL="2514600" indent="-228600" algn="l" defTabSz="914400" rtl="0" eaLnBrk="1" latinLnBrk="0" hangingPunct="1">
+              <a:lnSpc>
+                <a:spcPct val="90000"/>
+              </a:lnSpc>
+              <a:spcBef>
+                <a:spcPts val="500"/>
+              </a:spcBef>
+              <a:buFont typeface="Arial" panose="020B0604020202020204" pitchFamily="34" charset="0"/>
+              <a:buChar char="•"/>
+              <a:defRPr sz="1800" kern="1200">
+                <a:solidFill>
+                  <a:schemeClr val="tx1"/>
+                </a:solidFill>
+                <a:latin typeface="+mn-lt"/>
+                <a:ea typeface="+mn-ea"/>
+                <a:cs typeface="+mn-cs"/>
+              </a:defRPr>
+            </a:lvl6pPr>
+            <a:lvl7pPr marL="2971800" indent="-228600" algn="l" defTabSz="914400" rtl="0" eaLnBrk="1" latinLnBrk="0" hangingPunct="1">
+              <a:lnSpc>
+                <a:spcPct val="90000"/>
+              </a:lnSpc>
+              <a:spcBef>
+                <a:spcPts val="500"/>
+              </a:spcBef>
+              <a:buFont typeface="Arial" panose="020B0604020202020204" pitchFamily="34" charset="0"/>
+              <a:buChar char="•"/>
+              <a:defRPr sz="1800" kern="1200">
+                <a:solidFill>
+                  <a:schemeClr val="tx1"/>
+                </a:solidFill>
+                <a:latin typeface="+mn-lt"/>
+                <a:ea typeface="+mn-ea"/>
+                <a:cs typeface="+mn-cs"/>
+              </a:defRPr>
+            </a:lvl7pPr>
+            <a:lvl8pPr marL="3429000" indent="-228600" algn="l" defTabSz="914400" rtl="0" eaLnBrk="1" latinLnBrk="0" hangingPunct="1">
+              <a:lnSpc>
+                <a:spcPct val="90000"/>
+              </a:lnSpc>
+              <a:spcBef>
+                <a:spcPts val="500"/>
+              </a:spcBef>
+              <a:buFont typeface="Arial" panose="020B0604020202020204" pitchFamily="34" charset="0"/>
+              <a:buChar char="•"/>
+              <a:defRPr sz="1800" kern="1200">
+                <a:solidFill>
+                  <a:schemeClr val="tx1"/>
+                </a:solidFill>
+                <a:latin typeface="+mn-lt"/>
+                <a:ea typeface="+mn-ea"/>
+                <a:cs typeface="+mn-cs"/>
+              </a:defRPr>
+            </a:lvl8pPr>
+            <a:lvl9pPr marL="3886200" indent="-228600" algn="l" defTabSz="914400" rtl="0" eaLnBrk="1" latinLnBrk="0" hangingPunct="1">
+              <a:lnSpc>
+                <a:spcPct val="90000"/>
+              </a:lnSpc>
+              <a:spcBef>
+                <a:spcPts val="500"/>
+              </a:spcBef>
+              <a:buFont typeface="Arial" panose="020B0604020202020204" pitchFamily="34" charset="0"/>
+              <a:buChar char="•"/>
+              <a:defRPr sz="1800" kern="1200">
+                <a:solidFill>
+                  <a:schemeClr val="tx1"/>
+                </a:solidFill>
+                <a:latin typeface="+mn-lt"/>
+                <a:ea typeface="+mn-ea"/>
+                <a:cs typeface="+mn-cs"/>
+              </a:defRPr>
+            </a:lvl9pPr>
+          </a:lstStyle>
+          <a:p>
+            <a:pPr marL="0" indent="0">
+              <a:buNone/>
+            </a:pPr>
+            <a:r>
+              <a:rPr lang="en-US" sz="2000" dirty="0">
+                <a:latin typeface="Abadi" panose="020B0604020104020204" pitchFamily="34" charset="0"/>
+              </a:rPr>
+              <a:t>The </a:t>
+            </a:r>
+            <a:r>
+              <a:rPr lang="en-US" sz="2000" dirty="0" err="1">
+                <a:latin typeface="Abadi" panose="020B0604020104020204" pitchFamily="34" charset="0"/>
+              </a:rPr>
+              <a:t>Check_key</a:t>
+            </a:r>
+            <a:r>
+              <a:rPr lang="en-US" sz="2000" dirty="0">
+                <a:latin typeface="Abadi" panose="020B0604020104020204" pitchFamily="34" charset="0"/>
+              </a:rPr>
+              <a:t>() function consists of a while loop and a </a:t>
+            </a:r>
+            <a:r>
+              <a:rPr lang="en-US" sz="2000" dirty="0" err="1">
+                <a:latin typeface="Abadi" panose="020B0604020104020204" pitchFamily="34" charset="0"/>
+              </a:rPr>
+              <a:t>getch</a:t>
+            </a:r>
+            <a:r>
+              <a:rPr lang="en-US" sz="2000" dirty="0">
+                <a:latin typeface="Abadi" panose="020B0604020104020204" pitchFamily="34" charset="0"/>
+              </a:rPr>
+              <a:t>() function</a:t>
+            </a:r>
+            <a:endParaRPr lang="de-DE" sz="2000" dirty="0">
+              <a:latin typeface="Abadi" panose="020B0604020104020204" pitchFamily="34" charset="0"/>
+            </a:endParaRPr>
+          </a:p>
+        </p:txBody>
+      </p:sp>
+      <p:pic>
+        <p:nvPicPr>
+          <p:cNvPr id="14" name="Picture 2" descr="https://lh4.googleusercontent.com/A6d-53g_4XufSfGHcr7gzJuYHfbQBLDmGQf9a5P5CIewaZU91QOR1-tm-v6_eMb6DuRK-079qV0RwmzAJ36UjMyT4o63_8353vkyLAnoTnF7T6Ai9EnrXv6Xz3FoGJOVBLsw-HHQ">
+            <a:extLst>
+              <a:ext uri="{FF2B5EF4-FFF2-40B4-BE49-F238E27FC236}">
+                <a16:creationId xmlns:a16="http://schemas.microsoft.com/office/drawing/2014/main" id="{E5AC963B-68C7-47E8-ABBC-D0C9F7CB2A3B}"/>
+              </a:ext>
+            </a:extLst>
+          </p:cNvPr>
+          <p:cNvPicPr>
+            <a:picLocks noGrp="1" noChangeAspect="1" noChangeArrowheads="1"/>
+          </p:cNvPicPr>
+          <p:nvPr>
+            <p:ph idx="1"/>
+          </p:nvPr>
+        </p:nvPicPr>
+        <p:blipFill rotWithShape="1">
+          <a:blip r:embed="rId2">
+            <a:extLst>
+              <a:ext uri="{28A0092B-C50C-407E-A947-70E740481C1C}">
+                <a14:useLocalDpi xmlns:a14="http://schemas.microsoft.com/office/drawing/2010/main" val="0"/>
+              </a:ext>
+            </a:extLst>
+          </a:blip>
+          <a:srcRect l="8480"/>
+          <a:stretch/>
+        </p:blipFill>
+        <p:spPr bwMode="auto">
+          <a:xfrm>
+            <a:off x="5448300" y="1810432"/>
+            <a:ext cx="4261607" cy="3822526"/>
+          </a:xfrm>
+          <a:prstGeom prst="rect">
+            <a:avLst/>
+          </a:prstGeom>
+          <a:noFill/>
+          <a:extLst>
+            <a:ext uri="{909E8E84-426E-40DD-AFC4-6F175D3DCCD1}">
+              <a14:hiddenFill xmlns:a14="http://schemas.microsoft.com/office/drawing/2010/main">
+                <a:solidFill>
+                  <a:srgbClr val="FFFFFF"/>
+                </a:solidFill>
+              </a14:hiddenFill>
+            </a:ext>
+          </a:extLst>
+        </p:spPr>
+      </p:pic>
     </p:spTree>
     <p:extLst>
       <p:ext uri="{BB962C8B-B14F-4D97-AF65-F5344CB8AC3E}">
@@ -26893,8 +26767,8 @@
         </p:nvSpPr>
         <p:spPr>
           <a:xfrm>
-            <a:off x="240854" y="792533"/>
-            <a:ext cx="6245604" cy="753283"/>
+            <a:off x="240853" y="792533"/>
+            <a:ext cx="8248805" cy="753283"/>
           </a:xfrm>
           <a:prstGeom prst="rect">
             <a:avLst/>
@@ -26928,7 +26802,432 @@
               <a:rPr lang="en-GB" sz="3200" dirty="0">
                 <a:latin typeface="Abadi" panose="020B0604020104020204" pitchFamily="34" charset="0"/>
               </a:rPr>
+              <a:t>() </a:t>
+            </a:r>
+            <a:r>
+              <a:rPr lang="de-DE" sz="3200" dirty="0">
+                <a:latin typeface="Abadi" panose="020B0604020104020204" pitchFamily="34" charset="0"/>
+              </a:rPr>
+              <a:t>&amp; Choose_Direction()</a:t>
+            </a:r>
+            <a:endParaRPr lang="en-GB" sz="3200" dirty="0">
+              <a:latin typeface="Abadi" panose="020B0604020104020204" pitchFamily="34" charset="0"/>
+            </a:endParaRPr>
+          </a:p>
+        </p:txBody>
+      </p:sp>
+      <p:sp>
+        <p:nvSpPr>
+          <p:cNvPr id="13" name="Text Placeholder 3">
+            <a:extLst>
+              <a:ext uri="{FF2B5EF4-FFF2-40B4-BE49-F238E27FC236}">
+                <a16:creationId xmlns:a16="http://schemas.microsoft.com/office/drawing/2014/main" id="{4AD5A429-481F-422B-90DB-9676A5797591}"/>
+              </a:ext>
+            </a:extLst>
+          </p:cNvPr>
+          <p:cNvSpPr txBox="1">
+            <a:spLocks/>
+          </p:cNvSpPr>
+          <p:nvPr/>
+        </p:nvSpPr>
+        <p:spPr>
+          <a:xfrm>
+            <a:off x="839788" y="2057400"/>
+            <a:ext cx="3932237" cy="3811588"/>
+          </a:xfrm>
+          <a:prstGeom prst="rect">
+            <a:avLst/>
+          </a:prstGeom>
+        </p:spPr>
+        <p:txBody>
+          <a:bodyPr/>
+          <a:lstStyle>
+            <a:lvl1pPr marL="228600" indent="-228600" algn="l" defTabSz="914400" rtl="0" eaLnBrk="1" latinLnBrk="0" hangingPunct="1">
+              <a:lnSpc>
+                <a:spcPct val="90000"/>
+              </a:lnSpc>
+              <a:spcBef>
+                <a:spcPts val="1000"/>
+              </a:spcBef>
+              <a:buFont typeface="Arial" panose="020B0604020202020204" pitchFamily="34" charset="0"/>
+              <a:buChar char="•"/>
+              <a:defRPr sz="2800" kern="1200">
+                <a:solidFill>
+                  <a:schemeClr val="tx1"/>
+                </a:solidFill>
+                <a:latin typeface="+mn-lt"/>
+                <a:ea typeface="+mn-ea"/>
+                <a:cs typeface="+mn-cs"/>
+              </a:defRPr>
+            </a:lvl1pPr>
+            <a:lvl2pPr marL="685800" indent="-228600" algn="l" defTabSz="914400" rtl="0" eaLnBrk="1" latinLnBrk="0" hangingPunct="1">
+              <a:lnSpc>
+                <a:spcPct val="90000"/>
+              </a:lnSpc>
+              <a:spcBef>
+                <a:spcPts val="500"/>
+              </a:spcBef>
+              <a:buFont typeface="Arial" panose="020B0604020202020204" pitchFamily="34" charset="0"/>
+              <a:buChar char="•"/>
+              <a:defRPr sz="2400" kern="1200">
+                <a:solidFill>
+                  <a:schemeClr val="tx1"/>
+                </a:solidFill>
+                <a:latin typeface="+mn-lt"/>
+                <a:ea typeface="+mn-ea"/>
+                <a:cs typeface="+mn-cs"/>
+              </a:defRPr>
+            </a:lvl2pPr>
+            <a:lvl3pPr marL="1143000" indent="-228600" algn="l" defTabSz="914400" rtl="0" eaLnBrk="1" latinLnBrk="0" hangingPunct="1">
+              <a:lnSpc>
+                <a:spcPct val="90000"/>
+              </a:lnSpc>
+              <a:spcBef>
+                <a:spcPts val="500"/>
+              </a:spcBef>
+              <a:buFont typeface="Arial" panose="020B0604020202020204" pitchFamily="34" charset="0"/>
+              <a:buChar char="•"/>
+              <a:defRPr sz="2000" kern="1200">
+                <a:solidFill>
+                  <a:schemeClr val="tx1"/>
+                </a:solidFill>
+                <a:latin typeface="+mn-lt"/>
+                <a:ea typeface="+mn-ea"/>
+                <a:cs typeface="+mn-cs"/>
+              </a:defRPr>
+            </a:lvl3pPr>
+            <a:lvl4pPr marL="1600200" indent="-228600" algn="l" defTabSz="914400" rtl="0" eaLnBrk="1" latinLnBrk="0" hangingPunct="1">
+              <a:lnSpc>
+                <a:spcPct val="90000"/>
+              </a:lnSpc>
+              <a:spcBef>
+                <a:spcPts val="500"/>
+              </a:spcBef>
+              <a:buFont typeface="Arial" panose="020B0604020202020204" pitchFamily="34" charset="0"/>
+              <a:buChar char="•"/>
+              <a:defRPr sz="1800" kern="1200">
+                <a:solidFill>
+                  <a:schemeClr val="tx1"/>
+                </a:solidFill>
+                <a:latin typeface="+mn-lt"/>
+                <a:ea typeface="+mn-ea"/>
+                <a:cs typeface="+mn-cs"/>
+              </a:defRPr>
+            </a:lvl4pPr>
+            <a:lvl5pPr marL="2057400" indent="-228600" algn="l" defTabSz="914400" rtl="0" eaLnBrk="1" latinLnBrk="0" hangingPunct="1">
+              <a:lnSpc>
+                <a:spcPct val="90000"/>
+              </a:lnSpc>
+              <a:spcBef>
+                <a:spcPts val="500"/>
+              </a:spcBef>
+              <a:buFont typeface="Arial" panose="020B0604020202020204" pitchFamily="34" charset="0"/>
+              <a:buChar char="•"/>
+              <a:defRPr sz="1800" kern="1200">
+                <a:solidFill>
+                  <a:schemeClr val="tx1"/>
+                </a:solidFill>
+                <a:latin typeface="+mn-lt"/>
+                <a:ea typeface="+mn-ea"/>
+                <a:cs typeface="+mn-cs"/>
+              </a:defRPr>
+            </a:lvl5pPr>
+            <a:lvl6pPr marL="2514600" indent="-228600" algn="l" defTabSz="914400" rtl="0" eaLnBrk="1" latinLnBrk="0" hangingPunct="1">
+              <a:lnSpc>
+                <a:spcPct val="90000"/>
+              </a:lnSpc>
+              <a:spcBef>
+                <a:spcPts val="500"/>
+              </a:spcBef>
+              <a:buFont typeface="Arial" panose="020B0604020202020204" pitchFamily="34" charset="0"/>
+              <a:buChar char="•"/>
+              <a:defRPr sz="1800" kern="1200">
+                <a:solidFill>
+                  <a:schemeClr val="tx1"/>
+                </a:solidFill>
+                <a:latin typeface="+mn-lt"/>
+                <a:ea typeface="+mn-ea"/>
+                <a:cs typeface="+mn-cs"/>
+              </a:defRPr>
+            </a:lvl6pPr>
+            <a:lvl7pPr marL="2971800" indent="-228600" algn="l" defTabSz="914400" rtl="0" eaLnBrk="1" latinLnBrk="0" hangingPunct="1">
+              <a:lnSpc>
+                <a:spcPct val="90000"/>
+              </a:lnSpc>
+              <a:spcBef>
+                <a:spcPts val="500"/>
+              </a:spcBef>
+              <a:buFont typeface="Arial" panose="020B0604020202020204" pitchFamily="34" charset="0"/>
+              <a:buChar char="•"/>
+              <a:defRPr sz="1800" kern="1200">
+                <a:solidFill>
+                  <a:schemeClr val="tx1"/>
+                </a:solidFill>
+                <a:latin typeface="+mn-lt"/>
+                <a:ea typeface="+mn-ea"/>
+                <a:cs typeface="+mn-cs"/>
+              </a:defRPr>
+            </a:lvl7pPr>
+            <a:lvl8pPr marL="3429000" indent="-228600" algn="l" defTabSz="914400" rtl="0" eaLnBrk="1" latinLnBrk="0" hangingPunct="1">
+              <a:lnSpc>
+                <a:spcPct val="90000"/>
+              </a:lnSpc>
+              <a:spcBef>
+                <a:spcPts val="500"/>
+              </a:spcBef>
+              <a:buFont typeface="Arial" panose="020B0604020202020204" pitchFamily="34" charset="0"/>
+              <a:buChar char="•"/>
+              <a:defRPr sz="1800" kern="1200">
+                <a:solidFill>
+                  <a:schemeClr val="tx1"/>
+                </a:solidFill>
+                <a:latin typeface="+mn-lt"/>
+                <a:ea typeface="+mn-ea"/>
+                <a:cs typeface="+mn-cs"/>
+              </a:defRPr>
+            </a:lvl8pPr>
+            <a:lvl9pPr marL="3886200" indent="-228600" algn="l" defTabSz="914400" rtl="0" eaLnBrk="1" latinLnBrk="0" hangingPunct="1">
+              <a:lnSpc>
+                <a:spcPct val="90000"/>
+              </a:lnSpc>
+              <a:spcBef>
+                <a:spcPts val="500"/>
+              </a:spcBef>
+              <a:buFont typeface="Arial" panose="020B0604020202020204" pitchFamily="34" charset="0"/>
+              <a:buChar char="•"/>
+              <a:defRPr sz="1800" kern="1200">
+                <a:solidFill>
+                  <a:schemeClr val="tx1"/>
+                </a:solidFill>
+                <a:latin typeface="+mn-lt"/>
+                <a:ea typeface="+mn-ea"/>
+                <a:cs typeface="+mn-cs"/>
+              </a:defRPr>
+            </a:lvl9pPr>
+          </a:lstStyle>
+          <a:p>
+            <a:pPr fontAlgn="base"/>
+            <a:r>
+              <a:rPr lang="en-US" sz="1800" b="1" dirty="0" err="1">
+                <a:latin typeface="Abadi" panose="020B0604020104020204" pitchFamily="34" charset="0"/>
+              </a:rPr>
+              <a:t>Choose_Coordinate</a:t>
+            </a:r>
+            <a:r>
+              <a:rPr lang="en-US" sz="1800" b="1" dirty="0">
+                <a:latin typeface="Abadi" panose="020B0604020104020204" pitchFamily="34" charset="0"/>
+              </a:rPr>
               <a:t>()</a:t>
+            </a:r>
+          </a:p>
+          <a:p>
+            <a:pPr fontAlgn="base"/>
+            <a:endParaRPr lang="en-US" sz="1800" b="1" dirty="0">
+              <a:latin typeface="Abadi" panose="020B0604020104020204" pitchFamily="34" charset="0"/>
+            </a:endParaRPr>
+          </a:p>
+          <a:p>
+            <a:pPr fontAlgn="base"/>
+            <a:endParaRPr lang="en-US" sz="1800" b="1" dirty="0">
+              <a:latin typeface="Abadi" panose="020B0604020104020204" pitchFamily="34" charset="0"/>
+            </a:endParaRPr>
+          </a:p>
+          <a:p>
+            <a:pPr fontAlgn="base"/>
+            <a:endParaRPr lang="en-US" sz="1800" b="1" dirty="0">
+              <a:latin typeface="Abadi" panose="020B0604020104020204" pitchFamily="34" charset="0"/>
+            </a:endParaRPr>
+          </a:p>
+          <a:p>
+            <a:pPr fontAlgn="base"/>
+            <a:endParaRPr lang="en-US" sz="1800" b="1" dirty="0">
+              <a:latin typeface="Abadi" panose="020B0604020104020204" pitchFamily="34" charset="0"/>
+            </a:endParaRPr>
+          </a:p>
+          <a:p>
+            <a:r>
+              <a:rPr lang="en-US" sz="1800" b="1" dirty="0" err="1">
+                <a:latin typeface="Abadi" panose="020B0604020104020204" pitchFamily="34" charset="0"/>
+              </a:rPr>
+              <a:t>Choose_Direction</a:t>
+            </a:r>
+            <a:r>
+              <a:rPr lang="en-US" sz="1800" b="1" dirty="0">
+                <a:latin typeface="Abadi" panose="020B0604020104020204" pitchFamily="34" charset="0"/>
+              </a:rPr>
+              <a:t>()</a:t>
+            </a:r>
+            <a:endParaRPr lang="en-US" sz="1800" dirty="0">
+              <a:latin typeface="Abadi" panose="020B0604020104020204" pitchFamily="34" charset="0"/>
+            </a:endParaRPr>
+          </a:p>
+          <a:p>
+            <a:endParaRPr lang="de-DE" dirty="0"/>
+          </a:p>
+        </p:txBody>
+      </p:sp>
+      <p:pic>
+        <p:nvPicPr>
+          <p:cNvPr id="14" name="Picture 2" descr="https://lh4.googleusercontent.com/ljly2F0Va8SfOFMpeCglAJgolEWRi2X_fG-ixhiE1-772QkRoWJKY678GK6Um4bqpvKlAjcxRBiOW59JyEN209KpUzeJ63vRsey8WcF-y5JNFRDmBWXzgx3dE4P1EJ4yWRL3kLcL">
+            <a:extLst>
+              <a:ext uri="{FF2B5EF4-FFF2-40B4-BE49-F238E27FC236}">
+                <a16:creationId xmlns:a16="http://schemas.microsoft.com/office/drawing/2014/main" id="{35731D25-8A7E-4C30-96A3-16E531A11F0B}"/>
+              </a:ext>
+            </a:extLst>
+          </p:cNvPr>
+          <p:cNvPicPr>
+            <a:picLocks noGrp="1" noChangeAspect="1" noChangeArrowheads="1"/>
+          </p:cNvPicPr>
+          <p:nvPr>
+            <p:ph idx="1"/>
+          </p:nvPr>
+        </p:nvPicPr>
+        <p:blipFill rotWithShape="1">
+          <a:blip r:embed="rId2">
+            <a:extLst>
+              <a:ext uri="{28A0092B-C50C-407E-A947-70E740481C1C}">
+                <a14:useLocalDpi xmlns:a14="http://schemas.microsoft.com/office/drawing/2010/main" val="0"/>
+              </a:ext>
+            </a:extLst>
+          </a:blip>
+          <a:srcRect r="50250"/>
+          <a:stretch/>
+        </p:blipFill>
+        <p:spPr bwMode="auto">
+          <a:xfrm>
+            <a:off x="7121278" y="1943401"/>
+            <a:ext cx="2721222" cy="4039585"/>
+          </a:xfrm>
+          <a:prstGeom prst="rect">
+            <a:avLst/>
+          </a:prstGeom>
+          <a:noFill/>
+          <a:extLst>
+            <a:ext uri="{909E8E84-426E-40DD-AFC4-6F175D3DCCD1}">
+              <a14:hiddenFill xmlns:a14="http://schemas.microsoft.com/office/drawing/2010/main">
+                <a:solidFill>
+                  <a:srgbClr val="FFFFFF"/>
+                </a:solidFill>
+              </a14:hiddenFill>
+            </a:ext>
+          </a:extLst>
+        </p:spPr>
+      </p:pic>
+      <p:sp>
+        <p:nvSpPr>
+          <p:cNvPr id="16" name="文字方塊 15">
+            <a:extLst>
+              <a:ext uri="{FF2B5EF4-FFF2-40B4-BE49-F238E27FC236}">
+                <a16:creationId xmlns:a16="http://schemas.microsoft.com/office/drawing/2014/main" id="{B186464F-D80A-436B-8A5B-FD93F5ACD216}"/>
+              </a:ext>
+            </a:extLst>
+          </p:cNvPr>
+          <p:cNvSpPr txBox="1"/>
+          <p:nvPr/>
+        </p:nvSpPr>
+        <p:spPr>
+          <a:xfrm>
+            <a:off x="1071230" y="2433934"/>
+            <a:ext cx="6245604" cy="923330"/>
+          </a:xfrm>
+          <a:prstGeom prst="rect">
+            <a:avLst/>
+          </a:prstGeom>
+          <a:noFill/>
+        </p:spPr>
+        <p:txBody>
+          <a:bodyPr wrap="square">
+            <a:spAutoFit/>
+          </a:bodyPr>
+          <a:lstStyle/>
+          <a:p>
+            <a:pPr marL="0" indent="0" fontAlgn="base">
+              <a:buNone/>
+            </a:pPr>
+            <a:r>
+              <a:rPr lang="en-US" sz="1800" dirty="0">
+                <a:latin typeface="Abadi" panose="020B0604020104020204" pitchFamily="34" charset="0"/>
+              </a:rPr>
+              <a:t>This function enables players to input letters </a:t>
+            </a:r>
+          </a:p>
+          <a:p>
+            <a:pPr marL="0" indent="0" fontAlgn="base">
+              <a:buNone/>
+            </a:pPr>
+            <a:r>
+              <a:rPr lang="en-US" sz="1800" dirty="0">
+                <a:latin typeface="Abadi" panose="020B0604020104020204" pitchFamily="34" charset="0"/>
+              </a:rPr>
+              <a:t>(A-J) for rows, numbers from (0-9) for </a:t>
+            </a:r>
+          </a:p>
+          <a:p>
+            <a:pPr marL="0" indent="0" fontAlgn="base">
+              <a:buNone/>
+            </a:pPr>
+            <a:r>
+              <a:rPr lang="en-US" sz="1800" dirty="0">
+                <a:latin typeface="Abadi" panose="020B0604020104020204" pitchFamily="34" charset="0"/>
+              </a:rPr>
+              <a:t>columns.</a:t>
+            </a:r>
+          </a:p>
+        </p:txBody>
+      </p:sp>
+      <p:sp>
+        <p:nvSpPr>
+          <p:cNvPr id="18" name="文字方塊 17">
+            <a:extLst>
+              <a:ext uri="{FF2B5EF4-FFF2-40B4-BE49-F238E27FC236}">
+                <a16:creationId xmlns:a16="http://schemas.microsoft.com/office/drawing/2014/main" id="{5916533D-0A18-4DF8-B3D1-3DD4677EB3FF}"/>
+              </a:ext>
+            </a:extLst>
+          </p:cNvPr>
+          <p:cNvSpPr txBox="1"/>
+          <p:nvPr/>
+        </p:nvSpPr>
+        <p:spPr>
+          <a:xfrm>
+            <a:off x="1071230" y="4324139"/>
+            <a:ext cx="6245604" cy="646331"/>
+          </a:xfrm>
+          <a:prstGeom prst="rect">
+            <a:avLst/>
+          </a:prstGeom>
+          <a:noFill/>
+        </p:spPr>
+        <p:txBody>
+          <a:bodyPr wrap="square">
+            <a:spAutoFit/>
+          </a:bodyPr>
+          <a:lstStyle/>
+          <a:p>
+            <a:pPr marL="0" indent="0" fontAlgn="base">
+              <a:buNone/>
+            </a:pPr>
+            <a:r>
+              <a:rPr lang="en-US" sz="1800" dirty="0">
+                <a:latin typeface="Abadi" panose="020B0604020104020204" pitchFamily="34" charset="0"/>
+              </a:rPr>
+              <a:t>With this function, players are enabled to </a:t>
+            </a:r>
+          </a:p>
+          <a:p>
+            <a:pPr marL="0" indent="0" fontAlgn="base">
+              <a:buNone/>
+            </a:pPr>
+            <a:r>
+              <a:rPr lang="en-US" sz="1800" dirty="0">
+                <a:latin typeface="Abadi" panose="020B0604020104020204" pitchFamily="34" charset="0"/>
+              </a:rPr>
+              <a:t>choose the heading direction of their ships </a:t>
+            </a:r>
+            <a:r>
+              <a:rPr lang="en-US" dirty="0">
+                <a:latin typeface="Abadi" panose="020B0604020104020204" pitchFamily="34" charset="0"/>
+              </a:rPr>
+              <a:t>.</a:t>
             </a:r>
           </a:p>
         </p:txBody>

--- a/Missouri PPT.pptx
+++ b/Missouri PPT.pptx
@@ -19,7 +19,8 @@
     <p:sldId id="273" r:id="rId13"/>
     <p:sldId id="274" r:id="rId14"/>
     <p:sldId id="277" r:id="rId15"/>
-    <p:sldId id="276" r:id="rId16"/>
+    <p:sldId id="278" r:id="rId16"/>
+    <p:sldId id="276" r:id="rId17"/>
   </p:sldIdLst>
   <p:sldSz cx="12192000" cy="6858000"/>
   <p:notesSz cx="6858000" cy="9144000"/>
@@ -6700,7 +6701,7 @@
         </p:nvGrpSpPr>
         <p:grpSpPr>
           <a:xfrm>
-            <a:off x="0" y="656311"/>
+            <a:off x="0" y="2624259"/>
             <a:ext cx="6891794" cy="1462734"/>
             <a:chOff x="531359" y="765368"/>
             <a:chExt cx="6891794" cy="1462734"/>
@@ -6839,7 +6840,7 @@
             <a:lstStyle/>
             <a:p>
               <a:pPr algn="ctr"/>
-              <a:endParaRPr lang="en-US"/>
+              <a:endParaRPr lang="en-US" dirty="0"/>
             </a:p>
           </p:txBody>
         </p:sp>
@@ -7020,7 +7021,7 @@
         </p:nvSpPr>
         <p:spPr>
           <a:xfrm>
-            <a:off x="1112263" y="976044"/>
+            <a:off x="1365270" y="2896342"/>
             <a:ext cx="1606530" cy="769441"/>
           </a:xfrm>
           <a:prstGeom prst="rect">
@@ -7066,6 +7067,526 @@
 </file>
 
 <file path=ppt/slides/slide15.xml><?xml version="1.0" encoding="utf-8"?>
+<p:sld xmlns:a="http://schemas.openxmlformats.org/drawingml/2006/main" xmlns:r="http://schemas.openxmlformats.org/officeDocument/2006/relationships" xmlns:p="http://schemas.openxmlformats.org/presentationml/2006/main">
+  <p:cSld>
+    <p:bg>
+      <p:bgPr>
+        <a:solidFill>
+          <a:schemeClr val="bg1"/>
+        </a:solidFill>
+        <a:effectLst/>
+      </p:bgPr>
+    </p:bg>
+    <p:spTree>
+      <p:nvGrpSpPr>
+        <p:cNvPr id="1" name=""/>
+        <p:cNvGrpSpPr/>
+        <p:nvPr/>
+      </p:nvGrpSpPr>
+      <p:grpSpPr>
+        <a:xfrm>
+          <a:off x="0" y="0"/>
+          <a:ext cx="0" cy="0"/>
+          <a:chOff x="0" y="0"/>
+          <a:chExt cx="0" cy="0"/>
+        </a:xfrm>
+      </p:grpSpPr>
+      <p:sp useBgFill="1">
+        <p:nvSpPr>
+          <p:cNvPr id="9" name="Rectangle 8">
+            <a:extLst>
+              <a:ext uri="{FF2B5EF4-FFF2-40B4-BE49-F238E27FC236}">
+                <a16:creationId xmlns:a16="http://schemas.microsoft.com/office/drawing/2014/main" id="{AB8C311F-7253-4AED-9701-7FC0708C41C7}"/>
+              </a:ext>
+              <a:ext uri="{C183D7F6-B498-43B3-948B-1728B52AA6E4}">
+                <adec:decorative xmlns:adec="http://schemas.microsoft.com/office/drawing/2017/decorative" val="1"/>
+              </a:ext>
+            </a:extLst>
+          </p:cNvPr>
+          <p:cNvSpPr>
+            <a:spLocks noGrp="1" noRot="1" noChangeAspect="1" noMove="1" noResize="1" noEditPoints="1" noAdjustHandles="1" noChangeArrowheads="1" noChangeShapeType="1" noTextEdit="1"/>
+          </p:cNvSpPr>
+          <p:nvPr>
+            <p:extLst>
+              <p:ext uri="{386F3935-93C4-4BCD-93E2-E3B085C9AB24}">
+                <p16:designElem xmlns:p16="http://schemas.microsoft.com/office/powerpoint/2015/main" val="1"/>
+              </p:ext>
+            </p:extLst>
+          </p:nvPr>
+        </p:nvSpPr>
+        <p:spPr>
+          <a:xfrm>
+            <a:off x="0" y="0"/>
+            <a:ext cx="12192000" cy="6858000"/>
+          </a:xfrm>
+          <a:prstGeom prst="rect">
+            <a:avLst/>
+          </a:prstGeom>
+          <a:ln w="12700" cap="flat" cmpd="sng" algn="ctr">
+            <a:noFill/>
+            <a:prstDash val="solid"/>
+            <a:miter lim="800000"/>
+          </a:ln>
+          <a:effectLst/>
+          <a:extLst>
+            <a:ext uri="{91240B29-F687-4F45-9708-019B960494DF}">
+              <a14:hiddenLine xmlns:a14="http://schemas.microsoft.com/office/drawing/2010/main" w="12700" cap="flat" cmpd="sng" algn="ctr">
+                <a:solidFill>
+                  <a:schemeClr val="accent1">
+                    <a:shade val="50000"/>
+                  </a:schemeClr>
+                </a:solidFill>
+                <a:prstDash val="solid"/>
+                <a:miter lim="800000"/>
+              </a14:hiddenLine>
+            </a:ext>
+          </a:extLst>
+        </p:spPr>
+        <p:style>
+          <a:lnRef idx="2">
+            <a:schemeClr val="accent1">
+              <a:shade val="50000"/>
+            </a:schemeClr>
+          </a:lnRef>
+          <a:fillRef idx="1">
+            <a:schemeClr val="accent1"/>
+          </a:fillRef>
+          <a:effectRef idx="0">
+            <a:schemeClr val="accent1"/>
+          </a:effectRef>
+          <a:fontRef idx="minor">
+            <a:schemeClr val="lt1"/>
+          </a:fontRef>
+        </p:style>
+        <p:txBody>
+          <a:bodyPr rtlCol="0" anchor="ctr"/>
+          <a:lstStyle/>
+          <a:p>
+            <a:pPr algn="ctr"/>
+            <a:endParaRPr lang="en-US"/>
+          </a:p>
+        </p:txBody>
+      </p:sp>
+      <p:sp>
+        <p:nvSpPr>
+          <p:cNvPr id="11" name="Rectangle 10">
+            <a:extLst>
+              <a:ext uri="{FF2B5EF4-FFF2-40B4-BE49-F238E27FC236}">
+                <a16:creationId xmlns:a16="http://schemas.microsoft.com/office/drawing/2014/main" id="{FD073016-B734-483B-8953-5BADEE145112}"/>
+              </a:ext>
+              <a:ext uri="{C183D7F6-B498-43B3-948B-1728B52AA6E4}">
+                <adec:decorative xmlns:adec="http://schemas.microsoft.com/office/drawing/2017/decorative" val="1"/>
+              </a:ext>
+            </a:extLst>
+          </p:cNvPr>
+          <p:cNvSpPr>
+            <a:spLocks noGrp="1" noRot="1" noChangeAspect="1" noMove="1" noResize="1" noEditPoints="1" noAdjustHandles="1" noChangeArrowheads="1" noChangeShapeType="1" noTextEdit="1"/>
+          </p:cNvSpPr>
+          <p:nvPr>
+            <p:extLst>
+              <p:ext uri="{386F3935-93C4-4BCD-93E2-E3B085C9AB24}">
+                <p16:designElem xmlns:p16="http://schemas.microsoft.com/office/powerpoint/2015/main" val="1"/>
+              </p:ext>
+            </p:extLst>
+          </p:nvPr>
+        </p:nvSpPr>
+        <p:spPr>
+          <a:xfrm>
+            <a:off x="4038600" y="0"/>
+            <a:ext cx="8157458" cy="6858000"/>
+          </a:xfrm>
+          <a:prstGeom prst="rect">
+            <a:avLst/>
+          </a:prstGeom>
+          <a:gradFill>
+            <a:gsLst>
+              <a:gs pos="2000">
+                <a:schemeClr val="accent1"/>
+              </a:gs>
+              <a:gs pos="78000">
+                <a:schemeClr val="accent1">
+                  <a:lumMod val="50000"/>
+                </a:schemeClr>
+              </a:gs>
+              <a:gs pos="100000">
+                <a:srgbClr val="000000">
+                  <a:alpha val="85000"/>
+                </a:srgbClr>
+              </a:gs>
+            </a:gsLst>
+            <a:lin ang="18000000" scaled="0"/>
+          </a:gradFill>
+          <a:ln>
+            <a:noFill/>
+          </a:ln>
+        </p:spPr>
+        <p:style>
+          <a:lnRef idx="2">
+            <a:schemeClr val="accent1">
+              <a:shade val="50000"/>
+            </a:schemeClr>
+          </a:lnRef>
+          <a:fillRef idx="1">
+            <a:schemeClr val="accent1"/>
+          </a:fillRef>
+          <a:effectRef idx="0">
+            <a:schemeClr val="accent1"/>
+          </a:effectRef>
+          <a:fontRef idx="minor">
+            <a:schemeClr val="lt1"/>
+          </a:fontRef>
+        </p:style>
+        <p:txBody>
+          <a:bodyPr rtlCol="0" anchor="ctr"/>
+          <a:lstStyle/>
+          <a:p>
+            <a:pPr algn="ctr"/>
+            <a:endParaRPr lang="en-US"/>
+          </a:p>
+        </p:txBody>
+      </p:sp>
+      <p:sp>
+        <p:nvSpPr>
+          <p:cNvPr id="13" name="Rectangle 12">
+            <a:extLst>
+              <a:ext uri="{FF2B5EF4-FFF2-40B4-BE49-F238E27FC236}">
+                <a16:creationId xmlns:a16="http://schemas.microsoft.com/office/drawing/2014/main" id="{90A7EAB6-59D3-4325-8DE6-E0CA4009CE53}"/>
+              </a:ext>
+              <a:ext uri="{C183D7F6-B498-43B3-948B-1728B52AA6E4}">
+                <adec:decorative xmlns:adec="http://schemas.microsoft.com/office/drawing/2017/decorative" val="1"/>
+              </a:ext>
+            </a:extLst>
+          </p:cNvPr>
+          <p:cNvSpPr>
+            <a:spLocks noGrp="1" noRot="1" noChangeAspect="1" noMove="1" noResize="1" noEditPoints="1" noAdjustHandles="1" noChangeArrowheads="1" noChangeShapeType="1" noTextEdit="1"/>
+          </p:cNvSpPr>
+          <p:nvPr>
+            <p:extLst>
+              <p:ext uri="{386F3935-93C4-4BCD-93E2-E3B085C9AB24}">
+                <p16:designElem xmlns:p16="http://schemas.microsoft.com/office/powerpoint/2015/main" val="1"/>
+              </p:ext>
+            </p:extLst>
+          </p:nvPr>
+        </p:nvSpPr>
+        <p:spPr>
+          <a:xfrm flipH="1">
+            <a:off x="4034537" y="1839884"/>
+            <a:ext cx="8157460" cy="5017687"/>
+          </a:xfrm>
+          <a:prstGeom prst="rect">
+            <a:avLst/>
+          </a:prstGeom>
+          <a:gradFill>
+            <a:gsLst>
+              <a:gs pos="0">
+                <a:schemeClr val="accent1">
+                  <a:lumMod val="60000"/>
+                  <a:lumOff val="40000"/>
+                  <a:alpha val="30000"/>
+                </a:schemeClr>
+              </a:gs>
+              <a:gs pos="100000">
+                <a:srgbClr val="000000">
+                  <a:alpha val="44000"/>
+                </a:srgbClr>
+              </a:gs>
+            </a:gsLst>
+            <a:lin ang="4800000" scaled="0"/>
+          </a:gradFill>
+          <a:ln>
+            <a:noFill/>
+          </a:ln>
+        </p:spPr>
+        <p:style>
+          <a:lnRef idx="2">
+            <a:schemeClr val="accent1">
+              <a:shade val="50000"/>
+            </a:schemeClr>
+          </a:lnRef>
+          <a:fillRef idx="1">
+            <a:schemeClr val="accent1"/>
+          </a:fillRef>
+          <a:effectRef idx="0">
+            <a:schemeClr val="accent1"/>
+          </a:effectRef>
+          <a:fontRef idx="minor">
+            <a:schemeClr val="lt1"/>
+          </a:fontRef>
+        </p:style>
+        <p:txBody>
+          <a:bodyPr rtlCol="0" anchor="ctr"/>
+          <a:lstStyle/>
+          <a:p>
+            <a:pPr algn="ctr"/>
+            <a:endParaRPr lang="en-US"/>
+          </a:p>
+        </p:txBody>
+      </p:sp>
+      <p:sp>
+        <p:nvSpPr>
+          <p:cNvPr id="15" name="Rectangle 14">
+            <a:extLst>
+              <a:ext uri="{FF2B5EF4-FFF2-40B4-BE49-F238E27FC236}">
+                <a16:creationId xmlns:a16="http://schemas.microsoft.com/office/drawing/2014/main" id="{A8D57A06-A426-446D-B02C-A2DC6B62E45E}"/>
+              </a:ext>
+              <a:ext uri="{C183D7F6-B498-43B3-948B-1728B52AA6E4}">
+                <adec:decorative xmlns:adec="http://schemas.microsoft.com/office/drawing/2017/decorative" val="1"/>
+              </a:ext>
+            </a:extLst>
+          </p:cNvPr>
+          <p:cNvSpPr>
+            <a:spLocks noGrp="1" noRot="1" noChangeAspect="1" noMove="1" noResize="1" noEditPoints="1" noAdjustHandles="1" noChangeArrowheads="1" noChangeShapeType="1" noTextEdit="1"/>
+          </p:cNvSpPr>
+          <p:nvPr>
+            <p:extLst>
+              <p:ext uri="{386F3935-93C4-4BCD-93E2-E3B085C9AB24}">
+                <p16:designElem xmlns:p16="http://schemas.microsoft.com/office/powerpoint/2015/main" val="1"/>
+              </p:ext>
+            </p:extLst>
+          </p:nvPr>
+        </p:nvSpPr>
+        <p:spPr>
+          <a:xfrm rot="5400000" flipH="1">
+            <a:off x="4063179" y="-33131"/>
+            <a:ext cx="6857999" cy="6923403"/>
+          </a:xfrm>
+          <a:prstGeom prst="rect">
+            <a:avLst/>
+          </a:prstGeom>
+          <a:gradFill>
+            <a:gsLst>
+              <a:gs pos="56000">
+                <a:schemeClr val="accent1">
+                  <a:lumMod val="60000"/>
+                  <a:lumOff val="40000"/>
+                  <a:alpha val="0"/>
+                </a:schemeClr>
+              </a:gs>
+              <a:gs pos="100000">
+                <a:schemeClr val="accent1"/>
+              </a:gs>
+            </a:gsLst>
+            <a:lin ang="6600000" scaled="0"/>
+          </a:gradFill>
+          <a:ln>
+            <a:noFill/>
+          </a:ln>
+        </p:spPr>
+        <p:style>
+          <a:lnRef idx="2">
+            <a:schemeClr val="accent1">
+              <a:shade val="50000"/>
+            </a:schemeClr>
+          </a:lnRef>
+          <a:fillRef idx="1">
+            <a:schemeClr val="accent1"/>
+          </a:fillRef>
+          <a:effectRef idx="0">
+            <a:schemeClr val="accent1"/>
+          </a:effectRef>
+          <a:fontRef idx="minor">
+            <a:schemeClr val="lt1"/>
+          </a:fontRef>
+        </p:style>
+        <p:txBody>
+          <a:bodyPr rtlCol="0" anchor="ctr"/>
+          <a:lstStyle/>
+          <a:p>
+            <a:pPr algn="ctr"/>
+            <a:endParaRPr lang="en-US"/>
+          </a:p>
+        </p:txBody>
+      </p:sp>
+      <p:pic>
+        <p:nvPicPr>
+          <p:cNvPr id="4" name="視訊 3">
+            <a:hlinkClick r:id="" action="ppaction://media"/>
+            <a:extLst>
+              <a:ext uri="{FF2B5EF4-FFF2-40B4-BE49-F238E27FC236}">
+                <a16:creationId xmlns:a16="http://schemas.microsoft.com/office/drawing/2014/main" id="{70C1F8C0-5148-4D16-95E8-137A9B061393}"/>
+              </a:ext>
+            </a:extLst>
+          </p:cNvPr>
+          <p:cNvPicPr>
+            <a:picLocks noChangeAspect="1"/>
+          </p:cNvPicPr>
+          <p:nvPr>
+            <a:videoFile r:link="rId2"/>
+            <p:extLst>
+              <p:ext uri="{DAA4B4D4-6D71-4841-9C94-3DE7FCFB9230}">
+                <p14:media xmlns:p14="http://schemas.microsoft.com/office/powerpoint/2010/main" r:embed="rId1"/>
+              </p:ext>
+            </p:extLst>
+          </p:nvPr>
+        </p:nvPicPr>
+        <p:blipFill>
+          <a:blip r:embed="rId4"/>
+          <a:stretch>
+            <a:fillRect/>
+          </a:stretch>
+        </p:blipFill>
+        <p:spPr>
+          <a:xfrm>
+            <a:off x="457200" y="609600"/>
+            <a:ext cx="11277600" cy="5638800"/>
+          </a:xfrm>
+          <a:prstGeom prst="rect">
+            <a:avLst/>
+          </a:prstGeom>
+        </p:spPr>
+      </p:pic>
+    </p:spTree>
+    <p:extLst>
+      <p:ext uri="{BB962C8B-B14F-4D97-AF65-F5344CB8AC3E}">
+        <p14:creationId xmlns:p14="http://schemas.microsoft.com/office/powerpoint/2010/main" val="3066642817"/>
+      </p:ext>
+    </p:extLst>
+  </p:cSld>
+  <p:clrMapOvr>
+    <a:masterClrMapping/>
+  </p:clrMapOvr>
+  <p:timing>
+    <p:tnLst>
+      <p:par>
+        <p:cTn id="1" dur="indefinite" restart="never" nodeType="tmRoot">
+          <p:childTnLst>
+            <p:seq concurrent="1" nextAc="seek">
+              <p:cTn id="2" dur="indefinite" nodeType="mainSeq">
+                <p:childTnLst>
+                  <p:par>
+                    <p:cTn id="3" fill="hold">
+                      <p:stCondLst>
+                        <p:cond delay="indefinite"/>
+                        <p:cond evt="onBegin" delay="0">
+                          <p:tn val="2"/>
+                        </p:cond>
+                      </p:stCondLst>
+                      <p:childTnLst>
+                        <p:par>
+                          <p:cTn id="4" fill="hold">
+                            <p:stCondLst>
+                              <p:cond delay="0"/>
+                            </p:stCondLst>
+                            <p:childTnLst>
+                              <p:par>
+                                <p:cTn id="5" presetID="1" presetClass="mediacall" presetSubtype="0" fill="hold" nodeType="withEffect">
+                                  <p:stCondLst>
+                                    <p:cond delay="0"/>
+                                  </p:stCondLst>
+                                  <p:childTnLst>
+                                    <p:cmd type="call" cmd="playFrom(0.0)">
+                                      <p:cBhvr>
+                                        <p:cTn id="6" dur="83670" fill="hold"/>
+                                        <p:tgtEl>
+                                          <p:spTgt spid="4"/>
+                                        </p:tgtEl>
+                                      </p:cBhvr>
+                                    </p:cmd>
+                                  </p:childTnLst>
+                                </p:cTn>
+                              </p:par>
+                            </p:childTnLst>
+                          </p:cTn>
+                        </p:par>
+                      </p:childTnLst>
+                    </p:cTn>
+                  </p:par>
+                </p:childTnLst>
+              </p:cTn>
+              <p:prevCondLst>
+                <p:cond evt="onPrev" delay="0">
+                  <p:tgtEl>
+                    <p:sldTgt/>
+                  </p:tgtEl>
+                </p:cond>
+              </p:prevCondLst>
+              <p:nextCondLst>
+                <p:cond evt="onNext" delay="0">
+                  <p:tgtEl>
+                    <p:sldTgt/>
+                  </p:tgtEl>
+                </p:cond>
+              </p:nextCondLst>
+            </p:seq>
+            <p:seq concurrent="1" nextAc="seek">
+              <p:cTn id="7" restart="whenNotActive" fill="hold" evtFilter="cancelBubble" nodeType="interactiveSeq">
+                <p:stCondLst>
+                  <p:cond evt="onClick" delay="0">
+                    <p:tgtEl>
+                      <p:spTgt spid="4"/>
+                    </p:tgtEl>
+                  </p:cond>
+                </p:stCondLst>
+                <p:endSync evt="end" delay="0">
+                  <p:rtn val="all"/>
+                </p:endSync>
+                <p:childTnLst>
+                  <p:par>
+                    <p:cTn id="8" fill="hold">
+                      <p:stCondLst>
+                        <p:cond delay="0"/>
+                      </p:stCondLst>
+                      <p:childTnLst>
+                        <p:par>
+                          <p:cTn id="9" fill="hold">
+                            <p:stCondLst>
+                              <p:cond delay="0"/>
+                            </p:stCondLst>
+                            <p:childTnLst>
+                              <p:par>
+                                <p:cTn id="10" presetID="2" presetClass="mediacall" presetSubtype="0" fill="hold" nodeType="clickEffect">
+                                  <p:stCondLst>
+                                    <p:cond delay="0"/>
+                                  </p:stCondLst>
+                                  <p:childTnLst>
+                                    <p:cmd type="call" cmd="togglePause">
+                                      <p:cBhvr>
+                                        <p:cTn id="11" dur="1" fill="hold"/>
+                                        <p:tgtEl>
+                                          <p:spTgt spid="4"/>
+                                        </p:tgtEl>
+                                      </p:cBhvr>
+                                    </p:cmd>
+                                  </p:childTnLst>
+                                </p:cTn>
+                              </p:par>
+                            </p:childTnLst>
+                          </p:cTn>
+                        </p:par>
+                      </p:childTnLst>
+                    </p:cTn>
+                  </p:par>
+                </p:childTnLst>
+              </p:cTn>
+              <p:nextCondLst>
+                <p:cond evt="onClick" delay="0">
+                  <p:tgtEl>
+                    <p:spTgt spid="4"/>
+                  </p:tgtEl>
+                </p:cond>
+              </p:nextCondLst>
+            </p:seq>
+            <p:video>
+              <p:cMediaNode vol="80000" mute="1">
+                <p:cTn id="12" repeatCount="indefinite" fill="hold" display="0">
+                  <p:stCondLst>
+                    <p:cond delay="indefinite"/>
+                  </p:stCondLst>
+                </p:cTn>
+                <p:tgtEl>
+                  <p:spTgt spid="4"/>
+                </p:tgtEl>
+              </p:cMediaNode>
+            </p:video>
+          </p:childTnLst>
+        </p:cTn>
+      </p:par>
+    </p:tnLst>
+  </p:timing>
+</p:sld>
+</file>
+
+<file path=ppt/slides/slide16.xml><?xml version="1.0" encoding="utf-8"?>
 <p:sld xmlns:a="http://schemas.openxmlformats.org/drawingml/2006/main" xmlns:r="http://schemas.openxmlformats.org/officeDocument/2006/relationships" xmlns:p="http://schemas.openxmlformats.org/presentationml/2006/main">
   <p:cSld>
     <p:spTree>
